--- a/git및github첫걸음2-원격저장소만들기.pptx
+++ b/git및github첫걸음2-원격저장소만들기.pptx
@@ -243,7 +243,7 @@
           <a:p>
             <a:fld id="{A17B9194-BDE3-40E3-983E-94CE6FA773AF}" type="datetimeFigureOut">
               <a:rPr lang="ko-KR" altLang="en-US" smtClean="0"/>
-              <a:t>2021-04-02</a:t>
+              <a:t>2021-04-03</a:t>
             </a:fld>
             <a:endParaRPr lang="ko-KR" altLang="en-US"/>
           </a:p>
@@ -510,6 +510,102 @@
 </p:notesMaster>
 </file>
 
+<file path=ppt/notesSlides/notesSlide1.xml><?xml version="1.0" encoding="utf-8"?>
+<p:notes xmlns:a="http://schemas.openxmlformats.org/drawingml/2006/main" xmlns:r="http://schemas.openxmlformats.org/officeDocument/2006/relationships" xmlns:p="http://schemas.openxmlformats.org/presentationml/2006/main">
+  <p:cSld>
+    <p:spTree>
+      <p:nvGrpSpPr>
+        <p:cNvPr id="1" name=""/>
+        <p:cNvGrpSpPr/>
+        <p:nvPr/>
+      </p:nvGrpSpPr>
+      <p:grpSpPr>
+        <a:xfrm>
+          <a:off x="0" y="0"/>
+          <a:ext cx="0" cy="0"/>
+          <a:chOff x="0" y="0"/>
+          <a:chExt cx="0" cy="0"/>
+        </a:xfrm>
+      </p:grpSpPr>
+      <p:sp>
+        <p:nvSpPr>
+          <p:cNvPr id="2" name="슬라이드 이미지 개체 틀 1"/>
+          <p:cNvSpPr>
+            <a:spLocks noGrp="1" noRot="1" noChangeAspect="1"/>
+          </p:cNvSpPr>
+          <p:nvPr>
+            <p:ph type="sldImg"/>
+          </p:nvPr>
+        </p:nvSpPr>
+        <p:spPr/>
+      </p:sp>
+      <p:sp>
+        <p:nvSpPr>
+          <p:cNvPr id="3" name="슬라이드 노트 개체 틀 2"/>
+          <p:cNvSpPr>
+            <a:spLocks noGrp="1"/>
+          </p:cNvSpPr>
+          <p:nvPr>
+            <p:ph type="body" idx="1"/>
+          </p:nvPr>
+        </p:nvSpPr>
+        <p:spPr/>
+        <p:txBody>
+          <a:bodyPr/>
+          <a:lstStyle/>
+          <a:p>
+            <a:r>
+              <a:rPr lang="ko-KR" altLang="en-US" dirty="0" smtClean="0"/>
+              <a:t>왜 </a:t>
+            </a:r>
+            <a:r>
+              <a:rPr lang="en-US" altLang="ko-KR" dirty="0" smtClean="0"/>
+              <a:t>main</a:t>
+            </a:r>
+            <a:r>
+              <a:rPr lang="ko-KR" altLang="en-US" dirty="0" smtClean="0"/>
+              <a:t>만 올라가 있는지 확이 필요 그런지 확인 필요</a:t>
+            </a:r>
+            <a:endParaRPr lang="ko-KR" altLang="en-US" dirty="0"/>
+          </a:p>
+        </p:txBody>
+      </p:sp>
+      <p:sp>
+        <p:nvSpPr>
+          <p:cNvPr id="4" name="슬라이드 번호 개체 틀 3"/>
+          <p:cNvSpPr>
+            <a:spLocks noGrp="1"/>
+          </p:cNvSpPr>
+          <p:nvPr>
+            <p:ph type="sldNum" sz="quarter" idx="10"/>
+          </p:nvPr>
+        </p:nvSpPr>
+        <p:spPr/>
+        <p:txBody>
+          <a:bodyPr/>
+          <a:lstStyle/>
+          <a:p>
+            <a:fld id="{625D4AC4-540A-4436-887D-BF6A8FCF1275}" type="slidenum">
+              <a:rPr lang="ko-KR" altLang="en-US" smtClean="0"/>
+              <a:t>33</a:t>
+            </a:fld>
+            <a:endParaRPr lang="ko-KR" altLang="en-US"/>
+          </a:p>
+        </p:txBody>
+      </p:sp>
+    </p:spTree>
+    <p:extLst>
+      <p:ext uri="{BB962C8B-B14F-4D97-AF65-F5344CB8AC3E}">
+        <p14:creationId xmlns:p14="http://schemas.microsoft.com/office/powerpoint/2010/main" val="1609432482"/>
+      </p:ext>
+    </p:extLst>
+  </p:cSld>
+  <p:clrMapOvr>
+    <a:masterClrMapping/>
+  </p:clrMapOvr>
+</p:notes>
+</file>
+
 <file path=ppt/slideLayouts/slideLayout1.xml><?xml version="1.0" encoding="utf-8"?>
 <p:sldLayout xmlns:a="http://schemas.openxmlformats.org/drawingml/2006/main" xmlns:r="http://schemas.openxmlformats.org/officeDocument/2006/relationships" xmlns:p="http://schemas.openxmlformats.org/presentationml/2006/main" preserve="1" userDrawn="1">
   <p:cSld name="2_사용자 지정 레이아웃">
@@ -1073,7 +1169,7 @@
           <a:p>
             <a:fld id="{30E72A5D-AC2D-4154-80BD-D3C3745E4EB5}" type="datetimeFigureOut">
               <a:rPr lang="ko-KR" altLang="en-US" smtClean="0"/>
-              <a:t>2021-04-02</a:t>
+              <a:t>2021-04-03</a:t>
             </a:fld>
             <a:endParaRPr lang="ko-KR" altLang="en-US"/>
           </a:p>
@@ -1286,7 +1382,7 @@
           <a:p>
             <a:fld id="{30E72A5D-AC2D-4154-80BD-D3C3745E4EB5}" type="datetimeFigureOut">
               <a:rPr lang="ko-KR" altLang="en-US" smtClean="0"/>
-              <a:t>2021-04-02</a:t>
+              <a:t>2021-04-03</a:t>
             </a:fld>
             <a:endParaRPr lang="ko-KR" altLang="en-US"/>
           </a:p>
@@ -6488,6 +6584,55 @@
           </a:p>
         </p:txBody>
       </p:sp>
+      <p:sp>
+        <p:nvSpPr>
+          <p:cNvPr id="8" name="직사각형 7"/>
+          <p:cNvSpPr/>
+          <p:nvPr/>
+        </p:nvSpPr>
+        <p:spPr>
+          <a:xfrm>
+            <a:off x="8583370" y="2276669"/>
+            <a:ext cx="400768" cy="228601"/>
+          </a:xfrm>
+          <a:prstGeom prst="rect">
+            <a:avLst/>
+          </a:prstGeom>
+          <a:noFill/>
+          <a:ln w="38100">
+            <a:solidFill>
+              <a:srgbClr val="FF0000"/>
+            </a:solidFill>
+          </a:ln>
+        </p:spPr>
+        <p:style>
+          <a:lnRef idx="2">
+            <a:schemeClr val="accent1">
+              <a:shade val="50000"/>
+            </a:schemeClr>
+          </a:lnRef>
+          <a:fillRef idx="1">
+            <a:schemeClr val="accent1"/>
+          </a:fillRef>
+          <a:effectRef idx="0">
+            <a:schemeClr val="accent1"/>
+          </a:effectRef>
+          <a:fontRef idx="minor">
+            <a:schemeClr val="lt1"/>
+          </a:fontRef>
+        </p:style>
+        <p:txBody>
+          <a:bodyPr rtlCol="0" anchor="ctr"/>
+          <a:lstStyle/>
+          <a:p>
+            <a:endParaRPr lang="ko-KR" altLang="en-US" b="1" dirty="0">
+              <a:solidFill>
+                <a:srgbClr val="FF0000"/>
+              </a:solidFill>
+            </a:endParaRPr>
+          </a:p>
+        </p:txBody>
+      </p:sp>
     </p:spTree>
     <p:extLst>
       <p:ext uri="{BB962C8B-B14F-4D97-AF65-F5344CB8AC3E}">
@@ -11181,7 +11326,7 @@
           <p:nvPr/>
         </p:nvPicPr>
         <p:blipFill>
-          <a:blip r:embed="rId2"/>
+          <a:blip r:embed="rId3"/>
           <a:stretch>
             <a:fillRect/>
           </a:stretch>
@@ -11266,7 +11411,7 @@
           <p:nvPr/>
         </p:nvPicPr>
         <p:blipFill>
-          <a:blip r:embed="rId3"/>
+          <a:blip r:embed="rId4"/>
           <a:stretch>
             <a:fillRect/>
           </a:stretch>

--- a/git및github첫걸음2-원격저장소만들기.pptx
+++ b/git및github첫걸음2-원격저장소만들기.pptx
@@ -5,7 +5,7 @@
     <p:sldMasterId id="2147483660" r:id="rId1"/>
   </p:sldMasterIdLst>
   <p:notesMasterIdLst>
-    <p:notesMasterId r:id="rId38"/>
+    <p:notesMasterId r:id="rId41"/>
   </p:notesMasterIdLst>
   <p:sldIdLst>
     <p:sldId id="369" r:id="rId2"/>
@@ -44,6 +44,9 @@
     <p:sldId id="361" r:id="rId35"/>
     <p:sldId id="362" r:id="rId36"/>
     <p:sldId id="360" r:id="rId37"/>
+    <p:sldId id="372" r:id="rId38"/>
+    <p:sldId id="371" r:id="rId39"/>
+    <p:sldId id="370" r:id="rId40"/>
   </p:sldIdLst>
   <p:sldSz cx="9144000" cy="6858000" type="screen4x3"/>
   <p:notesSz cx="6858000" cy="9144000"/>
@@ -11818,7 +11821,19 @@
               <a:rPr lang="en-US" altLang="ko-KR" dirty="0">
                 <a:latin typeface="+mn-ea"/>
               </a:rPr>
-              <a:t>   ☞ git push –u origin feature-1</a:t>
+              <a:t>  </a:t>
+            </a:r>
+            <a:r>
+              <a:rPr lang="en-US" altLang="ko-KR" dirty="0" smtClean="0">
+                <a:latin typeface="+mn-ea"/>
+              </a:rPr>
+              <a:t>  </a:t>
+            </a:r>
+            <a:r>
+              <a:rPr lang="en-US" altLang="ko-KR" dirty="0">
+                <a:latin typeface="+mn-ea"/>
+              </a:rPr>
+              <a:t>☞ git push –u origin feature-1</a:t>
             </a:r>
           </a:p>
           <a:p>
@@ -11876,7 +11891,19 @@
               <a:rPr lang="en-US" altLang="ko-KR" dirty="0">
                 <a:latin typeface="+mn-ea"/>
               </a:rPr>
-              <a:t>      ☞ git push</a:t>
+              <a:t>   </a:t>
+            </a:r>
+            <a:r>
+              <a:rPr lang="en-US" altLang="ko-KR" dirty="0" smtClean="0">
+                <a:latin typeface="+mn-ea"/>
+              </a:rPr>
+              <a:t> ☞ </a:t>
+            </a:r>
+            <a:r>
+              <a:rPr lang="en-US" altLang="ko-KR" dirty="0">
+                <a:latin typeface="+mn-ea"/>
+              </a:rPr>
+              <a:t>git push</a:t>
             </a:r>
           </a:p>
           <a:p>
@@ -11899,6 +11926,79 @@
           </a:p>
           <a:p>
             <a:pPr lvl="1"/>
+            <a:r>
+              <a:rPr lang="ko-KR" altLang="en-US" dirty="0" smtClean="0">
+                <a:latin typeface="+mn-ea"/>
+              </a:rPr>
+              <a:t>전체 </a:t>
+            </a:r>
+            <a:r>
+              <a:rPr lang="ko-KR" altLang="en-US" dirty="0" err="1" smtClean="0">
+                <a:latin typeface="+mn-ea"/>
+              </a:rPr>
+              <a:t>브랜치</a:t>
+            </a:r>
+            <a:r>
+              <a:rPr lang="ko-KR" altLang="en-US" dirty="0" smtClean="0">
+                <a:latin typeface="+mn-ea"/>
+              </a:rPr>
+              <a:t> </a:t>
+            </a:r>
+            <a:r>
+              <a:rPr lang="en-US" altLang="ko-KR" dirty="0" smtClean="0">
+                <a:latin typeface="+mn-ea"/>
+              </a:rPr>
+              <a:t>push</a:t>
+            </a:r>
+          </a:p>
+          <a:p>
+            <a:pPr marL="266700" lvl="1" indent="0">
+              <a:buNone/>
+            </a:pPr>
+            <a:r>
+              <a:rPr lang="en-US" altLang="ko-KR" dirty="0">
+                <a:latin typeface="+mn-ea"/>
+              </a:rPr>
+              <a:t>  </a:t>
+            </a:r>
+            <a:r>
+              <a:rPr lang="en-US" altLang="ko-KR" dirty="0" smtClean="0">
+                <a:latin typeface="+mn-ea"/>
+              </a:rPr>
+              <a:t>   </a:t>
+            </a:r>
+            <a:r>
+              <a:rPr lang="en-US" altLang="ko-KR" dirty="0">
+                <a:latin typeface="+mn-ea"/>
+              </a:rPr>
+              <a:t>☞ </a:t>
+            </a:r>
+            <a:r>
+              <a:rPr lang="en-US" altLang="ko-KR" dirty="0" err="1">
+                <a:latin typeface="+mn-ea"/>
+              </a:rPr>
+              <a:t>git</a:t>
+            </a:r>
+            <a:r>
+              <a:rPr lang="en-US" altLang="ko-KR" dirty="0">
+                <a:latin typeface="+mn-ea"/>
+              </a:rPr>
+              <a:t> push </a:t>
+            </a:r>
+            <a:r>
+              <a:rPr lang="en-US" altLang="ko-KR" dirty="0" smtClean="0">
+                <a:latin typeface="+mn-ea"/>
+              </a:rPr>
+              <a:t>--all</a:t>
+            </a:r>
+            <a:endParaRPr lang="en-US" altLang="ko-KR" dirty="0">
+              <a:latin typeface="+mn-ea"/>
+            </a:endParaRPr>
+          </a:p>
+          <a:p>
+            <a:pPr marL="266700" lvl="1" indent="0">
+              <a:buNone/>
+            </a:pPr>
             <a:endParaRPr lang="en-US" altLang="ko-KR" dirty="0">
               <a:latin typeface="+mn-ea"/>
             </a:endParaRPr>
@@ -12747,19 +12847,43 @@
             <p:ph type="title"/>
           </p:nvPr>
         </p:nvSpPr>
-        <p:spPr/>
+        <p:spPr>
+          <a:xfrm>
+            <a:off x="539551" y="192300"/>
+            <a:ext cx="8040923" cy="576064"/>
+          </a:xfrm>
+        </p:spPr>
         <p:txBody>
-          <a:bodyPr/>
+          <a:bodyPr>
+            <a:normAutofit/>
+          </a:bodyPr>
           <a:lstStyle/>
           <a:p>
             <a:r>
-              <a:rPr lang="ko-KR" altLang="en-US" dirty="0" err="1"/>
+              <a:rPr lang="ko-KR" altLang="en-US" dirty="0" smtClean="0"/>
+              <a:t>학교와 집에서 </a:t>
+            </a:r>
+            <a:r>
+              <a:rPr lang="ko-KR" altLang="en-US" dirty="0" err="1" smtClean="0"/>
               <a:t>원격저장소</a:t>
             </a:r>
             <a:r>
-              <a:rPr lang="ko-KR" altLang="en-US" dirty="0"/>
-              <a:t> 자료 확인</a:t>
-            </a:r>
+              <a:rPr lang="ko-KR" altLang="en-US" dirty="0" smtClean="0"/>
+              <a:t> 이용하기 </a:t>
+            </a:r>
+            <a:r>
+              <a:rPr lang="en-US" altLang="ko-KR" dirty="0" smtClean="0"/>
+              <a:t>(push, Pull </a:t>
+            </a:r>
+            <a:r>
+              <a:rPr lang="ko-KR" altLang="en-US" dirty="0" smtClean="0"/>
+              <a:t>연습하기</a:t>
+            </a:r>
+            <a:r>
+              <a:rPr lang="en-US" altLang="ko-KR" dirty="0" smtClean="0"/>
+              <a:t>)</a:t>
+            </a:r>
+            <a:endParaRPr lang="ko-KR" altLang="en-US" dirty="0"/>
           </a:p>
         </p:txBody>
       </p:sp>
@@ -12780,7 +12904,7 @@
         <p:spPr>
           <a:xfrm>
             <a:off x="341787" y="1120544"/>
-            <a:ext cx="8642350" cy="3692755"/>
+            <a:ext cx="8642350" cy="4812423"/>
           </a:xfrm>
           <a:prstGeom prst="rect">
             <a:avLst/>
@@ -12931,69 +13055,180 @@
           </a:lstStyle>
           <a:p>
             <a:r>
-              <a:rPr lang="ko-KR" altLang="en-US" dirty="0" err="1"/>
-              <a:t>원격저장소</a:t>
-            </a:r>
-            <a:r>
-              <a:rPr lang="en-US" altLang="ko-KR" dirty="0"/>
+              <a:rPr lang="ko-KR" altLang="en-US" dirty="0" smtClean="0"/>
+              <a:t>프로그램 코딩을 학교와 집에서 작업하기</a:t>
+            </a:r>
+            <a:endParaRPr lang="en-US" altLang="ko-KR" dirty="0" smtClean="0"/>
+          </a:p>
+          <a:p>
+            <a:pPr marL="457200" indent="-192088">
+              <a:buFont typeface="+mj-ea"/>
+              <a:buAutoNum type="circleNumDbPlain"/>
+            </a:pPr>
+            <a:r>
+              <a:rPr lang="en-US" altLang="ko-KR" sz="1600" b="0" dirty="0"/>
+              <a:t> </a:t>
+            </a:r>
+            <a:r>
+              <a:rPr lang="ko-KR" altLang="en-US" sz="1600" b="0" dirty="0" smtClean="0"/>
+              <a:t>각자의 </a:t>
+            </a:r>
+            <a:r>
+              <a:rPr lang="en-US" altLang="ko-KR" sz="1600" b="0" dirty="0" err="1" smtClean="0"/>
+              <a:t>github</a:t>
+            </a:r>
+            <a:r>
+              <a:rPr lang="ko-KR" altLang="en-US" sz="1600" b="0" dirty="0" smtClean="0"/>
+              <a:t>계정에 </a:t>
+            </a:r>
+            <a:r>
+              <a:rPr lang="en-US" altLang="ko-KR" sz="1600" b="0" dirty="0" smtClean="0"/>
+              <a:t>repository </a:t>
+            </a:r>
+            <a:r>
+              <a:rPr lang="ko-KR" altLang="en-US" sz="1600" b="0" dirty="0" smtClean="0"/>
+              <a:t>만들기 </a:t>
+            </a:r>
+            <a:r>
+              <a:rPr lang="en-US" altLang="ko-KR" sz="1600" b="0" dirty="0" smtClean="0"/>
+              <a:t>(homework)</a:t>
+            </a:r>
+            <a:endParaRPr lang="en-US" altLang="ko-KR" sz="1600" b="0" dirty="0"/>
+          </a:p>
+          <a:p>
+            <a:pPr lvl="1"/>
+            <a:r>
+              <a:rPr lang="en-US" altLang="ko-KR" dirty="0" smtClean="0">
+                <a:latin typeface="+mn-ea"/>
+              </a:rPr>
+              <a:t>Working directory</a:t>
+            </a:r>
+            <a:r>
+              <a:rPr lang="ko-KR" altLang="en-US" dirty="0" smtClean="0">
+                <a:latin typeface="+mn-ea"/>
+              </a:rPr>
+              <a:t>에 두 가지의 폴더 만들기 </a:t>
+            </a:r>
+            <a:endParaRPr lang="en-US" altLang="ko-KR" dirty="0" smtClean="0">
+              <a:latin typeface="+mn-ea"/>
+            </a:endParaRPr>
+          </a:p>
+          <a:p>
+            <a:pPr marL="266700" lvl="1" indent="0">
+              <a:buNone/>
+            </a:pPr>
+            <a:r>
+              <a:rPr lang="en-US" altLang="ko-KR" dirty="0">
+                <a:latin typeface="+mn-ea"/>
+              </a:rPr>
+              <a:t> </a:t>
+            </a:r>
+            <a:r>
+              <a:rPr lang="en-US" altLang="ko-KR" dirty="0" smtClean="0">
+                <a:latin typeface="+mn-ea"/>
+              </a:rPr>
+              <a:t>  </a:t>
+            </a:r>
+            <a:r>
+              <a:rPr lang="ko-KR" altLang="en-US" dirty="0" smtClean="0">
+                <a:latin typeface="+mn-ea"/>
+              </a:rPr>
+              <a:t>폴더 명 </a:t>
+            </a:r>
+            <a:r>
+              <a:rPr lang="en-US" altLang="ko-KR" dirty="0" smtClean="0">
+                <a:latin typeface="+mn-ea"/>
+              </a:rPr>
+              <a:t>: home, school</a:t>
+            </a:r>
+          </a:p>
+          <a:p>
+            <a:pPr marL="542925" lvl="1" indent="-276225">
+              <a:buFont typeface="+mj-ea"/>
+              <a:buAutoNum type="circleNumDbPlain" startAt="2"/>
+            </a:pPr>
+            <a:r>
+              <a:rPr lang="ko-KR" altLang="en-US" dirty="0" smtClean="0">
+                <a:latin typeface="+mn-ea"/>
+              </a:rPr>
+              <a:t>나의 </a:t>
+            </a:r>
+            <a:r>
+              <a:rPr lang="en-US" altLang="ko-KR" dirty="0" smtClean="0">
+                <a:latin typeface="+mn-ea"/>
+              </a:rPr>
+              <a:t>PC</a:t>
+            </a:r>
+            <a:r>
+              <a:rPr lang="ko-KR" altLang="en-US" dirty="0" smtClean="0">
+                <a:latin typeface="+mn-ea"/>
+              </a:rPr>
+              <a:t>에</a:t>
+            </a:r>
+            <a:r>
+              <a:rPr lang="en-US" altLang="ko-KR" dirty="0" smtClean="0">
+                <a:latin typeface="+mn-ea"/>
+              </a:rPr>
+              <a:t> school </a:t>
+            </a:r>
+            <a:r>
+              <a:rPr lang="ko-KR" altLang="en-US" dirty="0" smtClean="0">
+                <a:latin typeface="+mn-ea"/>
+              </a:rPr>
+              <a:t>폴더 내에서 아래 작업 수행 </a:t>
+            </a:r>
+            <a:r>
+              <a:rPr lang="en-US" altLang="ko-KR" dirty="0" smtClean="0">
+                <a:latin typeface="+mn-ea"/>
+              </a:rPr>
               <a:t>(</a:t>
             </a:r>
             <a:r>
-              <a:rPr lang="en-US" altLang="ko-KR" dirty="0" err="1"/>
-              <a:t>Github</a:t>
-            </a:r>
-            <a:r>
-              <a:rPr lang="en-US" altLang="ko-KR" dirty="0"/>
+              <a:rPr lang="ko-KR" altLang="en-US" dirty="0" smtClean="0">
+                <a:latin typeface="+mn-ea"/>
+              </a:rPr>
+              <a:t>학교에서 숙제 수행 가정</a:t>
+            </a:r>
+            <a:r>
+              <a:rPr lang="en-US" altLang="ko-KR" dirty="0" smtClean="0">
+                <a:latin typeface="+mn-ea"/>
+              </a:rPr>
               <a:t>)</a:t>
             </a:r>
-            <a:r>
-              <a:rPr lang="ko-KR" altLang="en-US" dirty="0"/>
-              <a:t>에서 확인하기 </a:t>
-            </a:r>
-            <a:r>
-              <a:rPr lang="en-US" altLang="ko-KR" dirty="0"/>
-              <a:t>(</a:t>
-            </a:r>
-            <a:r>
-              <a:rPr lang="ko-KR" altLang="en-US" dirty="0"/>
-              <a:t>연습해 보기</a:t>
-            </a:r>
-            <a:r>
-              <a:rPr lang="en-US" altLang="ko-KR" dirty="0"/>
-              <a:t>)</a:t>
-            </a:r>
-          </a:p>
-          <a:p>
-            <a:pPr lvl="1"/>
-            <a:r>
-              <a:rPr lang="ko-KR" altLang="en-US" dirty="0">
-                <a:latin typeface="+mn-ea"/>
-              </a:rPr>
-              <a:t>로컬 </a:t>
+          </a:p>
+          <a:p>
+            <a:pPr marL="266700" lvl="1" indent="0">
+              <a:buNone/>
+            </a:pPr>
+            <a:r>
+              <a:rPr lang="en-US" altLang="ko-KR" dirty="0" smtClean="0">
+                <a:latin typeface="+mn-ea"/>
+              </a:rPr>
+              <a:t>   </a:t>
             </a:r>
             <a:r>
               <a:rPr lang="en-US" altLang="ko-KR" dirty="0">
                 <a:latin typeface="+mn-ea"/>
               </a:rPr>
-              <a:t>working directory(</a:t>
+              <a:t>☞ </a:t>
             </a:r>
             <a:r>
               <a:rPr lang="en-US" altLang="ko-KR" dirty="0" err="1">
                 <a:latin typeface="+mn-ea"/>
               </a:rPr>
-              <a:t>gitplace</a:t>
+              <a:t>git</a:t>
             </a:r>
             <a:r>
               <a:rPr lang="en-US" altLang="ko-KR" dirty="0">
                 <a:latin typeface="+mn-ea"/>
               </a:rPr>
-              <a:t>)</a:t>
-            </a:r>
-            <a:r>
-              <a:rPr lang="ko-KR" altLang="en-US" dirty="0">
-                <a:latin typeface="+mn-ea"/>
-              </a:rPr>
-              <a:t>에서 아무런 내용이나 변경 수정하고</a:t>
+              <a:t> </a:t>
+            </a:r>
+            <a:r>
+              <a:rPr lang="en-US" altLang="ko-KR" dirty="0" err="1" smtClean="0">
+                <a:latin typeface="+mn-ea"/>
+              </a:rPr>
+              <a:t>init</a:t>
             </a:r>
             <a:endParaRPr lang="en-US" altLang="ko-KR" dirty="0">
               <a:latin typeface="+mn-ea"/>
@@ -13007,19 +13242,25 @@
               <a:rPr lang="en-US" altLang="ko-KR" dirty="0">
                 <a:latin typeface="+mn-ea"/>
               </a:rPr>
-              <a:t>   - </a:t>
-            </a:r>
-            <a:r>
-              <a:rPr lang="ko-KR" altLang="en-US" dirty="0" err="1">
-                <a:latin typeface="+mn-ea"/>
-              </a:rPr>
-              <a:t>브랜치</a:t>
-            </a:r>
-            <a:r>
-              <a:rPr lang="ko-KR" altLang="en-US" dirty="0">
-                <a:latin typeface="+mn-ea"/>
-              </a:rPr>
-              <a:t> 별로 아래 명령 연습</a:t>
+              <a:t>   ☞ </a:t>
+            </a:r>
+            <a:r>
+              <a:rPr lang="en-US" altLang="ko-KR" dirty="0" err="1">
+                <a:latin typeface="+mn-ea"/>
+              </a:rPr>
+              <a:t>git</a:t>
+            </a:r>
+            <a:r>
+              <a:rPr lang="en-US" altLang="ko-KR" dirty="0">
+                <a:latin typeface="+mn-ea"/>
+              </a:rPr>
+              <a:t> </a:t>
+            </a:r>
+            <a:r>
+              <a:rPr lang="en-US" altLang="ko-KR" dirty="0" smtClean="0">
+                <a:latin typeface="+mn-ea"/>
+              </a:rPr>
+              <a:t>branch –M main</a:t>
             </a:r>
             <a:endParaRPr lang="en-US" altLang="ko-KR" dirty="0">
               <a:latin typeface="+mn-ea"/>
@@ -13030,22 +13271,94 @@
               <a:buNone/>
             </a:pPr>
             <a:r>
-              <a:rPr lang="en-US" altLang="ko-KR" dirty="0">
-                <a:latin typeface="+mn-ea"/>
-              </a:rPr>
-              <a:t>   ☞ git checkout</a:t>
-            </a:r>
+              <a:rPr lang="en-US" altLang="ko-KR" dirty="0" smtClean="0">
+                <a:latin typeface="+mn-ea"/>
+              </a:rPr>
+              <a:t>   - program.txt </a:t>
+            </a:r>
+            <a:r>
+              <a:rPr lang="ko-KR" altLang="en-US" dirty="0" smtClean="0">
+                <a:latin typeface="+mn-ea"/>
+              </a:rPr>
+              <a:t>만들기 </a:t>
+            </a:r>
+            <a:r>
+              <a:rPr lang="en-US" altLang="ko-KR" dirty="0" smtClean="0">
+                <a:latin typeface="+mn-ea"/>
+              </a:rPr>
+              <a:t>(</a:t>
+            </a:r>
+            <a:r>
+              <a:rPr lang="ko-KR" altLang="en-US" dirty="0" smtClean="0">
+                <a:latin typeface="+mn-ea"/>
+              </a:rPr>
+              <a:t>내용 </a:t>
+            </a:r>
+            <a:r>
+              <a:rPr lang="ko-KR" altLang="en-US" dirty="0" err="1" smtClean="0">
+                <a:latin typeface="+mn-ea"/>
+              </a:rPr>
+              <a:t>첫줄</a:t>
+            </a:r>
+            <a:r>
+              <a:rPr lang="ko-KR" altLang="en-US" dirty="0" smtClean="0">
+                <a:latin typeface="+mn-ea"/>
+              </a:rPr>
+              <a:t> </a:t>
+            </a:r>
+            <a:r>
+              <a:rPr lang="en-US" altLang="ko-KR" dirty="0" smtClean="0">
+                <a:latin typeface="+mn-ea"/>
+              </a:rPr>
+              <a:t>: ‘</a:t>
+            </a:r>
+            <a:r>
+              <a:rPr lang="ko-KR" altLang="en-US" dirty="0" smtClean="0">
+                <a:latin typeface="+mn-ea"/>
+              </a:rPr>
+              <a:t>학교에서 프로그램</a:t>
+            </a:r>
+            <a:r>
+              <a:rPr lang="en-US" altLang="ko-KR" dirty="0" smtClean="0">
+                <a:latin typeface="+mn-ea"/>
+              </a:rPr>
+              <a:t>’)</a:t>
+            </a:r>
+            <a:endParaRPr lang="en-US" altLang="ko-KR" dirty="0" smtClean="0">
+              <a:latin typeface="+mn-ea"/>
+            </a:endParaRPr>
           </a:p>
           <a:p>
             <a:pPr marL="266700" lvl="1" indent="0">
               <a:buNone/>
             </a:pPr>
             <a:r>
+              <a:rPr lang="en-US" altLang="ko-KR" dirty="0" smtClean="0">
+                <a:latin typeface="+mn-ea"/>
+              </a:rPr>
+              <a:t>   ☞ </a:t>
+            </a:r>
+            <a:r>
+              <a:rPr lang="en-US" altLang="ko-KR" dirty="0" err="1">
+                <a:latin typeface="+mn-ea"/>
+              </a:rPr>
+              <a:t>git</a:t>
+            </a:r>
+            <a:r>
               <a:rPr lang="en-US" altLang="ko-KR" dirty="0">
                 <a:latin typeface="+mn-ea"/>
               </a:rPr>
-              <a:t>   ☞ git add</a:t>
-            </a:r>
+              <a:t> </a:t>
+            </a:r>
+            <a:r>
+              <a:rPr lang="en-US" altLang="ko-KR" dirty="0" smtClean="0">
+                <a:latin typeface="+mn-ea"/>
+              </a:rPr>
+              <a:t>add program.txt</a:t>
+            </a:r>
+            <a:endParaRPr lang="en-US" altLang="ko-KR" dirty="0">
+              <a:latin typeface="+mn-ea"/>
+            </a:endParaRPr>
           </a:p>
           <a:p>
             <a:pPr marL="266700" lvl="1" indent="0">
@@ -13057,6 +13370,12 @@
               </a:rPr>
               <a:t>   ☞ git commit –m </a:t>
             </a:r>
+            <a:r>
+              <a:rPr lang="en-US" altLang="ko-KR" dirty="0" smtClean="0">
+                <a:latin typeface="+mn-ea"/>
+              </a:rPr>
+              <a:t>‘commit from school’</a:t>
+            </a:r>
           </a:p>
           <a:p>
             <a:pPr marL="266700" lvl="1" indent="0">
@@ -13066,20 +13385,65 @@
               <a:rPr lang="en-US" altLang="ko-KR" dirty="0">
                 <a:latin typeface="+mn-ea"/>
               </a:rPr>
-              <a:t>   ☞ git log –branches –</a:t>
+              <a:t> </a:t>
+            </a:r>
+            <a:r>
+              <a:rPr lang="en-US" altLang="ko-KR" dirty="0" smtClean="0">
+                <a:latin typeface="+mn-ea"/>
+              </a:rPr>
+              <a:t>  ☞ </a:t>
             </a:r>
             <a:r>
               <a:rPr lang="en-US" altLang="ko-KR" dirty="0" err="1">
                 <a:latin typeface="+mn-ea"/>
               </a:rPr>
-              <a:t>oneline</a:t>
+              <a:t>git</a:t>
             </a:r>
             <a:r>
               <a:rPr lang="en-US" altLang="ko-KR" dirty="0">
                 <a:latin typeface="+mn-ea"/>
               </a:rPr>
-              <a:t> --branches</a:t>
-            </a:r>
+              <a:t> </a:t>
+            </a:r>
+            <a:r>
+              <a:rPr lang="en-US" altLang="ko-KR" dirty="0" smtClean="0">
+                <a:latin typeface="+mn-ea"/>
+              </a:rPr>
+              <a:t>remote add origin &lt;homework </a:t>
+            </a:r>
+            <a:r>
+              <a:rPr lang="en-US" altLang="ko-KR" dirty="0" err="1" smtClean="0">
+                <a:latin typeface="+mn-ea"/>
+              </a:rPr>
+              <a:t>url</a:t>
+            </a:r>
+            <a:r>
+              <a:rPr lang="ko-KR" altLang="en-US" dirty="0">
+                <a:latin typeface="+mn-ea"/>
+              </a:rPr>
+              <a:t> </a:t>
+            </a:r>
+            <a:r>
+              <a:rPr lang="ko-KR" altLang="en-US" dirty="0" smtClean="0">
+                <a:latin typeface="+mn-ea"/>
+              </a:rPr>
+              <a:t>주소</a:t>
+            </a:r>
+            <a:r>
+              <a:rPr lang="en-US" altLang="ko-KR" dirty="0" smtClean="0">
+                <a:latin typeface="+mn-ea"/>
+              </a:rPr>
+              <a:t>&gt; # remote repo </a:t>
+            </a:r>
+            <a:r>
+              <a:rPr lang="ko-KR" altLang="en-US" dirty="0" smtClean="0">
+                <a:latin typeface="+mn-ea"/>
+              </a:rPr>
+              <a:t>연결하기</a:t>
+            </a:r>
+            <a:endParaRPr lang="en-US" altLang="ko-KR" dirty="0" smtClean="0">
+              <a:latin typeface="+mn-ea"/>
+            </a:endParaRPr>
           </a:p>
           <a:p>
             <a:pPr marL="266700" lvl="1" indent="0">
@@ -13089,17 +13453,48 @@
               <a:rPr lang="en-US" altLang="ko-KR" dirty="0">
                 <a:latin typeface="+mn-ea"/>
               </a:rPr>
-              <a:t>   ☞ git push</a:t>
-            </a:r>
-          </a:p>
-          <a:p>
-            <a:pPr lvl="1"/>
-            <a:r>
-              <a:rPr lang="ko-KR" altLang="en-US" dirty="0">
-                <a:latin typeface="+mn-ea"/>
-              </a:rPr>
-              <a:t>원격 저장소 변경 내용 확인</a:t>
-            </a:r>
+              <a:t> </a:t>
+            </a:r>
+            <a:r>
+              <a:rPr lang="en-US" altLang="ko-KR" dirty="0" smtClean="0">
+                <a:latin typeface="+mn-ea"/>
+              </a:rPr>
+              <a:t>  ☞ </a:t>
+            </a:r>
+            <a:r>
+              <a:rPr lang="en-US" altLang="ko-KR" dirty="0" err="1">
+                <a:latin typeface="+mn-ea"/>
+              </a:rPr>
+              <a:t>git</a:t>
+            </a:r>
+            <a:r>
+              <a:rPr lang="en-US" altLang="ko-KR" dirty="0">
+                <a:latin typeface="+mn-ea"/>
+              </a:rPr>
+              <a:t> </a:t>
+            </a:r>
+            <a:r>
+              <a:rPr lang="en-US" altLang="ko-KR" dirty="0" smtClean="0">
+                <a:latin typeface="+mn-ea"/>
+              </a:rPr>
+              <a:t>push –u origin main</a:t>
+            </a:r>
+            <a:endParaRPr lang="en-US" altLang="ko-KR" dirty="0" smtClean="0">
+              <a:latin typeface="+mn-ea"/>
+            </a:endParaRPr>
+          </a:p>
+          <a:p>
+            <a:pPr marL="266700" lvl="1" indent="0">
+              <a:buNone/>
+            </a:pPr>
+            <a:endParaRPr lang="en-US" altLang="ko-KR" dirty="0" smtClean="0">
+              <a:latin typeface="+mn-ea"/>
+            </a:endParaRPr>
+          </a:p>
+          <a:p>
+            <a:pPr marL="266700" lvl="1" indent="0">
+              <a:buNone/>
+            </a:pPr>
             <a:endParaRPr lang="en-US" altLang="ko-KR" dirty="0">
               <a:latin typeface="+mn-ea"/>
             </a:endParaRPr>
@@ -13110,6 +13505,1437 @@
     <p:extLst>
       <p:ext uri="{BB962C8B-B14F-4D97-AF65-F5344CB8AC3E}">
         <p14:creationId xmlns:p14="http://schemas.microsoft.com/office/powerpoint/2010/main" val="3901515192"/>
+      </p:ext>
+    </p:extLst>
+  </p:cSld>
+  <p:clrMapOvr>
+    <a:masterClrMapping/>
+  </p:clrMapOvr>
+</p:sld>
+</file>
+
+<file path=ppt/slides/slide37.xml><?xml version="1.0" encoding="utf-8"?>
+<p:sld xmlns:a="http://schemas.openxmlformats.org/drawingml/2006/main" xmlns:r="http://schemas.openxmlformats.org/officeDocument/2006/relationships" xmlns:p="http://schemas.openxmlformats.org/presentationml/2006/main">
+  <p:cSld>
+    <p:spTree>
+      <p:nvGrpSpPr>
+        <p:cNvPr id="1" name=""/>
+        <p:cNvGrpSpPr/>
+        <p:nvPr/>
+      </p:nvGrpSpPr>
+      <p:grpSpPr>
+        <a:xfrm>
+          <a:off x="0" y="0"/>
+          <a:ext cx="0" cy="0"/>
+          <a:chOff x="0" y="0"/>
+          <a:chExt cx="0" cy="0"/>
+        </a:xfrm>
+      </p:grpSpPr>
+      <p:sp>
+        <p:nvSpPr>
+          <p:cNvPr id="4" name="제목 3">
+            <a:extLst>
+              <a:ext uri="{FF2B5EF4-FFF2-40B4-BE49-F238E27FC236}">
+                <a16:creationId xmlns:a16="http://schemas.microsoft.com/office/drawing/2014/main" id="{F0CEB32B-CB43-4410-BA08-A97E4BC47FCB}"/>
+              </a:ext>
+            </a:extLst>
+          </p:cNvPr>
+          <p:cNvSpPr>
+            <a:spLocks noGrp="1"/>
+          </p:cNvSpPr>
+          <p:nvPr>
+            <p:ph type="title"/>
+          </p:nvPr>
+        </p:nvSpPr>
+        <p:spPr>
+          <a:xfrm>
+            <a:off x="539551" y="192300"/>
+            <a:ext cx="8125984" cy="576064"/>
+          </a:xfrm>
+        </p:spPr>
+        <p:txBody>
+          <a:bodyPr>
+            <a:normAutofit/>
+          </a:bodyPr>
+          <a:lstStyle/>
+          <a:p>
+            <a:r>
+              <a:rPr lang="ko-KR" altLang="en-US" dirty="0" smtClean="0"/>
+              <a:t>학교와 집에서 </a:t>
+            </a:r>
+            <a:r>
+              <a:rPr lang="ko-KR" altLang="en-US" dirty="0" err="1" smtClean="0"/>
+              <a:t>원격저장소</a:t>
+            </a:r>
+            <a:r>
+              <a:rPr lang="ko-KR" altLang="en-US" dirty="0" smtClean="0"/>
+              <a:t> 이용하기 </a:t>
+            </a:r>
+            <a:r>
+              <a:rPr lang="en-US" altLang="ko-KR" dirty="0" smtClean="0"/>
+              <a:t>(push, Pull </a:t>
+            </a:r>
+            <a:r>
+              <a:rPr lang="ko-KR" altLang="en-US" dirty="0" smtClean="0"/>
+              <a:t>연습하기</a:t>
+            </a:r>
+            <a:r>
+              <a:rPr lang="en-US" altLang="ko-KR" dirty="0" smtClean="0"/>
+              <a:t>)</a:t>
+            </a:r>
+            <a:endParaRPr lang="ko-KR" altLang="en-US" dirty="0"/>
+          </a:p>
+        </p:txBody>
+      </p:sp>
+      <p:sp>
+        <p:nvSpPr>
+          <p:cNvPr id="7" name="내용 개체 틀 2">
+            <a:extLst>
+              <a:ext uri="{FF2B5EF4-FFF2-40B4-BE49-F238E27FC236}">
+                <a16:creationId xmlns:a16="http://schemas.microsoft.com/office/drawing/2014/main" id="{A44AC902-3746-40D6-9827-94B46EEDDC67}"/>
+              </a:ext>
+            </a:extLst>
+          </p:cNvPr>
+          <p:cNvSpPr txBox="1">
+            <a:spLocks/>
+          </p:cNvSpPr>
+          <p:nvPr/>
+        </p:nvSpPr>
+        <p:spPr>
+          <a:xfrm>
+            <a:off x="341787" y="1120544"/>
+            <a:ext cx="8642350" cy="4812423"/>
+          </a:xfrm>
+          <a:prstGeom prst="rect">
+            <a:avLst/>
+          </a:prstGeom>
+        </p:spPr>
+        <p:txBody>
+          <a:bodyPr vert="horz" lIns="91440" tIns="45720" rIns="91440" bIns="45720" rtlCol="0">
+            <a:noAutofit/>
+          </a:bodyPr>
+          <a:lstStyle>
+            <a:lvl1pPr marL="266700" indent="-266700" defTabSz="914400" latinLnBrk="1">
+              <a:lnSpc>
+                <a:spcPct val="150000"/>
+              </a:lnSpc>
+              <a:spcBef>
+                <a:spcPct val="0"/>
+              </a:spcBef>
+              <a:buClr>
+                <a:schemeClr val="tx1">
+                  <a:lumMod val="65000"/>
+                  <a:lumOff val="35000"/>
+                </a:schemeClr>
+              </a:buClr>
+              <a:buFont typeface="Wingdings" pitchFamily="2" charset="2"/>
+              <a:buChar char="n"/>
+              <a:defRPr sz="2000" b="1">
+                <a:latin typeface="+mn-ea"/>
+              </a:defRPr>
+            </a:lvl1pPr>
+            <a:lvl2pPr marL="447675" lvl="1" indent="-180975" defTabSz="914400" latinLnBrk="1">
+              <a:lnSpc>
+                <a:spcPct val="150000"/>
+              </a:lnSpc>
+              <a:spcBef>
+                <a:spcPts val="0"/>
+              </a:spcBef>
+              <a:spcAft>
+                <a:spcPts val="0"/>
+              </a:spcAft>
+              <a:buClr>
+                <a:schemeClr val="tx1">
+                  <a:lumMod val="50000"/>
+                  <a:lumOff val="50000"/>
+                </a:schemeClr>
+              </a:buClr>
+              <a:buFont typeface="Wingdings" pitchFamily="2" charset="2"/>
+              <a:buChar char="§"/>
+              <a:defRPr sz="1600"/>
+            </a:lvl2pPr>
+            <a:lvl3pPr marL="628650" indent="-180975" defTabSz="914400" latinLnBrk="1">
+              <a:lnSpc>
+                <a:spcPct val="150000"/>
+              </a:lnSpc>
+              <a:spcBef>
+                <a:spcPts val="500"/>
+              </a:spcBef>
+              <a:spcAft>
+                <a:spcPts val="300"/>
+              </a:spcAft>
+              <a:buClr>
+                <a:schemeClr val="tx1">
+                  <a:lumMod val="65000"/>
+                  <a:lumOff val="35000"/>
+                </a:schemeClr>
+              </a:buClr>
+              <a:buFont typeface="Arial" panose="020B0604020202020204" pitchFamily="34" charset="0"/>
+              <a:buChar char="•"/>
+              <a:defRPr sz="1400"/>
+            </a:lvl3pPr>
+            <a:lvl4pPr marL="809625" indent="-180975" defTabSz="914400" latinLnBrk="1">
+              <a:lnSpc>
+                <a:spcPct val="150000"/>
+              </a:lnSpc>
+              <a:spcBef>
+                <a:spcPts val="500"/>
+              </a:spcBef>
+              <a:spcAft>
+                <a:spcPts val="300"/>
+              </a:spcAft>
+              <a:buClr>
+                <a:schemeClr val="tx1">
+                  <a:lumMod val="65000"/>
+                  <a:lumOff val="35000"/>
+                </a:schemeClr>
+              </a:buClr>
+              <a:buSzPct val="96000"/>
+              <a:buFont typeface="Arial" panose="020B0604020202020204" pitchFamily="34" charset="0"/>
+              <a:buChar char="•"/>
+              <a:defRPr sz="1200"/>
+            </a:lvl4pPr>
+            <a:lvl5pPr marL="990600" indent="-180975" defTabSz="914400" latinLnBrk="1">
+              <a:lnSpc>
+                <a:spcPct val="150000"/>
+              </a:lnSpc>
+              <a:spcBef>
+                <a:spcPts val="500"/>
+              </a:spcBef>
+              <a:buClr>
+                <a:schemeClr val="tx1">
+                  <a:lumMod val="65000"/>
+                  <a:lumOff val="35000"/>
+                </a:schemeClr>
+              </a:buClr>
+              <a:buFont typeface="Arial" panose="020B0604020202020204" pitchFamily="34" charset="0"/>
+              <a:buChar char="•"/>
+              <a:defRPr sz="1000"/>
+            </a:lvl5pPr>
+            <a:lvl6pPr marL="2514600" indent="-228600" defTabSz="914400" latinLnBrk="1">
+              <a:lnSpc>
+                <a:spcPct val="90000"/>
+              </a:lnSpc>
+              <a:spcBef>
+                <a:spcPts val="500"/>
+              </a:spcBef>
+              <a:buFont typeface="Arial" panose="020B0604020202020204" pitchFamily="34" charset="0"/>
+              <a:buChar char="•"/>
+            </a:lvl6pPr>
+            <a:lvl7pPr marL="2971800" indent="-228600" defTabSz="914400" latinLnBrk="1">
+              <a:lnSpc>
+                <a:spcPct val="90000"/>
+              </a:lnSpc>
+              <a:spcBef>
+                <a:spcPts val="500"/>
+              </a:spcBef>
+              <a:buFont typeface="Arial" panose="020B0604020202020204" pitchFamily="34" charset="0"/>
+              <a:buChar char="•"/>
+            </a:lvl7pPr>
+            <a:lvl8pPr marL="3429000" indent="-228600" defTabSz="914400" latinLnBrk="1">
+              <a:lnSpc>
+                <a:spcPct val="90000"/>
+              </a:lnSpc>
+              <a:spcBef>
+                <a:spcPts val="500"/>
+              </a:spcBef>
+              <a:buFont typeface="Arial" panose="020B0604020202020204" pitchFamily="34" charset="0"/>
+              <a:buChar char="•"/>
+            </a:lvl8pPr>
+            <a:lvl9pPr marL="3886200" indent="-228600" defTabSz="914400" latinLnBrk="1">
+              <a:lnSpc>
+                <a:spcPct val="90000"/>
+              </a:lnSpc>
+              <a:spcBef>
+                <a:spcPts val="500"/>
+              </a:spcBef>
+              <a:buFont typeface="Arial" panose="020B0604020202020204" pitchFamily="34" charset="0"/>
+              <a:buChar char="•"/>
+            </a:lvl9pPr>
+          </a:lstStyle>
+          <a:p>
+            <a:r>
+              <a:rPr lang="ko-KR" altLang="en-US" dirty="0" smtClean="0"/>
+              <a:t>프로그램 코딩을 학교와 집에서 작업하기</a:t>
+            </a:r>
+            <a:endParaRPr lang="en-US" altLang="ko-KR" dirty="0" smtClean="0"/>
+          </a:p>
+          <a:p>
+            <a:pPr marL="542925" lvl="1" indent="-276225">
+              <a:buFont typeface="+mj-ea"/>
+              <a:buAutoNum type="circleNumDbPlain" startAt="3"/>
+            </a:pPr>
+            <a:r>
+              <a:rPr lang="ko-KR" altLang="en-US" dirty="0" smtClean="0">
+                <a:latin typeface="+mn-ea"/>
+              </a:rPr>
+              <a:t>나의 </a:t>
+            </a:r>
+            <a:r>
+              <a:rPr lang="en-US" altLang="ko-KR" dirty="0" smtClean="0">
+                <a:latin typeface="+mn-ea"/>
+              </a:rPr>
+              <a:t>PC</a:t>
+            </a:r>
+            <a:r>
+              <a:rPr lang="ko-KR" altLang="en-US" dirty="0" smtClean="0">
+                <a:latin typeface="+mn-ea"/>
+              </a:rPr>
+              <a:t>에</a:t>
+            </a:r>
+            <a:r>
+              <a:rPr lang="en-US" altLang="ko-KR" dirty="0" smtClean="0">
+                <a:latin typeface="+mn-ea"/>
+              </a:rPr>
+              <a:t> home </a:t>
+            </a:r>
+            <a:r>
+              <a:rPr lang="ko-KR" altLang="en-US" dirty="0" smtClean="0">
+                <a:latin typeface="+mn-ea"/>
+              </a:rPr>
+              <a:t>폴더 내에서 아래 작업 수행 </a:t>
+            </a:r>
+            <a:r>
+              <a:rPr lang="en-US" altLang="ko-KR" dirty="0" smtClean="0">
+                <a:latin typeface="+mn-ea"/>
+              </a:rPr>
+              <a:t>(</a:t>
+            </a:r>
+            <a:r>
+              <a:rPr lang="ko-KR" altLang="en-US" dirty="0" smtClean="0">
+                <a:latin typeface="+mn-ea"/>
+              </a:rPr>
+              <a:t>집에서 숙제 수행 가정</a:t>
+            </a:r>
+            <a:r>
+              <a:rPr lang="en-US" altLang="ko-KR" dirty="0" smtClean="0">
+                <a:latin typeface="+mn-ea"/>
+              </a:rPr>
+              <a:t>)</a:t>
+            </a:r>
+          </a:p>
+          <a:p>
+            <a:pPr marL="266700" lvl="1" indent="0">
+              <a:buNone/>
+            </a:pPr>
+            <a:r>
+              <a:rPr lang="en-US" altLang="ko-KR" dirty="0" smtClean="0">
+                <a:latin typeface="+mn-ea"/>
+              </a:rPr>
+              <a:t>   </a:t>
+            </a:r>
+            <a:r>
+              <a:rPr lang="en-US" altLang="ko-KR" dirty="0">
+                <a:latin typeface="+mn-ea"/>
+              </a:rPr>
+              <a:t>☞ </a:t>
+            </a:r>
+            <a:r>
+              <a:rPr lang="en-US" altLang="ko-KR" dirty="0" err="1">
+                <a:latin typeface="+mn-ea"/>
+              </a:rPr>
+              <a:t>git</a:t>
+            </a:r>
+            <a:r>
+              <a:rPr lang="en-US" altLang="ko-KR" dirty="0">
+                <a:latin typeface="+mn-ea"/>
+              </a:rPr>
+              <a:t> </a:t>
+            </a:r>
+            <a:r>
+              <a:rPr lang="en-US" altLang="ko-KR" dirty="0" err="1" smtClean="0">
+                <a:latin typeface="+mn-ea"/>
+              </a:rPr>
+              <a:t>init</a:t>
+            </a:r>
+            <a:endParaRPr lang="en-US" altLang="ko-KR" dirty="0">
+              <a:latin typeface="+mn-ea"/>
+            </a:endParaRPr>
+          </a:p>
+          <a:p>
+            <a:pPr marL="266700" lvl="1" indent="0">
+              <a:buNone/>
+            </a:pPr>
+            <a:r>
+              <a:rPr lang="en-US" altLang="ko-KR" dirty="0">
+                <a:latin typeface="+mn-ea"/>
+              </a:rPr>
+              <a:t>   ☞ </a:t>
+            </a:r>
+            <a:r>
+              <a:rPr lang="en-US" altLang="ko-KR" dirty="0" err="1">
+                <a:latin typeface="+mn-ea"/>
+              </a:rPr>
+              <a:t>git</a:t>
+            </a:r>
+            <a:r>
+              <a:rPr lang="en-US" altLang="ko-KR" dirty="0">
+                <a:latin typeface="+mn-ea"/>
+              </a:rPr>
+              <a:t> </a:t>
+            </a:r>
+            <a:r>
+              <a:rPr lang="en-US" altLang="ko-KR" dirty="0" smtClean="0">
+                <a:latin typeface="+mn-ea"/>
+              </a:rPr>
+              <a:t>branch –M main</a:t>
+            </a:r>
+            <a:endParaRPr lang="en-US" altLang="ko-KR" dirty="0">
+              <a:latin typeface="+mn-ea"/>
+            </a:endParaRPr>
+          </a:p>
+          <a:p>
+            <a:pPr marL="266700" lvl="1" indent="0">
+              <a:buNone/>
+            </a:pPr>
+            <a:r>
+              <a:rPr lang="en-US" altLang="ko-KR" dirty="0" smtClean="0">
+                <a:latin typeface="+mn-ea"/>
+              </a:rPr>
+              <a:t>   ☞ </a:t>
+            </a:r>
+            <a:r>
+              <a:rPr lang="en-US" altLang="ko-KR" dirty="0" err="1">
+                <a:latin typeface="+mn-ea"/>
+              </a:rPr>
+              <a:t>git</a:t>
+            </a:r>
+            <a:r>
+              <a:rPr lang="en-US" altLang="ko-KR" dirty="0">
+                <a:latin typeface="+mn-ea"/>
+              </a:rPr>
+              <a:t> </a:t>
+            </a:r>
+            <a:r>
+              <a:rPr lang="en-US" altLang="ko-KR" dirty="0" smtClean="0">
+                <a:latin typeface="+mn-ea"/>
+              </a:rPr>
+              <a:t>remote add origin &lt;homework </a:t>
+            </a:r>
+            <a:r>
+              <a:rPr lang="en-US" altLang="ko-KR" dirty="0" err="1" smtClean="0">
+                <a:latin typeface="+mn-ea"/>
+              </a:rPr>
+              <a:t>url</a:t>
+            </a:r>
+            <a:r>
+              <a:rPr lang="ko-KR" altLang="en-US" dirty="0">
+                <a:latin typeface="+mn-ea"/>
+              </a:rPr>
+              <a:t> </a:t>
+            </a:r>
+            <a:r>
+              <a:rPr lang="ko-KR" altLang="en-US" dirty="0" smtClean="0">
+                <a:latin typeface="+mn-ea"/>
+              </a:rPr>
+              <a:t>주소</a:t>
+            </a:r>
+            <a:r>
+              <a:rPr lang="en-US" altLang="ko-KR" dirty="0" smtClean="0">
+                <a:latin typeface="+mn-ea"/>
+              </a:rPr>
+              <a:t>&gt; # remote repo </a:t>
+            </a:r>
+            <a:r>
+              <a:rPr lang="ko-KR" altLang="en-US" dirty="0" smtClean="0">
+                <a:latin typeface="+mn-ea"/>
+              </a:rPr>
+              <a:t>연결하기</a:t>
+            </a:r>
+            <a:endParaRPr lang="en-US" altLang="ko-KR" dirty="0" smtClean="0">
+              <a:latin typeface="+mn-ea"/>
+            </a:endParaRPr>
+          </a:p>
+          <a:p>
+            <a:pPr marL="266700" lvl="1" indent="0">
+              <a:buNone/>
+            </a:pPr>
+            <a:r>
+              <a:rPr lang="en-US" altLang="ko-KR" dirty="0">
+                <a:latin typeface="+mn-ea"/>
+              </a:rPr>
+              <a:t> </a:t>
+            </a:r>
+            <a:r>
+              <a:rPr lang="en-US" altLang="ko-KR" dirty="0" smtClean="0">
+                <a:latin typeface="+mn-ea"/>
+              </a:rPr>
+              <a:t>  ☞ </a:t>
+            </a:r>
+            <a:r>
+              <a:rPr lang="en-US" altLang="ko-KR" dirty="0" err="1">
+                <a:latin typeface="+mn-ea"/>
+              </a:rPr>
+              <a:t>git</a:t>
+            </a:r>
+            <a:r>
+              <a:rPr lang="en-US" altLang="ko-KR" dirty="0">
+                <a:latin typeface="+mn-ea"/>
+              </a:rPr>
+              <a:t> </a:t>
+            </a:r>
+            <a:r>
+              <a:rPr lang="en-US" altLang="ko-KR" dirty="0" smtClean="0">
+                <a:latin typeface="+mn-ea"/>
+              </a:rPr>
+              <a:t>pull –u origin main</a:t>
+            </a:r>
+            <a:endParaRPr lang="en-US" altLang="ko-KR" dirty="0">
+              <a:latin typeface="+mn-ea"/>
+            </a:endParaRPr>
+          </a:p>
+          <a:p>
+            <a:pPr marL="266700" lvl="1" indent="0">
+              <a:buNone/>
+            </a:pPr>
+            <a:r>
+              <a:rPr lang="en-US" altLang="ko-KR" dirty="0">
+                <a:latin typeface="+mn-ea"/>
+              </a:rPr>
+              <a:t>   - </a:t>
+            </a:r>
+            <a:r>
+              <a:rPr lang="en-US" altLang="ko-KR" dirty="0" smtClean="0">
+                <a:latin typeface="+mn-ea"/>
+              </a:rPr>
+              <a:t>working</a:t>
+            </a:r>
+            <a:r>
+              <a:rPr lang="ko-KR" altLang="en-US" dirty="0" smtClean="0">
+                <a:latin typeface="+mn-ea"/>
+              </a:rPr>
+              <a:t> </a:t>
+            </a:r>
+            <a:r>
+              <a:rPr lang="en-US" altLang="ko-KR" dirty="0" smtClean="0">
+                <a:latin typeface="+mn-ea"/>
+              </a:rPr>
+              <a:t>directory</a:t>
+            </a:r>
+            <a:r>
+              <a:rPr lang="ko-KR" altLang="en-US" dirty="0" smtClean="0">
+                <a:latin typeface="+mn-ea"/>
+              </a:rPr>
+              <a:t>에서 </a:t>
+            </a:r>
+            <a:r>
+              <a:rPr lang="en-US" altLang="ko-KR" dirty="0" smtClean="0">
+                <a:latin typeface="+mn-ea"/>
+              </a:rPr>
+              <a:t>program.txt </a:t>
+            </a:r>
+            <a:r>
+              <a:rPr lang="ko-KR" altLang="en-US" dirty="0" smtClean="0">
+                <a:latin typeface="+mn-ea"/>
+              </a:rPr>
+              <a:t>수정하기 </a:t>
+            </a:r>
+            <a:endParaRPr lang="en-US" altLang="ko-KR" dirty="0" smtClean="0">
+              <a:latin typeface="+mn-ea"/>
+            </a:endParaRPr>
+          </a:p>
+          <a:p>
+            <a:pPr marL="266700" lvl="1" indent="0">
+              <a:buNone/>
+            </a:pPr>
+            <a:r>
+              <a:rPr lang="en-US" altLang="ko-KR" dirty="0">
+                <a:latin typeface="+mn-ea"/>
+              </a:rPr>
+              <a:t> </a:t>
+            </a:r>
+            <a:r>
+              <a:rPr lang="en-US" altLang="ko-KR" dirty="0" smtClean="0">
+                <a:latin typeface="+mn-ea"/>
+              </a:rPr>
+              <a:t>    (</a:t>
+            </a:r>
+            <a:r>
+              <a:rPr lang="ko-KR" altLang="en-US" dirty="0">
+                <a:latin typeface="+mn-ea"/>
+              </a:rPr>
+              <a:t>내용 </a:t>
+            </a:r>
+            <a:r>
+              <a:rPr lang="ko-KR" altLang="en-US" dirty="0" smtClean="0">
+                <a:latin typeface="+mn-ea"/>
+              </a:rPr>
+              <a:t>첫 줄 수정  </a:t>
+            </a:r>
+            <a:r>
+              <a:rPr lang="en-US" altLang="ko-KR" dirty="0" smtClean="0">
+                <a:latin typeface="+mn-ea"/>
+              </a:rPr>
+              <a:t>:  ‘</a:t>
+            </a:r>
+            <a:r>
+              <a:rPr lang="ko-KR" altLang="en-US" dirty="0" smtClean="0">
+                <a:latin typeface="+mn-ea"/>
+              </a:rPr>
+              <a:t>학교 </a:t>
+            </a:r>
+            <a:r>
+              <a:rPr lang="en-US" altLang="ko-KR" dirty="0" smtClean="0">
+                <a:solidFill>
+                  <a:srgbClr val="FF0000"/>
+                </a:solidFill>
+                <a:latin typeface="+mn-ea"/>
+              </a:rPr>
+              <a:t>program</a:t>
+            </a:r>
+            <a:r>
+              <a:rPr lang="ko-KR" altLang="en-US" dirty="0" smtClean="0">
+                <a:solidFill>
+                  <a:srgbClr val="FF0000"/>
+                </a:solidFill>
+                <a:latin typeface="+mn-ea"/>
+              </a:rPr>
+              <a:t> 수정</a:t>
+            </a:r>
+            <a:r>
+              <a:rPr lang="en-US" altLang="ko-KR" dirty="0" smtClean="0">
+                <a:latin typeface="+mn-ea"/>
+              </a:rPr>
+              <a:t>’  </a:t>
+            </a:r>
+          </a:p>
+          <a:p>
+            <a:pPr marL="266700" lvl="1" indent="0">
+              <a:buNone/>
+            </a:pPr>
+            <a:r>
+              <a:rPr lang="en-US" altLang="ko-KR" dirty="0">
+                <a:latin typeface="+mn-ea"/>
+              </a:rPr>
+              <a:t> </a:t>
+            </a:r>
+            <a:r>
+              <a:rPr lang="en-US" altLang="ko-KR" dirty="0" smtClean="0">
+                <a:latin typeface="+mn-ea"/>
+              </a:rPr>
+              <a:t>          </a:t>
+            </a:r>
+            <a:r>
+              <a:rPr lang="ko-KR" altLang="en-US" dirty="0" smtClean="0">
+                <a:latin typeface="+mn-ea"/>
+              </a:rPr>
+              <a:t>둘째 줄 추가 </a:t>
+            </a:r>
+            <a:r>
+              <a:rPr lang="en-US" altLang="ko-KR" dirty="0" smtClean="0">
+                <a:latin typeface="+mn-ea"/>
+              </a:rPr>
+              <a:t>:  ‘</a:t>
+            </a:r>
+            <a:r>
+              <a:rPr lang="ko-KR" altLang="en-US" dirty="0" smtClean="0">
+                <a:latin typeface="+mn-ea"/>
+              </a:rPr>
+              <a:t>집에서 작업 추가</a:t>
+            </a:r>
+            <a:r>
+              <a:rPr lang="en-US" altLang="ko-KR" dirty="0" smtClean="0">
+                <a:latin typeface="+mn-ea"/>
+              </a:rPr>
+              <a:t>’)</a:t>
+            </a:r>
+          </a:p>
+          <a:p>
+            <a:pPr marL="266700" lvl="1" indent="0">
+              <a:buNone/>
+            </a:pPr>
+            <a:r>
+              <a:rPr lang="en-US" altLang="ko-KR" dirty="0">
+                <a:latin typeface="+mn-ea"/>
+              </a:rPr>
+              <a:t> </a:t>
+            </a:r>
+            <a:r>
+              <a:rPr lang="en-US" altLang="ko-KR" dirty="0" smtClean="0">
+                <a:latin typeface="+mn-ea"/>
+              </a:rPr>
+              <a:t>  ☞ </a:t>
+            </a:r>
+            <a:r>
+              <a:rPr lang="en-US" altLang="ko-KR" dirty="0" err="1">
+                <a:latin typeface="+mn-ea"/>
+              </a:rPr>
+              <a:t>git</a:t>
+            </a:r>
+            <a:r>
+              <a:rPr lang="en-US" altLang="ko-KR" dirty="0">
+                <a:latin typeface="+mn-ea"/>
+              </a:rPr>
+              <a:t> add program.txt</a:t>
+            </a:r>
+          </a:p>
+          <a:p>
+            <a:pPr marL="266700" lvl="1" indent="0">
+              <a:buNone/>
+            </a:pPr>
+            <a:r>
+              <a:rPr lang="en-US" altLang="ko-KR" dirty="0">
+                <a:latin typeface="+mn-ea"/>
+              </a:rPr>
+              <a:t>   ☞ </a:t>
+            </a:r>
+            <a:r>
+              <a:rPr lang="en-US" altLang="ko-KR" dirty="0" err="1">
+                <a:latin typeface="+mn-ea"/>
+              </a:rPr>
+              <a:t>git</a:t>
+            </a:r>
+            <a:r>
+              <a:rPr lang="en-US" altLang="ko-KR" dirty="0">
+                <a:latin typeface="+mn-ea"/>
+              </a:rPr>
+              <a:t> commit –m ‘commit </a:t>
+            </a:r>
+            <a:r>
+              <a:rPr lang="en-US" altLang="ko-KR" dirty="0" smtClean="0">
+                <a:latin typeface="+mn-ea"/>
+              </a:rPr>
+              <a:t>from home’</a:t>
+            </a:r>
+          </a:p>
+          <a:p>
+            <a:pPr marL="266700" lvl="1" indent="0">
+              <a:buNone/>
+            </a:pPr>
+            <a:r>
+              <a:rPr lang="en-US" altLang="ko-KR" dirty="0" smtClean="0">
+                <a:latin typeface="+mn-ea"/>
+              </a:rPr>
+              <a:t>   </a:t>
+            </a:r>
+            <a:r>
+              <a:rPr lang="en-US" altLang="ko-KR" dirty="0">
+                <a:latin typeface="+mn-ea"/>
+              </a:rPr>
+              <a:t>☞ </a:t>
+            </a:r>
+            <a:r>
+              <a:rPr lang="en-US" altLang="ko-KR" dirty="0" err="1">
+                <a:latin typeface="+mn-ea"/>
+              </a:rPr>
+              <a:t>git</a:t>
+            </a:r>
+            <a:r>
+              <a:rPr lang="en-US" altLang="ko-KR" dirty="0">
+                <a:latin typeface="+mn-ea"/>
+              </a:rPr>
+              <a:t> </a:t>
+            </a:r>
+            <a:r>
+              <a:rPr lang="en-US" altLang="ko-KR" dirty="0" smtClean="0">
+                <a:latin typeface="+mn-ea"/>
+              </a:rPr>
+              <a:t>push –u origin main</a:t>
+            </a:r>
+            <a:endParaRPr lang="en-US" altLang="ko-KR" dirty="0" smtClean="0">
+              <a:latin typeface="+mn-ea"/>
+            </a:endParaRPr>
+          </a:p>
+          <a:p>
+            <a:pPr marL="266700" lvl="1" indent="0">
+              <a:buNone/>
+            </a:pPr>
+            <a:endParaRPr lang="en-US" altLang="ko-KR" dirty="0" smtClean="0">
+              <a:latin typeface="+mn-ea"/>
+            </a:endParaRPr>
+          </a:p>
+          <a:p>
+            <a:pPr marL="266700" lvl="1" indent="0">
+              <a:buNone/>
+            </a:pPr>
+            <a:endParaRPr lang="en-US" altLang="ko-KR" dirty="0">
+              <a:latin typeface="+mn-ea"/>
+            </a:endParaRPr>
+          </a:p>
+        </p:txBody>
+      </p:sp>
+    </p:spTree>
+    <p:extLst>
+      <p:ext uri="{BB962C8B-B14F-4D97-AF65-F5344CB8AC3E}">
+        <p14:creationId xmlns:p14="http://schemas.microsoft.com/office/powerpoint/2010/main" val="1681087771"/>
+      </p:ext>
+    </p:extLst>
+  </p:cSld>
+  <p:clrMapOvr>
+    <a:masterClrMapping/>
+  </p:clrMapOvr>
+</p:sld>
+</file>
+
+<file path=ppt/slides/slide38.xml><?xml version="1.0" encoding="utf-8"?>
+<p:sld xmlns:a="http://schemas.openxmlformats.org/drawingml/2006/main" xmlns:r="http://schemas.openxmlformats.org/officeDocument/2006/relationships" xmlns:p="http://schemas.openxmlformats.org/presentationml/2006/main">
+  <p:cSld>
+    <p:spTree>
+      <p:nvGrpSpPr>
+        <p:cNvPr id="1" name=""/>
+        <p:cNvGrpSpPr/>
+        <p:nvPr/>
+      </p:nvGrpSpPr>
+      <p:grpSpPr>
+        <a:xfrm>
+          <a:off x="0" y="0"/>
+          <a:ext cx="0" cy="0"/>
+          <a:chOff x="0" y="0"/>
+          <a:chExt cx="0" cy="0"/>
+        </a:xfrm>
+      </p:grpSpPr>
+      <p:sp>
+        <p:nvSpPr>
+          <p:cNvPr id="4" name="제목 3">
+            <a:extLst>
+              <a:ext uri="{FF2B5EF4-FFF2-40B4-BE49-F238E27FC236}">
+                <a16:creationId xmlns:a16="http://schemas.microsoft.com/office/drawing/2014/main" id="{F0CEB32B-CB43-4410-BA08-A97E4BC47FCB}"/>
+              </a:ext>
+            </a:extLst>
+          </p:cNvPr>
+          <p:cNvSpPr>
+            <a:spLocks noGrp="1"/>
+          </p:cNvSpPr>
+          <p:nvPr>
+            <p:ph type="title"/>
+          </p:nvPr>
+        </p:nvSpPr>
+        <p:spPr>
+          <a:xfrm>
+            <a:off x="539551" y="192300"/>
+            <a:ext cx="7860170" cy="576064"/>
+          </a:xfrm>
+        </p:spPr>
+        <p:txBody>
+          <a:bodyPr>
+            <a:normAutofit/>
+          </a:bodyPr>
+          <a:lstStyle/>
+          <a:p>
+            <a:r>
+              <a:rPr lang="ko-KR" altLang="en-US" dirty="0" smtClean="0"/>
+              <a:t>학교와 집에서 </a:t>
+            </a:r>
+            <a:r>
+              <a:rPr lang="ko-KR" altLang="en-US" dirty="0" err="1" smtClean="0"/>
+              <a:t>원격저장소</a:t>
+            </a:r>
+            <a:r>
+              <a:rPr lang="ko-KR" altLang="en-US" dirty="0"/>
+              <a:t> 이용하기 </a:t>
+            </a:r>
+            <a:r>
+              <a:rPr lang="en-US" altLang="ko-KR" dirty="0"/>
+              <a:t>(push, Pull </a:t>
+            </a:r>
+            <a:r>
+              <a:rPr lang="ko-KR" altLang="en-US" dirty="0"/>
+              <a:t>연습하기</a:t>
+            </a:r>
+            <a:r>
+              <a:rPr lang="en-US" altLang="ko-KR" dirty="0"/>
+              <a:t>)</a:t>
+            </a:r>
+            <a:endParaRPr lang="ko-KR" altLang="en-US" dirty="0"/>
+          </a:p>
+        </p:txBody>
+      </p:sp>
+      <p:sp>
+        <p:nvSpPr>
+          <p:cNvPr id="7" name="내용 개체 틀 2">
+            <a:extLst>
+              <a:ext uri="{FF2B5EF4-FFF2-40B4-BE49-F238E27FC236}">
+                <a16:creationId xmlns:a16="http://schemas.microsoft.com/office/drawing/2014/main" id="{A44AC902-3746-40D6-9827-94B46EEDDC67}"/>
+              </a:ext>
+            </a:extLst>
+          </p:cNvPr>
+          <p:cNvSpPr txBox="1">
+            <a:spLocks/>
+          </p:cNvSpPr>
+          <p:nvPr/>
+        </p:nvSpPr>
+        <p:spPr>
+          <a:xfrm>
+            <a:off x="341787" y="1120544"/>
+            <a:ext cx="8642350" cy="3692755"/>
+          </a:xfrm>
+          <a:prstGeom prst="rect">
+            <a:avLst/>
+          </a:prstGeom>
+        </p:spPr>
+        <p:txBody>
+          <a:bodyPr vert="horz" lIns="91440" tIns="45720" rIns="91440" bIns="45720" rtlCol="0">
+            <a:noAutofit/>
+          </a:bodyPr>
+          <a:lstStyle>
+            <a:lvl1pPr marL="266700" indent="-266700" defTabSz="914400" latinLnBrk="1">
+              <a:lnSpc>
+                <a:spcPct val="150000"/>
+              </a:lnSpc>
+              <a:spcBef>
+                <a:spcPct val="0"/>
+              </a:spcBef>
+              <a:buClr>
+                <a:schemeClr val="tx1">
+                  <a:lumMod val="65000"/>
+                  <a:lumOff val="35000"/>
+                </a:schemeClr>
+              </a:buClr>
+              <a:buFont typeface="Wingdings" pitchFamily="2" charset="2"/>
+              <a:buChar char="n"/>
+              <a:defRPr sz="2000" b="1">
+                <a:latin typeface="+mn-ea"/>
+              </a:defRPr>
+            </a:lvl1pPr>
+            <a:lvl2pPr marL="447675" lvl="1" indent="-180975" defTabSz="914400" latinLnBrk="1">
+              <a:lnSpc>
+                <a:spcPct val="150000"/>
+              </a:lnSpc>
+              <a:spcBef>
+                <a:spcPts val="0"/>
+              </a:spcBef>
+              <a:spcAft>
+                <a:spcPts val="0"/>
+              </a:spcAft>
+              <a:buClr>
+                <a:schemeClr val="tx1">
+                  <a:lumMod val="50000"/>
+                  <a:lumOff val="50000"/>
+                </a:schemeClr>
+              </a:buClr>
+              <a:buFont typeface="Wingdings" pitchFamily="2" charset="2"/>
+              <a:buChar char="§"/>
+              <a:defRPr sz="1600"/>
+            </a:lvl2pPr>
+            <a:lvl3pPr marL="628650" indent="-180975" defTabSz="914400" latinLnBrk="1">
+              <a:lnSpc>
+                <a:spcPct val="150000"/>
+              </a:lnSpc>
+              <a:spcBef>
+                <a:spcPts val="500"/>
+              </a:spcBef>
+              <a:spcAft>
+                <a:spcPts val="300"/>
+              </a:spcAft>
+              <a:buClr>
+                <a:schemeClr val="tx1">
+                  <a:lumMod val="65000"/>
+                  <a:lumOff val="35000"/>
+                </a:schemeClr>
+              </a:buClr>
+              <a:buFont typeface="Arial" panose="020B0604020202020204" pitchFamily="34" charset="0"/>
+              <a:buChar char="•"/>
+              <a:defRPr sz="1400"/>
+            </a:lvl3pPr>
+            <a:lvl4pPr marL="809625" indent="-180975" defTabSz="914400" latinLnBrk="1">
+              <a:lnSpc>
+                <a:spcPct val="150000"/>
+              </a:lnSpc>
+              <a:spcBef>
+                <a:spcPts val="500"/>
+              </a:spcBef>
+              <a:spcAft>
+                <a:spcPts val="300"/>
+              </a:spcAft>
+              <a:buClr>
+                <a:schemeClr val="tx1">
+                  <a:lumMod val="65000"/>
+                  <a:lumOff val="35000"/>
+                </a:schemeClr>
+              </a:buClr>
+              <a:buSzPct val="96000"/>
+              <a:buFont typeface="Arial" panose="020B0604020202020204" pitchFamily="34" charset="0"/>
+              <a:buChar char="•"/>
+              <a:defRPr sz="1200"/>
+            </a:lvl4pPr>
+            <a:lvl5pPr marL="990600" indent="-180975" defTabSz="914400" latinLnBrk="1">
+              <a:lnSpc>
+                <a:spcPct val="150000"/>
+              </a:lnSpc>
+              <a:spcBef>
+                <a:spcPts val="500"/>
+              </a:spcBef>
+              <a:buClr>
+                <a:schemeClr val="tx1">
+                  <a:lumMod val="65000"/>
+                  <a:lumOff val="35000"/>
+                </a:schemeClr>
+              </a:buClr>
+              <a:buFont typeface="Arial" panose="020B0604020202020204" pitchFamily="34" charset="0"/>
+              <a:buChar char="•"/>
+              <a:defRPr sz="1000"/>
+            </a:lvl5pPr>
+            <a:lvl6pPr marL="2514600" indent="-228600" defTabSz="914400" latinLnBrk="1">
+              <a:lnSpc>
+                <a:spcPct val="90000"/>
+              </a:lnSpc>
+              <a:spcBef>
+                <a:spcPts val="500"/>
+              </a:spcBef>
+              <a:buFont typeface="Arial" panose="020B0604020202020204" pitchFamily="34" charset="0"/>
+              <a:buChar char="•"/>
+            </a:lvl6pPr>
+            <a:lvl7pPr marL="2971800" indent="-228600" defTabSz="914400" latinLnBrk="1">
+              <a:lnSpc>
+                <a:spcPct val="90000"/>
+              </a:lnSpc>
+              <a:spcBef>
+                <a:spcPts val="500"/>
+              </a:spcBef>
+              <a:buFont typeface="Arial" panose="020B0604020202020204" pitchFamily="34" charset="0"/>
+              <a:buChar char="•"/>
+            </a:lvl7pPr>
+            <a:lvl8pPr marL="3429000" indent="-228600" defTabSz="914400" latinLnBrk="1">
+              <a:lnSpc>
+                <a:spcPct val="90000"/>
+              </a:lnSpc>
+              <a:spcBef>
+                <a:spcPts val="500"/>
+              </a:spcBef>
+              <a:buFont typeface="Arial" panose="020B0604020202020204" pitchFamily="34" charset="0"/>
+              <a:buChar char="•"/>
+            </a:lvl8pPr>
+            <a:lvl9pPr marL="3886200" indent="-228600" defTabSz="914400" latinLnBrk="1">
+              <a:lnSpc>
+                <a:spcPct val="90000"/>
+              </a:lnSpc>
+              <a:spcBef>
+                <a:spcPts val="500"/>
+              </a:spcBef>
+              <a:buFont typeface="Arial" panose="020B0604020202020204" pitchFamily="34" charset="0"/>
+              <a:buChar char="•"/>
+            </a:lvl9pPr>
+          </a:lstStyle>
+          <a:p>
+            <a:r>
+              <a:rPr lang="ko-KR" altLang="en-US" dirty="0" smtClean="0"/>
+              <a:t>프로그램 코딩을 학교와 집에서 작업하기</a:t>
+            </a:r>
+            <a:endParaRPr lang="en-US" altLang="ko-KR" dirty="0"/>
+          </a:p>
+          <a:p>
+            <a:pPr lvl="1"/>
+            <a:r>
+              <a:rPr lang="ko-KR" altLang="en-US" dirty="0" smtClean="0">
+                <a:latin typeface="+mn-ea"/>
+              </a:rPr>
+              <a:t>원격저장소에서 내용 확인</a:t>
+            </a:r>
+            <a:endParaRPr lang="en-US" altLang="ko-KR" dirty="0" smtClean="0">
+              <a:latin typeface="+mn-ea"/>
+            </a:endParaRPr>
+          </a:p>
+        </p:txBody>
+      </p:sp>
+    </p:spTree>
+    <p:extLst>
+      <p:ext uri="{BB962C8B-B14F-4D97-AF65-F5344CB8AC3E}">
+        <p14:creationId xmlns:p14="http://schemas.microsoft.com/office/powerpoint/2010/main" val="128924195"/>
+      </p:ext>
+    </p:extLst>
+  </p:cSld>
+  <p:clrMapOvr>
+    <a:masterClrMapping/>
+  </p:clrMapOvr>
+</p:sld>
+</file>
+
+<file path=ppt/slides/slide39.xml><?xml version="1.0" encoding="utf-8"?>
+<p:sld xmlns:a="http://schemas.openxmlformats.org/drawingml/2006/main" xmlns:r="http://schemas.openxmlformats.org/officeDocument/2006/relationships" xmlns:p="http://schemas.openxmlformats.org/presentationml/2006/main">
+  <p:cSld>
+    <p:spTree>
+      <p:nvGrpSpPr>
+        <p:cNvPr id="1" name=""/>
+        <p:cNvGrpSpPr/>
+        <p:nvPr/>
+      </p:nvGrpSpPr>
+      <p:grpSpPr>
+        <a:xfrm>
+          <a:off x="0" y="0"/>
+          <a:ext cx="0" cy="0"/>
+          <a:chOff x="0" y="0"/>
+          <a:chExt cx="0" cy="0"/>
+        </a:xfrm>
+      </p:grpSpPr>
+      <p:sp>
+        <p:nvSpPr>
+          <p:cNvPr id="4" name="제목 3">
+            <a:extLst>
+              <a:ext uri="{FF2B5EF4-FFF2-40B4-BE49-F238E27FC236}">
+                <a16:creationId xmlns:a16="http://schemas.microsoft.com/office/drawing/2014/main" id="{F0CEB32B-CB43-4410-BA08-A97E4BC47FCB}"/>
+              </a:ext>
+            </a:extLst>
+          </p:cNvPr>
+          <p:cNvSpPr>
+            <a:spLocks noGrp="1"/>
+          </p:cNvSpPr>
+          <p:nvPr>
+            <p:ph type="title"/>
+          </p:nvPr>
+        </p:nvSpPr>
+        <p:spPr/>
+        <p:txBody>
+          <a:bodyPr/>
+          <a:lstStyle/>
+          <a:p>
+            <a:r>
+              <a:rPr lang="ko-KR" altLang="en-US" dirty="0" err="1"/>
+              <a:t>원격저장소</a:t>
+            </a:r>
+            <a:r>
+              <a:rPr lang="ko-KR" altLang="en-US" dirty="0"/>
+              <a:t> 자료 확인</a:t>
+            </a:r>
+          </a:p>
+        </p:txBody>
+      </p:sp>
+      <p:sp>
+        <p:nvSpPr>
+          <p:cNvPr id="7" name="내용 개체 틀 2">
+            <a:extLst>
+              <a:ext uri="{FF2B5EF4-FFF2-40B4-BE49-F238E27FC236}">
+                <a16:creationId xmlns:a16="http://schemas.microsoft.com/office/drawing/2014/main" id="{A44AC902-3746-40D6-9827-94B46EEDDC67}"/>
+              </a:ext>
+            </a:extLst>
+          </p:cNvPr>
+          <p:cNvSpPr txBox="1">
+            <a:spLocks/>
+          </p:cNvSpPr>
+          <p:nvPr/>
+        </p:nvSpPr>
+        <p:spPr>
+          <a:xfrm>
+            <a:off x="341787" y="1120544"/>
+            <a:ext cx="8642350" cy="3692755"/>
+          </a:xfrm>
+          <a:prstGeom prst="rect">
+            <a:avLst/>
+          </a:prstGeom>
+        </p:spPr>
+        <p:txBody>
+          <a:bodyPr vert="horz" lIns="91440" tIns="45720" rIns="91440" bIns="45720" rtlCol="0">
+            <a:noAutofit/>
+          </a:bodyPr>
+          <a:lstStyle>
+            <a:lvl1pPr marL="266700" indent="-266700" defTabSz="914400" latinLnBrk="1">
+              <a:lnSpc>
+                <a:spcPct val="150000"/>
+              </a:lnSpc>
+              <a:spcBef>
+                <a:spcPct val="0"/>
+              </a:spcBef>
+              <a:buClr>
+                <a:schemeClr val="tx1">
+                  <a:lumMod val="65000"/>
+                  <a:lumOff val="35000"/>
+                </a:schemeClr>
+              </a:buClr>
+              <a:buFont typeface="Wingdings" pitchFamily="2" charset="2"/>
+              <a:buChar char="n"/>
+              <a:defRPr sz="2000" b="1">
+                <a:latin typeface="+mn-ea"/>
+              </a:defRPr>
+            </a:lvl1pPr>
+            <a:lvl2pPr marL="447675" lvl="1" indent="-180975" defTabSz="914400" latinLnBrk="1">
+              <a:lnSpc>
+                <a:spcPct val="150000"/>
+              </a:lnSpc>
+              <a:spcBef>
+                <a:spcPts val="0"/>
+              </a:spcBef>
+              <a:spcAft>
+                <a:spcPts val="0"/>
+              </a:spcAft>
+              <a:buClr>
+                <a:schemeClr val="tx1">
+                  <a:lumMod val="50000"/>
+                  <a:lumOff val="50000"/>
+                </a:schemeClr>
+              </a:buClr>
+              <a:buFont typeface="Wingdings" pitchFamily="2" charset="2"/>
+              <a:buChar char="§"/>
+              <a:defRPr sz="1600"/>
+            </a:lvl2pPr>
+            <a:lvl3pPr marL="628650" indent="-180975" defTabSz="914400" latinLnBrk="1">
+              <a:lnSpc>
+                <a:spcPct val="150000"/>
+              </a:lnSpc>
+              <a:spcBef>
+                <a:spcPts val="500"/>
+              </a:spcBef>
+              <a:spcAft>
+                <a:spcPts val="300"/>
+              </a:spcAft>
+              <a:buClr>
+                <a:schemeClr val="tx1">
+                  <a:lumMod val="65000"/>
+                  <a:lumOff val="35000"/>
+                </a:schemeClr>
+              </a:buClr>
+              <a:buFont typeface="Arial" panose="020B0604020202020204" pitchFamily="34" charset="0"/>
+              <a:buChar char="•"/>
+              <a:defRPr sz="1400"/>
+            </a:lvl3pPr>
+            <a:lvl4pPr marL="809625" indent="-180975" defTabSz="914400" latinLnBrk="1">
+              <a:lnSpc>
+                <a:spcPct val="150000"/>
+              </a:lnSpc>
+              <a:spcBef>
+                <a:spcPts val="500"/>
+              </a:spcBef>
+              <a:spcAft>
+                <a:spcPts val="300"/>
+              </a:spcAft>
+              <a:buClr>
+                <a:schemeClr val="tx1">
+                  <a:lumMod val="65000"/>
+                  <a:lumOff val="35000"/>
+                </a:schemeClr>
+              </a:buClr>
+              <a:buSzPct val="96000"/>
+              <a:buFont typeface="Arial" panose="020B0604020202020204" pitchFamily="34" charset="0"/>
+              <a:buChar char="•"/>
+              <a:defRPr sz="1200"/>
+            </a:lvl4pPr>
+            <a:lvl5pPr marL="990600" indent="-180975" defTabSz="914400" latinLnBrk="1">
+              <a:lnSpc>
+                <a:spcPct val="150000"/>
+              </a:lnSpc>
+              <a:spcBef>
+                <a:spcPts val="500"/>
+              </a:spcBef>
+              <a:buClr>
+                <a:schemeClr val="tx1">
+                  <a:lumMod val="65000"/>
+                  <a:lumOff val="35000"/>
+                </a:schemeClr>
+              </a:buClr>
+              <a:buFont typeface="Arial" panose="020B0604020202020204" pitchFamily="34" charset="0"/>
+              <a:buChar char="•"/>
+              <a:defRPr sz="1000"/>
+            </a:lvl5pPr>
+            <a:lvl6pPr marL="2514600" indent="-228600" defTabSz="914400" latinLnBrk="1">
+              <a:lnSpc>
+                <a:spcPct val="90000"/>
+              </a:lnSpc>
+              <a:spcBef>
+                <a:spcPts val="500"/>
+              </a:spcBef>
+              <a:buFont typeface="Arial" panose="020B0604020202020204" pitchFamily="34" charset="0"/>
+              <a:buChar char="•"/>
+            </a:lvl6pPr>
+            <a:lvl7pPr marL="2971800" indent="-228600" defTabSz="914400" latinLnBrk="1">
+              <a:lnSpc>
+                <a:spcPct val="90000"/>
+              </a:lnSpc>
+              <a:spcBef>
+                <a:spcPts val="500"/>
+              </a:spcBef>
+              <a:buFont typeface="Arial" panose="020B0604020202020204" pitchFamily="34" charset="0"/>
+              <a:buChar char="•"/>
+            </a:lvl7pPr>
+            <a:lvl8pPr marL="3429000" indent="-228600" defTabSz="914400" latinLnBrk="1">
+              <a:lnSpc>
+                <a:spcPct val="90000"/>
+              </a:lnSpc>
+              <a:spcBef>
+                <a:spcPts val="500"/>
+              </a:spcBef>
+              <a:buFont typeface="Arial" panose="020B0604020202020204" pitchFamily="34" charset="0"/>
+              <a:buChar char="•"/>
+            </a:lvl8pPr>
+            <a:lvl9pPr marL="3886200" indent="-228600" defTabSz="914400" latinLnBrk="1">
+              <a:lnSpc>
+                <a:spcPct val="90000"/>
+              </a:lnSpc>
+              <a:spcBef>
+                <a:spcPts val="500"/>
+              </a:spcBef>
+              <a:buFont typeface="Arial" panose="020B0604020202020204" pitchFamily="34" charset="0"/>
+              <a:buChar char="•"/>
+            </a:lvl9pPr>
+          </a:lstStyle>
+          <a:p>
+            <a:r>
+              <a:rPr lang="ko-KR" altLang="en-US" dirty="0" err="1"/>
+              <a:t>원격저장소</a:t>
+            </a:r>
+            <a:r>
+              <a:rPr lang="en-US" altLang="ko-KR" dirty="0"/>
+              <a:t>(</a:t>
+            </a:r>
+            <a:r>
+              <a:rPr lang="en-US" altLang="ko-KR" dirty="0" err="1"/>
+              <a:t>Github</a:t>
+            </a:r>
+            <a:r>
+              <a:rPr lang="en-US" altLang="ko-KR" dirty="0"/>
+              <a:t>)</a:t>
+            </a:r>
+            <a:r>
+              <a:rPr lang="ko-KR" altLang="en-US" dirty="0"/>
+              <a:t>에서 확인하기 </a:t>
+            </a:r>
+            <a:r>
+              <a:rPr lang="en-US" altLang="ko-KR" dirty="0"/>
+              <a:t>(</a:t>
+            </a:r>
+            <a:r>
+              <a:rPr lang="ko-KR" altLang="en-US" dirty="0"/>
+              <a:t>연습해 보기</a:t>
+            </a:r>
+            <a:r>
+              <a:rPr lang="en-US" altLang="ko-KR" dirty="0"/>
+              <a:t>)</a:t>
+            </a:r>
+          </a:p>
+          <a:p>
+            <a:pPr lvl="1"/>
+            <a:r>
+              <a:rPr lang="ko-KR" altLang="en-US" dirty="0">
+                <a:latin typeface="+mn-ea"/>
+              </a:rPr>
+              <a:t>로컬 </a:t>
+            </a:r>
+            <a:r>
+              <a:rPr lang="en-US" altLang="ko-KR" dirty="0">
+                <a:latin typeface="+mn-ea"/>
+              </a:rPr>
+              <a:t>working directory(</a:t>
+            </a:r>
+            <a:r>
+              <a:rPr lang="en-US" altLang="ko-KR" dirty="0" err="1">
+                <a:latin typeface="+mn-ea"/>
+              </a:rPr>
+              <a:t>gitplace</a:t>
+            </a:r>
+            <a:r>
+              <a:rPr lang="en-US" altLang="ko-KR" dirty="0">
+                <a:latin typeface="+mn-ea"/>
+              </a:rPr>
+              <a:t>)</a:t>
+            </a:r>
+            <a:r>
+              <a:rPr lang="ko-KR" altLang="en-US" dirty="0">
+                <a:latin typeface="+mn-ea"/>
+              </a:rPr>
+              <a:t>에서 아무런 내용이나 변경 수정하고</a:t>
+            </a:r>
+            <a:endParaRPr lang="en-US" altLang="ko-KR" dirty="0">
+              <a:latin typeface="+mn-ea"/>
+            </a:endParaRPr>
+          </a:p>
+          <a:p>
+            <a:pPr marL="266700" lvl="1" indent="0">
+              <a:buNone/>
+            </a:pPr>
+            <a:r>
+              <a:rPr lang="en-US" altLang="ko-KR" dirty="0">
+                <a:latin typeface="+mn-ea"/>
+              </a:rPr>
+              <a:t>   - </a:t>
+            </a:r>
+            <a:r>
+              <a:rPr lang="ko-KR" altLang="en-US" dirty="0" err="1">
+                <a:latin typeface="+mn-ea"/>
+              </a:rPr>
+              <a:t>브랜치</a:t>
+            </a:r>
+            <a:r>
+              <a:rPr lang="ko-KR" altLang="en-US" dirty="0">
+                <a:latin typeface="+mn-ea"/>
+              </a:rPr>
+              <a:t> 별로 아래 명령 연습</a:t>
+            </a:r>
+            <a:endParaRPr lang="en-US" altLang="ko-KR" dirty="0">
+              <a:latin typeface="+mn-ea"/>
+            </a:endParaRPr>
+          </a:p>
+          <a:p>
+            <a:pPr marL="266700" lvl="1" indent="0">
+              <a:buNone/>
+            </a:pPr>
+            <a:r>
+              <a:rPr lang="en-US" altLang="ko-KR" dirty="0">
+                <a:latin typeface="+mn-ea"/>
+              </a:rPr>
+              <a:t>   ☞ git checkout</a:t>
+            </a:r>
+          </a:p>
+          <a:p>
+            <a:pPr marL="266700" lvl="1" indent="0">
+              <a:buNone/>
+            </a:pPr>
+            <a:r>
+              <a:rPr lang="en-US" altLang="ko-KR" dirty="0">
+                <a:latin typeface="+mn-ea"/>
+              </a:rPr>
+              <a:t>   ☞ git add</a:t>
+            </a:r>
+          </a:p>
+          <a:p>
+            <a:pPr marL="266700" lvl="1" indent="0">
+              <a:buNone/>
+            </a:pPr>
+            <a:r>
+              <a:rPr lang="en-US" altLang="ko-KR" dirty="0">
+                <a:latin typeface="+mn-ea"/>
+              </a:rPr>
+              <a:t>   ☞ git commit –m </a:t>
+            </a:r>
+          </a:p>
+          <a:p>
+            <a:pPr marL="266700" lvl="1" indent="0">
+              <a:buNone/>
+            </a:pPr>
+            <a:r>
+              <a:rPr lang="en-US" altLang="ko-KR" dirty="0">
+                <a:latin typeface="+mn-ea"/>
+              </a:rPr>
+              <a:t>   ☞ git log –branches –</a:t>
+            </a:r>
+            <a:r>
+              <a:rPr lang="en-US" altLang="ko-KR" dirty="0" err="1">
+                <a:latin typeface="+mn-ea"/>
+              </a:rPr>
+              <a:t>oneline</a:t>
+            </a:r>
+            <a:r>
+              <a:rPr lang="en-US" altLang="ko-KR" dirty="0">
+                <a:latin typeface="+mn-ea"/>
+              </a:rPr>
+              <a:t> --branches</a:t>
+            </a:r>
+          </a:p>
+          <a:p>
+            <a:pPr marL="266700" lvl="1" indent="0">
+              <a:buNone/>
+            </a:pPr>
+            <a:r>
+              <a:rPr lang="en-US" altLang="ko-KR" dirty="0">
+                <a:latin typeface="+mn-ea"/>
+              </a:rPr>
+              <a:t>   ☞ git push</a:t>
+            </a:r>
+          </a:p>
+          <a:p>
+            <a:pPr lvl="1"/>
+            <a:r>
+              <a:rPr lang="ko-KR" altLang="en-US" dirty="0">
+                <a:latin typeface="+mn-ea"/>
+              </a:rPr>
+              <a:t>원격 저장소 변경 내용 확인</a:t>
+            </a:r>
+            <a:endParaRPr lang="en-US" altLang="ko-KR" dirty="0">
+              <a:latin typeface="+mn-ea"/>
+            </a:endParaRPr>
+          </a:p>
+        </p:txBody>
+      </p:sp>
+    </p:spTree>
+    <p:extLst>
+      <p:ext uri="{BB962C8B-B14F-4D97-AF65-F5344CB8AC3E}">
+        <p14:creationId xmlns:p14="http://schemas.microsoft.com/office/powerpoint/2010/main" val="2225593882"/>
       </p:ext>
     </p:extLst>
   </p:cSld>

--- a/git및github첫걸음2-원격저장소만들기.pptx
+++ b/git및github첫걸음2-원격저장소만들기.pptx
@@ -246,7 +246,7 @@
           <a:p>
             <a:fld id="{A17B9194-BDE3-40E3-983E-94CE6FA773AF}" type="datetimeFigureOut">
               <a:rPr lang="ko-KR" altLang="en-US" smtClean="0"/>
-              <a:t>2021-04-03</a:t>
+              <a:t>2021-04-04</a:t>
             </a:fld>
             <a:endParaRPr lang="ko-KR" altLang="en-US"/>
           </a:p>
@@ -1172,7 +1172,7 @@
           <a:p>
             <a:fld id="{30E72A5D-AC2D-4154-80BD-D3C3745E4EB5}" type="datetimeFigureOut">
               <a:rPr lang="ko-KR" altLang="en-US" smtClean="0"/>
-              <a:t>2021-04-03</a:t>
+              <a:t>2021-04-04</a:t>
             </a:fld>
             <a:endParaRPr lang="ko-KR" altLang="en-US"/>
           </a:p>
@@ -1385,7 +1385,7 @@
           <a:p>
             <a:fld id="{30E72A5D-AC2D-4154-80BD-D3C3745E4EB5}" type="datetimeFigureOut">
               <a:rPr lang="ko-KR" altLang="en-US" smtClean="0"/>
-              <a:t>2021-04-03</a:t>
+              <a:t>2021-04-04</a:t>
             </a:fld>
             <a:endParaRPr lang="ko-KR" altLang="en-US"/>
           </a:p>
@@ -11989,7 +11989,13 @@
               <a:rPr lang="en-US" altLang="ko-KR" dirty="0" smtClean="0">
                 <a:latin typeface="+mn-ea"/>
               </a:rPr>
-              <a:t>--all</a:t>
+              <a:t>–all { -</a:t>
+            </a:r>
+            <a:r>
+              <a:rPr lang="en-US" altLang="ko-KR" smtClean="0">
+                <a:latin typeface="+mn-ea"/>
+              </a:rPr>
+              <a:t>u origin }</a:t>
             </a:r>
             <a:endParaRPr lang="en-US" altLang="ko-KR" dirty="0">
               <a:latin typeface="+mn-ea"/>
@@ -13324,6 +13330,120 @@
               </a:rPr>
               <a:t>’)</a:t>
             </a:r>
+          </a:p>
+          <a:p>
+            <a:pPr marL="266700" lvl="1" indent="0">
+              <a:buNone/>
+            </a:pPr>
+            <a:r>
+              <a:rPr lang="en-US" altLang="ko-KR" dirty="0" smtClean="0">
+                <a:latin typeface="+mn-ea"/>
+              </a:rPr>
+              <a:t>   ☞ </a:t>
+            </a:r>
+            <a:r>
+              <a:rPr lang="en-US" altLang="ko-KR" dirty="0" err="1">
+                <a:latin typeface="+mn-ea"/>
+              </a:rPr>
+              <a:t>git</a:t>
+            </a:r>
+            <a:r>
+              <a:rPr lang="en-US" altLang="ko-KR" dirty="0">
+                <a:latin typeface="+mn-ea"/>
+              </a:rPr>
+              <a:t> </a:t>
+            </a:r>
+            <a:r>
+              <a:rPr lang="en-US" altLang="ko-KR" dirty="0" smtClean="0">
+                <a:latin typeface="+mn-ea"/>
+              </a:rPr>
+              <a:t>add program.txt</a:t>
+            </a:r>
+            <a:endParaRPr lang="en-US" altLang="ko-KR" dirty="0">
+              <a:latin typeface="+mn-ea"/>
+            </a:endParaRPr>
+          </a:p>
+          <a:p>
+            <a:pPr marL="266700" lvl="1" indent="0">
+              <a:buNone/>
+            </a:pPr>
+            <a:r>
+              <a:rPr lang="en-US" altLang="ko-KR" dirty="0">
+                <a:latin typeface="+mn-ea"/>
+              </a:rPr>
+              <a:t>   ☞ git commit –m </a:t>
+            </a:r>
+            <a:r>
+              <a:rPr lang="en-US" altLang="ko-KR" dirty="0" smtClean="0">
+                <a:latin typeface="+mn-ea"/>
+              </a:rPr>
+              <a:t>‘commit from school’</a:t>
+            </a:r>
+          </a:p>
+          <a:p>
+            <a:pPr marL="266700" lvl="1" indent="0">
+              <a:buNone/>
+            </a:pPr>
+            <a:r>
+              <a:rPr lang="en-US" altLang="ko-KR" dirty="0">
+                <a:latin typeface="+mn-ea"/>
+              </a:rPr>
+              <a:t> </a:t>
+            </a:r>
+            <a:r>
+              <a:rPr lang="en-US" altLang="ko-KR" dirty="0" smtClean="0">
+                <a:latin typeface="+mn-ea"/>
+              </a:rPr>
+              <a:t>  ☞ </a:t>
+            </a:r>
+            <a:r>
+              <a:rPr lang="en-US" altLang="ko-KR" dirty="0" err="1">
+                <a:latin typeface="+mn-ea"/>
+              </a:rPr>
+              <a:t>git</a:t>
+            </a:r>
+            <a:r>
+              <a:rPr lang="en-US" altLang="ko-KR" dirty="0">
+                <a:latin typeface="+mn-ea"/>
+              </a:rPr>
+              <a:t> </a:t>
+            </a:r>
+            <a:r>
+              <a:rPr lang="en-US" altLang="ko-KR" dirty="0" smtClean="0">
+                <a:latin typeface="+mn-ea"/>
+              </a:rPr>
+              <a:t>remote add origin &lt;homework </a:t>
+            </a:r>
+            <a:r>
+              <a:rPr lang="en-US" altLang="ko-KR" dirty="0" err="1" smtClean="0">
+                <a:latin typeface="+mn-ea"/>
+              </a:rPr>
+              <a:t>url</a:t>
+            </a:r>
+            <a:r>
+              <a:rPr lang="ko-KR" altLang="en-US" dirty="0">
+                <a:latin typeface="+mn-ea"/>
+              </a:rPr>
+              <a:t> </a:t>
+            </a:r>
+            <a:r>
+              <a:rPr lang="ko-KR" altLang="en-US" dirty="0" smtClean="0">
+                <a:latin typeface="+mn-ea"/>
+              </a:rPr>
+              <a:t>주소</a:t>
+            </a:r>
+            <a:r>
+              <a:rPr lang="en-US" altLang="ko-KR" dirty="0" smtClean="0">
+                <a:latin typeface="+mn-ea"/>
+              </a:rPr>
+              <a:t>&gt; # remote repo </a:t>
+            </a:r>
+            <a:r>
+              <a:rPr lang="ko-KR" altLang="en-US" dirty="0" smtClean="0">
+                <a:latin typeface="+mn-ea"/>
+              </a:rPr>
+              <a:t>연결하기</a:t>
+            </a:r>
             <a:endParaRPr lang="en-US" altLang="ko-KR" dirty="0" smtClean="0">
               <a:latin typeface="+mn-ea"/>
             </a:endParaRPr>
@@ -13333,10 +13453,16 @@
               <a:buNone/>
             </a:pPr>
             <a:r>
+              <a:rPr lang="en-US" altLang="ko-KR" dirty="0">
+                <a:latin typeface="+mn-ea"/>
+              </a:rPr>
+              <a:t> </a:t>
+            </a:r>
+            <a:r>
               <a:rPr lang="en-US" altLang="ko-KR" dirty="0" smtClean="0">
                 <a:latin typeface="+mn-ea"/>
               </a:rPr>
-              <a:t>   ☞ </a:t>
+              <a:t>  ☞ </a:t>
             </a:r>
             <a:r>
               <a:rPr lang="en-US" altLang="ko-KR" dirty="0" err="1">
@@ -13354,134 +13480,8 @@
               <a:rPr lang="en-US" altLang="ko-KR" dirty="0" smtClean="0">
                 <a:latin typeface="+mn-ea"/>
               </a:rPr>
-              <a:t>add program.txt</a:t>
-            </a:r>
-            <a:endParaRPr lang="en-US" altLang="ko-KR" dirty="0">
-              <a:latin typeface="+mn-ea"/>
-            </a:endParaRPr>
-          </a:p>
-          <a:p>
-            <a:pPr marL="266700" lvl="1" indent="0">
-              <a:buNone/>
-            </a:pPr>
-            <a:r>
-              <a:rPr lang="en-US" altLang="ko-KR" dirty="0">
-                <a:latin typeface="+mn-ea"/>
-              </a:rPr>
-              <a:t>   ☞ git commit –m </a:t>
-            </a:r>
-            <a:r>
-              <a:rPr lang="en-US" altLang="ko-KR" dirty="0" smtClean="0">
-                <a:latin typeface="+mn-ea"/>
-              </a:rPr>
-              <a:t>‘commit from school’</a:t>
-            </a:r>
-          </a:p>
-          <a:p>
-            <a:pPr marL="266700" lvl="1" indent="0">
-              <a:buNone/>
-            </a:pPr>
-            <a:r>
-              <a:rPr lang="en-US" altLang="ko-KR" dirty="0">
-                <a:latin typeface="+mn-ea"/>
-              </a:rPr>
-              <a:t> </a:t>
-            </a:r>
-            <a:r>
-              <a:rPr lang="en-US" altLang="ko-KR" dirty="0" smtClean="0">
-                <a:latin typeface="+mn-ea"/>
-              </a:rPr>
-              <a:t>  ☞ </a:t>
-            </a:r>
-            <a:r>
-              <a:rPr lang="en-US" altLang="ko-KR" dirty="0" err="1">
-                <a:latin typeface="+mn-ea"/>
-              </a:rPr>
-              <a:t>git</a:t>
-            </a:r>
-            <a:r>
-              <a:rPr lang="en-US" altLang="ko-KR" dirty="0">
-                <a:latin typeface="+mn-ea"/>
-              </a:rPr>
-              <a:t> </a:t>
-            </a:r>
-            <a:r>
-              <a:rPr lang="en-US" altLang="ko-KR" dirty="0" smtClean="0">
-                <a:latin typeface="+mn-ea"/>
-              </a:rPr>
-              <a:t>remote add origin &lt;homework </a:t>
-            </a:r>
-            <a:r>
-              <a:rPr lang="en-US" altLang="ko-KR" dirty="0" err="1" smtClean="0">
-                <a:latin typeface="+mn-ea"/>
-              </a:rPr>
-              <a:t>url</a:t>
-            </a:r>
-            <a:r>
-              <a:rPr lang="ko-KR" altLang="en-US" dirty="0">
-                <a:latin typeface="+mn-ea"/>
-              </a:rPr>
-              <a:t> </a:t>
-            </a:r>
-            <a:r>
-              <a:rPr lang="ko-KR" altLang="en-US" dirty="0" smtClean="0">
-                <a:latin typeface="+mn-ea"/>
-              </a:rPr>
-              <a:t>주소</a:t>
-            </a:r>
-            <a:r>
-              <a:rPr lang="en-US" altLang="ko-KR" dirty="0" smtClean="0">
-                <a:latin typeface="+mn-ea"/>
-              </a:rPr>
-              <a:t>&gt; # remote repo </a:t>
-            </a:r>
-            <a:r>
-              <a:rPr lang="ko-KR" altLang="en-US" dirty="0" smtClean="0">
-                <a:latin typeface="+mn-ea"/>
-              </a:rPr>
-              <a:t>연결하기</a:t>
-            </a:r>
-            <a:endParaRPr lang="en-US" altLang="ko-KR" dirty="0" smtClean="0">
-              <a:latin typeface="+mn-ea"/>
-            </a:endParaRPr>
-          </a:p>
-          <a:p>
-            <a:pPr marL="266700" lvl="1" indent="0">
-              <a:buNone/>
-            </a:pPr>
-            <a:r>
-              <a:rPr lang="en-US" altLang="ko-KR" dirty="0">
-                <a:latin typeface="+mn-ea"/>
-              </a:rPr>
-              <a:t> </a:t>
-            </a:r>
-            <a:r>
-              <a:rPr lang="en-US" altLang="ko-KR" dirty="0" smtClean="0">
-                <a:latin typeface="+mn-ea"/>
-              </a:rPr>
-              <a:t>  ☞ </a:t>
-            </a:r>
-            <a:r>
-              <a:rPr lang="en-US" altLang="ko-KR" dirty="0" err="1">
-                <a:latin typeface="+mn-ea"/>
-              </a:rPr>
-              <a:t>git</a:t>
-            </a:r>
-            <a:r>
-              <a:rPr lang="en-US" altLang="ko-KR" dirty="0">
-                <a:latin typeface="+mn-ea"/>
-              </a:rPr>
-              <a:t> </a:t>
-            </a:r>
-            <a:r>
-              <a:rPr lang="en-US" altLang="ko-KR" dirty="0" smtClean="0">
-                <a:latin typeface="+mn-ea"/>
-              </a:rPr>
               <a:t>push –u origin main</a:t>
             </a:r>
-            <a:endParaRPr lang="en-US" altLang="ko-KR" dirty="0" smtClean="0">
-              <a:latin typeface="+mn-ea"/>
-            </a:endParaRPr>
           </a:p>
           <a:p>
             <a:pPr marL="266700" lvl="1" indent="0">
@@ -14232,9 +14232,6 @@
               </a:rPr>
               <a:t>push –u origin main</a:t>
             </a:r>
-            <a:endParaRPr lang="en-US" altLang="ko-KR" dirty="0" smtClean="0">
-              <a:latin typeface="+mn-ea"/>
-            </a:endParaRPr>
           </a:p>
           <a:p>
             <a:pPr marL="266700" lvl="1" indent="0">

--- a/git및github첫걸음2-원격저장소만들기.pptx
+++ b/git및github첫걸음2-원격저장소만들기.pptx
@@ -248,7 +248,7 @@
           <a:p>
             <a:fld id="{A17B9194-BDE3-40E3-983E-94CE6FA773AF}" type="datetimeFigureOut">
               <a:rPr lang="ko-KR" altLang="en-US" smtClean="0"/>
-              <a:t>2021-04-05</a:t>
+              <a:t>2021-04-08</a:t>
             </a:fld>
             <a:endParaRPr lang="ko-KR" altLang="en-US"/>
           </a:p>
@@ -560,17 +560,42 @@
           <a:lstStyle/>
           <a:p>
             <a:r>
+              <a:rPr lang="en-US" altLang="ko-KR" dirty="0"/>
+              <a:t>Git</a:t>
+            </a:r>
+            <a:r>
               <a:rPr lang="ko-KR" altLang="en-US" dirty="0"/>
-              <a:t>왜 </a:t>
+              <a:t> </a:t>
             </a:r>
             <a:r>
               <a:rPr lang="en-US" altLang="ko-KR" dirty="0"/>
-              <a:t>main</a:t>
+              <a:t>push</a:t>
             </a:r>
             <a:r>
               <a:rPr lang="ko-KR" altLang="en-US" dirty="0"/>
-              <a:t>만 올라가 있는지 확이 필요 그런지 확인 필요</a:t>
-            </a:r>
+              <a:t> </a:t>
+            </a:r>
+            <a:r>
+              <a:rPr lang="en-US" altLang="ko-KR" dirty="0"/>
+              <a:t>–u</a:t>
+            </a:r>
+            <a:r>
+              <a:rPr lang="ko-KR" altLang="en-US" dirty="0"/>
+              <a:t> </a:t>
+            </a:r>
+            <a:r>
+              <a:rPr lang="en-US" altLang="ko-KR" dirty="0"/>
+              <a:t>origin</a:t>
+            </a:r>
+            <a:r>
+              <a:rPr lang="ko-KR" altLang="en-US" dirty="0"/>
+              <a:t> </a:t>
+            </a:r>
+            <a:r>
+              <a:rPr lang="en-US" altLang="ko-KR"/>
+              <a:t>main br1</a:t>
+            </a:r>
+            <a:endParaRPr lang="ko-KR" altLang="en-US"/>
           </a:p>
         </p:txBody>
       </p:sp>
@@ -581,7 +606,7 @@
             <a:spLocks noGrp="1"/>
           </p:cNvSpPr>
           <p:nvPr>
-            <p:ph type="sldNum" sz="quarter" idx="10"/>
+            <p:ph type="sldNum" sz="quarter" idx="5"/>
           </p:nvPr>
         </p:nvSpPr>
         <p:spPr/>
@@ -591,7 +616,7 @@
           <a:p>
             <a:fld id="{625D4AC4-540A-4436-887D-BF6A8FCF1275}" type="slidenum">
               <a:rPr lang="ko-KR" altLang="en-US" smtClean="0"/>
-              <a:t>32</a:t>
+              <a:t>29</a:t>
             </a:fld>
             <a:endParaRPr lang="ko-KR" altLang="en-US"/>
           </a:p>
@@ -600,7 +625,7 @@
     </p:spTree>
     <p:extLst>
       <p:ext uri="{BB962C8B-B14F-4D97-AF65-F5344CB8AC3E}">
-        <p14:creationId xmlns:p14="http://schemas.microsoft.com/office/powerpoint/2010/main" val="1609432482"/>
+        <p14:creationId xmlns:p14="http://schemas.microsoft.com/office/powerpoint/2010/main" val="3363965689"/>
       </p:ext>
     </p:extLst>
   </p:cSld>
@@ -656,31 +681,16 @@
           <a:p>
             <a:r>
               <a:rPr lang="ko-KR" altLang="en-US" dirty="0"/>
-              <a:t>집에서 작업한 것을 잊고 그냥 작업을 했을 경우 원격저장소의 내용과 상이할 경우 발생</a:t>
+              <a:t>왜 </a:t>
             </a:r>
             <a:r>
               <a:rPr lang="en-US" altLang="ko-KR" dirty="0"/>
-              <a:t>.</a:t>
-            </a:r>
-          </a:p>
-          <a:p>
+              <a:t>main</a:t>
+            </a:r>
             <a:r>
               <a:rPr lang="ko-KR" altLang="en-US" dirty="0"/>
-              <a:t>따라서 항상 </a:t>
-            </a:r>
-            <a:r>
-              <a:rPr lang="en-US" altLang="ko-KR" dirty="0"/>
-              <a:t>pull </a:t>
-            </a:r>
-            <a:r>
-              <a:rPr lang="ko-KR" altLang="en-US" dirty="0"/>
-              <a:t>먼저 실시해야 함</a:t>
-            </a:r>
-            <a:r>
-              <a:rPr lang="en-US" altLang="ko-KR" dirty="0"/>
-              <a:t>.</a:t>
-            </a:r>
-            <a:endParaRPr lang="ko-KR" altLang="en-US" dirty="0"/>
+              <a:t>만 올라가 있는지 확이 필요 그런지 확인 필요</a:t>
+            </a:r>
           </a:p>
         </p:txBody>
       </p:sp>
@@ -691,7 +701,7 @@
             <a:spLocks noGrp="1"/>
           </p:cNvSpPr>
           <p:nvPr>
-            <p:ph type="sldNum" sz="quarter" idx="5"/>
+            <p:ph type="sldNum" sz="quarter" idx="10"/>
           </p:nvPr>
         </p:nvSpPr>
         <p:spPr/>
@@ -701,7 +711,7 @@
           <a:p>
             <a:fld id="{625D4AC4-540A-4436-887D-BF6A8FCF1275}" type="slidenum">
               <a:rPr lang="ko-KR" altLang="en-US" smtClean="0"/>
-              <a:t>38</a:t>
+              <a:t>32</a:t>
             </a:fld>
             <a:endParaRPr lang="ko-KR" altLang="en-US"/>
           </a:p>
@@ -710,7 +720,7 @@
     </p:spTree>
     <p:extLst>
       <p:ext uri="{BB962C8B-B14F-4D97-AF65-F5344CB8AC3E}">
-        <p14:creationId xmlns:p14="http://schemas.microsoft.com/office/powerpoint/2010/main" val="4026611260"/>
+        <p14:creationId xmlns:p14="http://schemas.microsoft.com/office/powerpoint/2010/main" val="1609432482"/>
       </p:ext>
     </p:extLst>
   </p:cSld>
@@ -764,6 +774,32 @@
           <a:bodyPr/>
           <a:lstStyle/>
           <a:p>
+            <a:r>
+              <a:rPr lang="ko-KR" altLang="en-US" dirty="0"/>
+              <a:t>집에서 작업한 것을 잊고 그냥 작업을 했을 경우 원격저장소의 내용과 상이할 경우 발생</a:t>
+            </a:r>
+            <a:r>
+              <a:rPr lang="en-US" altLang="ko-KR" dirty="0"/>
+              <a:t>.</a:t>
+            </a:r>
+          </a:p>
+          <a:p>
+            <a:r>
+              <a:rPr lang="ko-KR" altLang="en-US" dirty="0"/>
+              <a:t>따라서 항상 </a:t>
+            </a:r>
+            <a:r>
+              <a:rPr lang="en-US" altLang="ko-KR" dirty="0"/>
+              <a:t>pull </a:t>
+            </a:r>
+            <a:r>
+              <a:rPr lang="ko-KR" altLang="en-US" dirty="0"/>
+              <a:t>먼저 실시해야 함</a:t>
+            </a:r>
+            <a:r>
+              <a:rPr lang="en-US" altLang="ko-KR" dirty="0"/>
+              <a:t>.</a:t>
+            </a:r>
             <a:endParaRPr lang="ko-KR" altLang="en-US" dirty="0"/>
           </a:p>
         </p:txBody>
@@ -785,7 +821,7 @@
           <a:p>
             <a:fld id="{625D4AC4-540A-4436-887D-BF6A8FCF1275}" type="slidenum">
               <a:rPr lang="ko-KR" altLang="en-US" smtClean="0"/>
-              <a:t>39</a:t>
+              <a:t>38</a:t>
             </a:fld>
             <a:endParaRPr lang="ko-KR" altLang="en-US"/>
           </a:p>
@@ -794,7 +830,7 @@
     </p:spTree>
     <p:extLst>
       <p:ext uri="{BB962C8B-B14F-4D97-AF65-F5344CB8AC3E}">
-        <p14:creationId xmlns:p14="http://schemas.microsoft.com/office/powerpoint/2010/main" val="2765970928"/>
+        <p14:creationId xmlns:p14="http://schemas.microsoft.com/office/powerpoint/2010/main" val="4026611260"/>
       </p:ext>
     </p:extLst>
   </p:cSld>
@@ -869,6 +905,90 @@
           <a:p>
             <a:fld id="{625D4AC4-540A-4436-887D-BF6A8FCF1275}" type="slidenum">
               <a:rPr lang="ko-KR" altLang="en-US" smtClean="0"/>
+              <a:t>39</a:t>
+            </a:fld>
+            <a:endParaRPr lang="ko-KR" altLang="en-US"/>
+          </a:p>
+        </p:txBody>
+      </p:sp>
+    </p:spTree>
+    <p:extLst>
+      <p:ext uri="{BB962C8B-B14F-4D97-AF65-F5344CB8AC3E}">
+        <p14:creationId xmlns:p14="http://schemas.microsoft.com/office/powerpoint/2010/main" val="2765970928"/>
+      </p:ext>
+    </p:extLst>
+  </p:cSld>
+  <p:clrMapOvr>
+    <a:masterClrMapping/>
+  </p:clrMapOvr>
+</p:notes>
+</file>
+
+<file path=ppt/notesSlides/notesSlide5.xml><?xml version="1.0" encoding="utf-8"?>
+<p:notes xmlns:a="http://schemas.openxmlformats.org/drawingml/2006/main" xmlns:r="http://schemas.openxmlformats.org/officeDocument/2006/relationships" xmlns:p="http://schemas.openxmlformats.org/presentationml/2006/main">
+  <p:cSld>
+    <p:spTree>
+      <p:nvGrpSpPr>
+        <p:cNvPr id="1" name=""/>
+        <p:cNvGrpSpPr/>
+        <p:nvPr/>
+      </p:nvGrpSpPr>
+      <p:grpSpPr>
+        <a:xfrm>
+          <a:off x="0" y="0"/>
+          <a:ext cx="0" cy="0"/>
+          <a:chOff x="0" y="0"/>
+          <a:chExt cx="0" cy="0"/>
+        </a:xfrm>
+      </p:grpSpPr>
+      <p:sp>
+        <p:nvSpPr>
+          <p:cNvPr id="2" name="슬라이드 이미지 개체 틀 1"/>
+          <p:cNvSpPr>
+            <a:spLocks noGrp="1" noRot="1" noChangeAspect="1"/>
+          </p:cNvSpPr>
+          <p:nvPr>
+            <p:ph type="sldImg"/>
+          </p:nvPr>
+        </p:nvSpPr>
+        <p:spPr/>
+      </p:sp>
+      <p:sp>
+        <p:nvSpPr>
+          <p:cNvPr id="3" name="슬라이드 노트 개체 틀 2"/>
+          <p:cNvSpPr>
+            <a:spLocks noGrp="1"/>
+          </p:cNvSpPr>
+          <p:nvPr>
+            <p:ph type="body" idx="1"/>
+          </p:nvPr>
+        </p:nvSpPr>
+        <p:spPr/>
+        <p:txBody>
+          <a:bodyPr/>
+          <a:lstStyle/>
+          <a:p>
+            <a:endParaRPr lang="ko-KR" altLang="en-US" dirty="0"/>
+          </a:p>
+        </p:txBody>
+      </p:sp>
+      <p:sp>
+        <p:nvSpPr>
+          <p:cNvPr id="4" name="슬라이드 번호 개체 틀 3"/>
+          <p:cNvSpPr>
+            <a:spLocks noGrp="1"/>
+          </p:cNvSpPr>
+          <p:nvPr>
+            <p:ph type="sldNum" sz="quarter" idx="5"/>
+          </p:nvPr>
+        </p:nvSpPr>
+        <p:spPr/>
+        <p:txBody>
+          <a:bodyPr/>
+          <a:lstStyle/>
+          <a:p>
+            <a:fld id="{625D4AC4-540A-4436-887D-BF6A8FCF1275}" type="slidenum">
+              <a:rPr lang="ko-KR" altLang="en-US" smtClean="0"/>
               <a:t>40</a:t>
             </a:fld>
             <a:endParaRPr lang="ko-KR" altLang="en-US"/>
@@ -1451,7 +1571,7 @@
           <a:p>
             <a:fld id="{30E72A5D-AC2D-4154-80BD-D3C3745E4EB5}" type="datetimeFigureOut">
               <a:rPr lang="ko-KR" altLang="en-US" smtClean="0"/>
-              <a:t>2021-04-05</a:t>
+              <a:t>2021-04-08</a:t>
             </a:fld>
             <a:endParaRPr lang="ko-KR" altLang="en-US"/>
           </a:p>
@@ -1664,7 +1784,7 @@
           <a:p>
             <a:fld id="{30E72A5D-AC2D-4154-80BD-D3C3745E4EB5}" type="datetimeFigureOut">
               <a:rPr lang="ko-KR" altLang="en-US" smtClean="0"/>
-              <a:t>2021-04-05</a:t>
+              <a:t>2021-04-08</a:t>
             </a:fld>
             <a:endParaRPr lang="ko-KR" altLang="en-US"/>
           </a:p>
@@ -9418,7 +9538,7 @@
           <p:nvPr/>
         </p:nvPicPr>
         <p:blipFill>
-          <a:blip r:embed="rId2"/>
+          <a:blip r:embed="rId3"/>
           <a:stretch>
             <a:fillRect/>
           </a:stretch>
@@ -9500,7 +9620,7 @@
           <p:nvPr/>
         </p:nvPicPr>
         <p:blipFill>
-          <a:blip r:embed="rId3"/>
+          <a:blip r:embed="rId4"/>
           <a:stretch>
             <a:fillRect/>
           </a:stretch>

--- a/git및github첫걸음2-원격저장소만들기.pptx
+++ b/git및github첫걸음2-원격저장소만들기.pptx
@@ -16570,6 +16570,60 @@
             <a:endParaRPr lang="en-US" altLang="ko-KR" dirty="0">
               <a:latin typeface="+mn-ea"/>
             </a:endParaRPr>
+          </a:p>
+        </p:txBody>
+      </p:sp>
+      <p:sp>
+        <p:nvSpPr>
+          <p:cNvPr id="2" name="TextBox 1"/>
+          <p:cNvSpPr txBox="1"/>
+          <p:nvPr/>
+        </p:nvSpPr>
+        <p:spPr>
+          <a:xfrm>
+            <a:off x="1359568" y="4644022"/>
+            <a:ext cx="5101076" cy="338554"/>
+          </a:xfrm>
+          <a:prstGeom prst="rect">
+            <a:avLst/>
+          </a:prstGeom>
+          <a:noFill/>
+        </p:spPr>
+        <p:txBody>
+          <a:bodyPr wrap="none" rtlCol="0">
+            <a:spAutoFit/>
+          </a:bodyPr>
+          <a:lstStyle/>
+          <a:p>
+            <a:r>
+              <a:rPr lang="en-US" altLang="ko-KR" sz="1600" dirty="0" smtClean="0">
+                <a:latin typeface="맑은 고딕" panose="020B0503020000020004" pitchFamily="50" charset="-127"/>
+                <a:ea typeface="맑은 고딕" panose="020B0503020000020004" pitchFamily="50" charset="-127"/>
+              </a:rPr>
+              <a:t>※ push, pull</a:t>
+            </a:r>
+            <a:r>
+              <a:rPr lang="ko-KR" altLang="en-US" sz="1600" dirty="0" smtClean="0">
+                <a:latin typeface="맑은 고딕" panose="020B0503020000020004" pitchFamily="50" charset="-127"/>
+                <a:ea typeface="맑은 고딕" panose="020B0503020000020004" pitchFamily="50" charset="-127"/>
+              </a:rPr>
+              <a:t>은 </a:t>
+            </a:r>
+            <a:r>
+              <a:rPr lang="en-US" altLang="ko-KR" sz="1600" dirty="0" smtClean="0">
+                <a:latin typeface="맑은 고딕" panose="020B0503020000020004" pitchFamily="50" charset="-127"/>
+                <a:ea typeface="맑은 고딕" panose="020B0503020000020004" pitchFamily="50" charset="-127"/>
+              </a:rPr>
+              <a:t>branch(commit object) </a:t>
+            </a:r>
+            <a:r>
+              <a:rPr lang="ko-KR" altLang="en-US" sz="1600" dirty="0" smtClean="0">
+                <a:latin typeface="맑은 고딕" panose="020B0503020000020004" pitchFamily="50" charset="-127"/>
+                <a:ea typeface="맑은 고딕" panose="020B0503020000020004" pitchFamily="50" charset="-127"/>
+              </a:rPr>
+              <a:t>단위로 움직임</a:t>
+            </a:r>
+            <a:endParaRPr lang="ko-KR" altLang="en-US" sz="1600" dirty="0"/>
           </a:p>
         </p:txBody>
       </p:sp>

--- a/git및github첫걸음2-원격저장소만들기.pptx
+++ b/git및github첫걸음2-원격저장소만들기.pptx
@@ -5,7 +5,7 @@
     <p:sldMasterId id="2147483660" r:id="rId1"/>
   </p:sldMasterIdLst>
   <p:notesMasterIdLst>
-    <p:notesMasterId r:id="rId43"/>
+    <p:notesMasterId r:id="rId44"/>
   </p:notesMasterIdLst>
   <p:sldIdLst>
     <p:sldId id="369" r:id="rId2"/>
@@ -48,7 +48,8 @@
     <p:sldId id="371" r:id="rId39"/>
     <p:sldId id="374" r:id="rId40"/>
     <p:sldId id="375" r:id="rId41"/>
-    <p:sldId id="370" r:id="rId42"/>
+    <p:sldId id="376" r:id="rId42"/>
+    <p:sldId id="370" r:id="rId43"/>
   </p:sldIdLst>
   <p:sldSz cx="9144000" cy="6858000" type="screen4x3"/>
   <p:notesSz cx="6858000" cy="9144000"/>
@@ -248,7 +249,7 @@
           <a:p>
             <a:fld id="{A17B9194-BDE3-40E3-983E-94CE6FA773AF}" type="datetimeFigureOut">
               <a:rPr lang="ko-KR" altLang="en-US" smtClean="0"/>
-              <a:t>2021-04-08</a:t>
+              <a:t>2021-04-12</a:t>
             </a:fld>
             <a:endParaRPr lang="ko-KR" altLang="en-US"/>
           </a:p>
@@ -1008,6 +1009,90 @@
 </p:notes>
 </file>
 
+<file path=ppt/notesSlides/notesSlide6.xml><?xml version="1.0" encoding="utf-8"?>
+<p:notes xmlns:a="http://schemas.openxmlformats.org/drawingml/2006/main" xmlns:r="http://schemas.openxmlformats.org/officeDocument/2006/relationships" xmlns:p="http://schemas.openxmlformats.org/presentationml/2006/main">
+  <p:cSld>
+    <p:spTree>
+      <p:nvGrpSpPr>
+        <p:cNvPr id="1" name=""/>
+        <p:cNvGrpSpPr/>
+        <p:nvPr/>
+      </p:nvGrpSpPr>
+      <p:grpSpPr>
+        <a:xfrm>
+          <a:off x="0" y="0"/>
+          <a:ext cx="0" cy="0"/>
+          <a:chOff x="0" y="0"/>
+          <a:chExt cx="0" cy="0"/>
+        </a:xfrm>
+      </p:grpSpPr>
+      <p:sp>
+        <p:nvSpPr>
+          <p:cNvPr id="2" name="슬라이드 이미지 개체 틀 1"/>
+          <p:cNvSpPr>
+            <a:spLocks noGrp="1" noRot="1" noChangeAspect="1"/>
+          </p:cNvSpPr>
+          <p:nvPr>
+            <p:ph type="sldImg"/>
+          </p:nvPr>
+        </p:nvSpPr>
+        <p:spPr/>
+      </p:sp>
+      <p:sp>
+        <p:nvSpPr>
+          <p:cNvPr id="3" name="슬라이드 노트 개체 틀 2"/>
+          <p:cNvSpPr>
+            <a:spLocks noGrp="1"/>
+          </p:cNvSpPr>
+          <p:nvPr>
+            <p:ph type="body" idx="1"/>
+          </p:nvPr>
+        </p:nvSpPr>
+        <p:spPr/>
+        <p:txBody>
+          <a:bodyPr/>
+          <a:lstStyle/>
+          <a:p>
+            <a:endParaRPr lang="ko-KR" altLang="en-US" dirty="0"/>
+          </a:p>
+        </p:txBody>
+      </p:sp>
+      <p:sp>
+        <p:nvSpPr>
+          <p:cNvPr id="4" name="슬라이드 번호 개체 틀 3"/>
+          <p:cNvSpPr>
+            <a:spLocks noGrp="1"/>
+          </p:cNvSpPr>
+          <p:nvPr>
+            <p:ph type="sldNum" sz="quarter" idx="5"/>
+          </p:nvPr>
+        </p:nvSpPr>
+        <p:spPr/>
+        <p:txBody>
+          <a:bodyPr/>
+          <a:lstStyle/>
+          <a:p>
+            <a:fld id="{625D4AC4-540A-4436-887D-BF6A8FCF1275}" type="slidenum">
+              <a:rPr lang="ko-KR" altLang="en-US" smtClean="0"/>
+              <a:t>41</a:t>
+            </a:fld>
+            <a:endParaRPr lang="ko-KR" altLang="en-US"/>
+          </a:p>
+        </p:txBody>
+      </p:sp>
+    </p:spTree>
+    <p:extLst>
+      <p:ext uri="{BB962C8B-B14F-4D97-AF65-F5344CB8AC3E}">
+        <p14:creationId xmlns:p14="http://schemas.microsoft.com/office/powerpoint/2010/main" val="3027153811"/>
+      </p:ext>
+    </p:extLst>
+  </p:cSld>
+  <p:clrMapOvr>
+    <a:masterClrMapping/>
+  </p:clrMapOvr>
+</p:notes>
+</file>
+
 <file path=ppt/slideLayouts/slideLayout1.xml><?xml version="1.0" encoding="utf-8"?>
 <p:sldLayout xmlns:a="http://schemas.openxmlformats.org/drawingml/2006/main" xmlns:r="http://schemas.openxmlformats.org/officeDocument/2006/relationships" xmlns:p="http://schemas.openxmlformats.org/presentationml/2006/main" preserve="1" userDrawn="1">
   <p:cSld name="2_사용자 지정 레이아웃">
@@ -1571,7 +1656,7 @@
           <a:p>
             <a:fld id="{30E72A5D-AC2D-4154-80BD-D3C3745E4EB5}" type="datetimeFigureOut">
               <a:rPr lang="ko-KR" altLang="en-US" smtClean="0"/>
-              <a:t>2021-04-08</a:t>
+              <a:t>2021-04-12</a:t>
             </a:fld>
             <a:endParaRPr lang="ko-KR" altLang="en-US"/>
           </a:p>
@@ -1784,7 +1869,7 @@
           <a:p>
             <a:fld id="{30E72A5D-AC2D-4154-80BD-D3C3745E4EB5}" type="datetimeFigureOut">
               <a:rPr lang="ko-KR" altLang="en-US" smtClean="0"/>
-              <a:t>2021-04-08</a:t>
+              <a:t>2021-04-12</a:t>
             </a:fld>
             <a:endParaRPr lang="ko-KR" altLang="en-US"/>
           </a:p>
@@ -16596,28 +16681,28 @@
           <a:lstStyle/>
           <a:p>
             <a:r>
-              <a:rPr lang="en-US" altLang="ko-KR" sz="1600" dirty="0" smtClean="0">
+              <a:rPr lang="en-US" altLang="ko-KR" sz="1600" dirty="0">
                 <a:latin typeface="맑은 고딕" panose="020B0503020000020004" pitchFamily="50" charset="-127"/>
                 <a:ea typeface="맑은 고딕" panose="020B0503020000020004" pitchFamily="50" charset="-127"/>
               </a:rPr>
               <a:t>※ push, pull</a:t>
             </a:r>
             <a:r>
-              <a:rPr lang="ko-KR" altLang="en-US" sz="1600" dirty="0" smtClean="0">
+              <a:rPr lang="ko-KR" altLang="en-US" sz="1600" dirty="0">
                 <a:latin typeface="맑은 고딕" panose="020B0503020000020004" pitchFamily="50" charset="-127"/>
                 <a:ea typeface="맑은 고딕" panose="020B0503020000020004" pitchFamily="50" charset="-127"/>
               </a:rPr>
               <a:t>은 </a:t>
             </a:r>
             <a:r>
-              <a:rPr lang="en-US" altLang="ko-KR" sz="1600" dirty="0" smtClean="0">
+              <a:rPr lang="en-US" altLang="ko-KR" sz="1600" dirty="0">
                 <a:latin typeface="맑은 고딕" panose="020B0503020000020004" pitchFamily="50" charset="-127"/>
                 <a:ea typeface="맑은 고딕" panose="020B0503020000020004" pitchFamily="50" charset="-127"/>
               </a:rPr>
               <a:t>branch(commit object) </a:t>
             </a:r>
             <a:r>
-              <a:rPr lang="ko-KR" altLang="en-US" sz="1600" dirty="0" smtClean="0">
+              <a:rPr lang="ko-KR" altLang="en-US" sz="1600" dirty="0">
                 <a:latin typeface="맑은 고딕" panose="020B0503020000020004" pitchFamily="50" charset="-127"/>
                 <a:ea typeface="맑은 고딕" panose="020B0503020000020004" pitchFamily="50" charset="-127"/>
               </a:rPr>
@@ -16641,6 +16726,1133 @@
 </file>
 
 <file path=ppt/slides/slide41.xml><?xml version="1.0" encoding="utf-8"?>
+<p:sld xmlns:a="http://schemas.openxmlformats.org/drawingml/2006/main" xmlns:r="http://schemas.openxmlformats.org/officeDocument/2006/relationships" xmlns:p="http://schemas.openxmlformats.org/presentationml/2006/main">
+  <p:cSld>
+    <p:spTree>
+      <p:nvGrpSpPr>
+        <p:cNvPr id="1" name=""/>
+        <p:cNvGrpSpPr/>
+        <p:nvPr/>
+      </p:nvGrpSpPr>
+      <p:grpSpPr>
+        <a:xfrm>
+          <a:off x="0" y="0"/>
+          <a:ext cx="0" cy="0"/>
+          <a:chOff x="0" y="0"/>
+          <a:chExt cx="0" cy="0"/>
+        </a:xfrm>
+      </p:grpSpPr>
+      <p:pic>
+        <p:nvPicPr>
+          <p:cNvPr id="22" name="그림 21">
+            <a:extLst>
+              <a:ext uri="{FF2B5EF4-FFF2-40B4-BE49-F238E27FC236}">
+                <a16:creationId xmlns:a16="http://schemas.microsoft.com/office/drawing/2014/main" id="{C557CD37-17A5-489B-B794-0E9656A2F126}"/>
+              </a:ext>
+            </a:extLst>
+          </p:cNvPr>
+          <p:cNvPicPr>
+            <a:picLocks noChangeAspect="1"/>
+          </p:cNvPicPr>
+          <p:nvPr/>
+        </p:nvPicPr>
+        <p:blipFill>
+          <a:blip r:embed="rId3"/>
+          <a:stretch>
+            <a:fillRect/>
+          </a:stretch>
+        </p:blipFill>
+        <p:spPr>
+          <a:xfrm>
+            <a:off x="1277816" y="4766466"/>
+            <a:ext cx="6400800" cy="523875"/>
+          </a:xfrm>
+          <a:prstGeom prst="rect">
+            <a:avLst/>
+          </a:prstGeom>
+        </p:spPr>
+      </p:pic>
+      <p:sp>
+        <p:nvSpPr>
+          <p:cNvPr id="4" name="제목 3">
+            <a:extLst>
+              <a:ext uri="{FF2B5EF4-FFF2-40B4-BE49-F238E27FC236}">
+                <a16:creationId xmlns:a16="http://schemas.microsoft.com/office/drawing/2014/main" id="{F0CEB32B-CB43-4410-BA08-A97E4BC47FCB}"/>
+              </a:ext>
+            </a:extLst>
+          </p:cNvPr>
+          <p:cNvSpPr>
+            <a:spLocks noGrp="1"/>
+          </p:cNvSpPr>
+          <p:nvPr>
+            <p:ph type="title"/>
+          </p:nvPr>
+        </p:nvSpPr>
+        <p:spPr>
+          <a:xfrm>
+            <a:off x="539551" y="192300"/>
+            <a:ext cx="7860170" cy="576064"/>
+          </a:xfrm>
+        </p:spPr>
+        <p:txBody>
+          <a:bodyPr>
+            <a:normAutofit/>
+          </a:bodyPr>
+          <a:lstStyle/>
+          <a:p>
+            <a:r>
+              <a:rPr lang="ko-KR" altLang="en-US" dirty="0"/>
+              <a:t>원격저장소 만들고 삭제하기 연습</a:t>
+            </a:r>
+          </a:p>
+        </p:txBody>
+      </p:sp>
+      <p:sp>
+        <p:nvSpPr>
+          <p:cNvPr id="7" name="내용 개체 틀 2">
+            <a:extLst>
+              <a:ext uri="{FF2B5EF4-FFF2-40B4-BE49-F238E27FC236}">
+                <a16:creationId xmlns:a16="http://schemas.microsoft.com/office/drawing/2014/main" id="{A44AC902-3746-40D6-9827-94B46EEDDC67}"/>
+              </a:ext>
+            </a:extLst>
+          </p:cNvPr>
+          <p:cNvSpPr txBox="1">
+            <a:spLocks/>
+          </p:cNvSpPr>
+          <p:nvPr/>
+        </p:nvSpPr>
+        <p:spPr>
+          <a:xfrm>
+            <a:off x="341787" y="932976"/>
+            <a:ext cx="8642350" cy="3692755"/>
+          </a:xfrm>
+          <a:prstGeom prst="rect">
+            <a:avLst/>
+          </a:prstGeom>
+        </p:spPr>
+        <p:txBody>
+          <a:bodyPr vert="horz" lIns="91440" tIns="45720" rIns="91440" bIns="45720" rtlCol="0">
+            <a:noAutofit/>
+          </a:bodyPr>
+          <a:lstStyle>
+            <a:lvl1pPr marL="266700" indent="-266700" defTabSz="914400" latinLnBrk="1">
+              <a:lnSpc>
+                <a:spcPct val="150000"/>
+              </a:lnSpc>
+              <a:spcBef>
+                <a:spcPct val="0"/>
+              </a:spcBef>
+              <a:buClr>
+                <a:schemeClr val="tx1">
+                  <a:lumMod val="65000"/>
+                  <a:lumOff val="35000"/>
+                </a:schemeClr>
+              </a:buClr>
+              <a:buFont typeface="Wingdings" pitchFamily="2" charset="2"/>
+              <a:buChar char="n"/>
+              <a:defRPr sz="2000" b="1">
+                <a:latin typeface="+mn-ea"/>
+              </a:defRPr>
+            </a:lvl1pPr>
+            <a:lvl2pPr marL="447675" lvl="1" indent="-180975" defTabSz="914400" latinLnBrk="1">
+              <a:lnSpc>
+                <a:spcPct val="150000"/>
+              </a:lnSpc>
+              <a:spcBef>
+                <a:spcPts val="0"/>
+              </a:spcBef>
+              <a:spcAft>
+                <a:spcPts val="0"/>
+              </a:spcAft>
+              <a:buClr>
+                <a:schemeClr val="tx1">
+                  <a:lumMod val="50000"/>
+                  <a:lumOff val="50000"/>
+                </a:schemeClr>
+              </a:buClr>
+              <a:buFont typeface="Wingdings" pitchFamily="2" charset="2"/>
+              <a:buChar char="§"/>
+              <a:defRPr sz="1600"/>
+            </a:lvl2pPr>
+            <a:lvl3pPr marL="628650" indent="-180975" defTabSz="914400" latinLnBrk="1">
+              <a:lnSpc>
+                <a:spcPct val="150000"/>
+              </a:lnSpc>
+              <a:spcBef>
+                <a:spcPts val="500"/>
+              </a:spcBef>
+              <a:spcAft>
+                <a:spcPts val="300"/>
+              </a:spcAft>
+              <a:buClr>
+                <a:schemeClr val="tx1">
+                  <a:lumMod val="65000"/>
+                  <a:lumOff val="35000"/>
+                </a:schemeClr>
+              </a:buClr>
+              <a:buFont typeface="Arial" panose="020B0604020202020204" pitchFamily="34" charset="0"/>
+              <a:buChar char="•"/>
+              <a:defRPr sz="1400"/>
+            </a:lvl3pPr>
+            <a:lvl4pPr marL="809625" indent="-180975" defTabSz="914400" latinLnBrk="1">
+              <a:lnSpc>
+                <a:spcPct val="150000"/>
+              </a:lnSpc>
+              <a:spcBef>
+                <a:spcPts val="500"/>
+              </a:spcBef>
+              <a:spcAft>
+                <a:spcPts val="300"/>
+              </a:spcAft>
+              <a:buClr>
+                <a:schemeClr val="tx1">
+                  <a:lumMod val="65000"/>
+                  <a:lumOff val="35000"/>
+                </a:schemeClr>
+              </a:buClr>
+              <a:buSzPct val="96000"/>
+              <a:buFont typeface="Arial" panose="020B0604020202020204" pitchFamily="34" charset="0"/>
+              <a:buChar char="•"/>
+              <a:defRPr sz="1200"/>
+            </a:lvl4pPr>
+            <a:lvl5pPr marL="990600" indent="-180975" defTabSz="914400" latinLnBrk="1">
+              <a:lnSpc>
+                <a:spcPct val="150000"/>
+              </a:lnSpc>
+              <a:spcBef>
+                <a:spcPts val="500"/>
+              </a:spcBef>
+              <a:buClr>
+                <a:schemeClr val="tx1">
+                  <a:lumMod val="65000"/>
+                  <a:lumOff val="35000"/>
+                </a:schemeClr>
+              </a:buClr>
+              <a:buFont typeface="Arial" panose="020B0604020202020204" pitchFamily="34" charset="0"/>
+              <a:buChar char="•"/>
+              <a:defRPr sz="1000"/>
+            </a:lvl5pPr>
+            <a:lvl6pPr marL="2514600" indent="-228600" defTabSz="914400" latinLnBrk="1">
+              <a:lnSpc>
+                <a:spcPct val="90000"/>
+              </a:lnSpc>
+              <a:spcBef>
+                <a:spcPts val="500"/>
+              </a:spcBef>
+              <a:buFont typeface="Arial" panose="020B0604020202020204" pitchFamily="34" charset="0"/>
+              <a:buChar char="•"/>
+            </a:lvl6pPr>
+            <a:lvl7pPr marL="2971800" indent="-228600" defTabSz="914400" latinLnBrk="1">
+              <a:lnSpc>
+                <a:spcPct val="90000"/>
+              </a:lnSpc>
+              <a:spcBef>
+                <a:spcPts val="500"/>
+              </a:spcBef>
+              <a:buFont typeface="Arial" panose="020B0604020202020204" pitchFamily="34" charset="0"/>
+              <a:buChar char="•"/>
+            </a:lvl7pPr>
+            <a:lvl8pPr marL="3429000" indent="-228600" defTabSz="914400" latinLnBrk="1">
+              <a:lnSpc>
+                <a:spcPct val="90000"/>
+              </a:lnSpc>
+              <a:spcBef>
+                <a:spcPts val="500"/>
+              </a:spcBef>
+              <a:buFont typeface="Arial" panose="020B0604020202020204" pitchFamily="34" charset="0"/>
+              <a:buChar char="•"/>
+            </a:lvl8pPr>
+            <a:lvl9pPr marL="3886200" indent="-228600" defTabSz="914400" latinLnBrk="1">
+              <a:lnSpc>
+                <a:spcPct val="90000"/>
+              </a:lnSpc>
+              <a:spcBef>
+                <a:spcPts val="500"/>
+              </a:spcBef>
+              <a:buFont typeface="Arial" panose="020B0604020202020204" pitchFamily="34" charset="0"/>
+              <a:buChar char="•"/>
+            </a:lvl9pPr>
+          </a:lstStyle>
+          <a:p>
+            <a:r>
+              <a:rPr lang="ko-KR" altLang="en-US" dirty="0">
+                <a:latin typeface="+mn-ea"/>
+              </a:rPr>
+              <a:t>연습을 위한 저장소 만들고</a:t>
+            </a:r>
+            <a:r>
+              <a:rPr lang="en-US" altLang="ko-KR" dirty="0">
+                <a:latin typeface="+mn-ea"/>
+              </a:rPr>
+              <a:t>, </a:t>
+            </a:r>
+            <a:r>
+              <a:rPr lang="ko-KR" altLang="en-US" dirty="0"/>
+              <a:t>삭제하기</a:t>
+            </a:r>
+            <a:endParaRPr lang="en-US" altLang="ko-KR" dirty="0">
+              <a:solidFill>
+                <a:srgbClr val="FF0000"/>
+              </a:solidFill>
+              <a:latin typeface="+mn-ea"/>
+            </a:endParaRPr>
+          </a:p>
+          <a:p>
+            <a:pPr marL="609600" lvl="1" indent="-342900">
+              <a:buFont typeface="+mj-ea"/>
+              <a:buAutoNum type="circleNumDbPlain"/>
+            </a:pPr>
+            <a:r>
+              <a:rPr lang="en-US" altLang="ko-KR" dirty="0">
+                <a:latin typeface="+mn-ea"/>
+              </a:rPr>
+              <a:t>Repository </a:t>
+            </a:r>
+            <a:r>
+              <a:rPr lang="ko-KR" altLang="en-US" dirty="0">
+                <a:latin typeface="+mn-ea"/>
+              </a:rPr>
+              <a:t>만들기</a:t>
+            </a:r>
+            <a:endParaRPr lang="en-US" altLang="ko-KR" dirty="0">
+              <a:latin typeface="+mn-ea"/>
+            </a:endParaRPr>
+          </a:p>
+          <a:p>
+            <a:pPr marL="266700" lvl="1" indent="0">
+              <a:buNone/>
+            </a:pPr>
+            <a:r>
+              <a:rPr lang="en-US" altLang="ko-KR" dirty="0">
+                <a:latin typeface="+mn-ea"/>
+              </a:rPr>
+              <a:t>   - </a:t>
+            </a:r>
+            <a:r>
+              <a:rPr lang="ko-KR" altLang="en-US" dirty="0">
+                <a:latin typeface="+mn-ea"/>
+              </a:rPr>
+              <a:t>홈 화면 </a:t>
+            </a:r>
+            <a:r>
+              <a:rPr lang="ko-KR" altLang="en-US" dirty="0" err="1">
+                <a:latin typeface="+mn-ea"/>
+              </a:rPr>
+              <a:t>왼쪽위</a:t>
+            </a:r>
+            <a:r>
+              <a:rPr lang="ko-KR" altLang="en-US" dirty="0">
+                <a:latin typeface="+mn-ea"/>
+              </a:rPr>
+              <a:t> </a:t>
+            </a:r>
+            <a:r>
+              <a:rPr lang="en-US" altLang="ko-KR" dirty="0" err="1">
+                <a:latin typeface="+mn-ea"/>
+              </a:rPr>
+              <a:t>octocat</a:t>
+            </a:r>
+            <a:r>
+              <a:rPr lang="en-US" altLang="ko-KR" dirty="0">
+                <a:latin typeface="+mn-ea"/>
+              </a:rPr>
+              <a:t> </a:t>
+            </a:r>
+            <a:r>
+              <a:rPr lang="ko-KR" altLang="en-US" dirty="0">
+                <a:latin typeface="+mn-ea"/>
+              </a:rPr>
+              <a:t>클릭 → </a:t>
+            </a:r>
+            <a:r>
+              <a:rPr lang="en-US" altLang="ko-KR" dirty="0">
+                <a:latin typeface="+mn-ea"/>
+              </a:rPr>
+              <a:t>new </a:t>
+            </a:r>
+            <a:r>
+              <a:rPr lang="ko-KR" altLang="en-US" dirty="0">
+                <a:latin typeface="+mn-ea"/>
+              </a:rPr>
+              <a:t>클릭</a:t>
+            </a:r>
+            <a:endParaRPr lang="en-US" altLang="ko-KR" dirty="0">
+              <a:latin typeface="+mn-ea"/>
+            </a:endParaRPr>
+          </a:p>
+          <a:p>
+            <a:pPr marL="266700" lvl="1" indent="0">
+              <a:buNone/>
+            </a:pPr>
+            <a:r>
+              <a:rPr lang="en-US" altLang="ko-KR" dirty="0">
+                <a:latin typeface="+mn-ea"/>
+              </a:rPr>
+              <a:t>     </a:t>
+            </a:r>
+            <a:r>
+              <a:rPr lang="ko-KR" altLang="en-US" dirty="0">
+                <a:latin typeface="+mn-ea"/>
+              </a:rPr>
+              <a:t>→ </a:t>
+            </a:r>
+            <a:r>
+              <a:rPr lang="en-US" altLang="ko-KR" dirty="0">
+                <a:latin typeface="+mn-ea"/>
+              </a:rPr>
+              <a:t>Repository </a:t>
+            </a:r>
+            <a:r>
+              <a:rPr lang="ko-KR" altLang="en-US" dirty="0">
+                <a:latin typeface="+mn-ea"/>
+              </a:rPr>
+              <a:t>이름 넣고 → </a:t>
+            </a:r>
+            <a:r>
+              <a:rPr lang="en-US" altLang="ko-KR" dirty="0">
+                <a:latin typeface="+mn-ea"/>
+              </a:rPr>
+              <a:t>public</a:t>
+            </a:r>
+            <a:r>
+              <a:rPr lang="ko-KR" altLang="en-US" dirty="0">
+                <a:latin typeface="+mn-ea"/>
+              </a:rPr>
+              <a:t> 정하고</a:t>
+            </a:r>
+            <a:endParaRPr lang="en-US" altLang="ko-KR" dirty="0">
+              <a:latin typeface="+mn-ea"/>
+            </a:endParaRPr>
+          </a:p>
+          <a:p>
+            <a:pPr marL="266700" lvl="1" indent="0">
+              <a:buNone/>
+            </a:pPr>
+            <a:r>
+              <a:rPr lang="en-US" altLang="ko-KR" dirty="0">
+                <a:latin typeface="+mn-ea"/>
+              </a:rPr>
+              <a:t>     </a:t>
+            </a:r>
+            <a:r>
+              <a:rPr lang="ko-KR" altLang="en-US" dirty="0">
+                <a:latin typeface="+mn-ea"/>
+              </a:rPr>
+              <a:t>→ </a:t>
+            </a:r>
+            <a:r>
+              <a:rPr lang="en-US" altLang="ko-KR" dirty="0">
+                <a:latin typeface="+mn-ea"/>
+              </a:rPr>
+              <a:t>Create Repository </a:t>
+            </a:r>
+            <a:r>
+              <a:rPr lang="ko-KR" altLang="en-US" dirty="0">
+                <a:latin typeface="+mn-ea"/>
+              </a:rPr>
+              <a:t>클릭</a:t>
+            </a:r>
+            <a:r>
+              <a:rPr lang="en-US" altLang="ko-KR" dirty="0">
+                <a:latin typeface="+mn-ea"/>
+              </a:rPr>
+              <a:t> </a:t>
+            </a:r>
+          </a:p>
+          <a:p>
+            <a:pPr marL="609600" lvl="1" indent="-342900">
+              <a:buFont typeface="+mj-ea"/>
+              <a:buAutoNum type="circleNumDbPlain" startAt="2"/>
+            </a:pPr>
+            <a:r>
+              <a:rPr lang="ko-KR" altLang="en-US" dirty="0">
+                <a:latin typeface="+mn-ea"/>
+              </a:rPr>
+              <a:t>삭제하기</a:t>
+            </a:r>
+            <a:endParaRPr lang="en-US" altLang="ko-KR" dirty="0">
+              <a:latin typeface="+mn-ea"/>
+            </a:endParaRPr>
+          </a:p>
+          <a:p>
+            <a:pPr marL="266700" lvl="1" indent="0">
+              <a:buNone/>
+            </a:pPr>
+            <a:r>
+              <a:rPr lang="en-US" altLang="ko-KR" dirty="0">
+                <a:latin typeface="+mn-ea"/>
+              </a:rPr>
+              <a:t>   - </a:t>
+            </a:r>
+            <a:r>
+              <a:rPr lang="ko-KR" altLang="en-US" dirty="0">
+                <a:latin typeface="+mn-ea"/>
+              </a:rPr>
+              <a:t>삭제하고자 하는 </a:t>
+            </a:r>
+            <a:r>
+              <a:rPr lang="en-US" altLang="ko-KR" dirty="0">
+                <a:latin typeface="+mn-ea"/>
+              </a:rPr>
+              <a:t>repo </a:t>
+            </a:r>
+            <a:r>
+              <a:rPr lang="ko-KR" altLang="en-US" dirty="0">
+                <a:latin typeface="+mn-ea"/>
+              </a:rPr>
+              <a:t>첫 화면에서 </a:t>
+            </a:r>
+            <a:r>
+              <a:rPr lang="en-US" altLang="ko-KR" dirty="0">
+                <a:latin typeface="+mn-ea"/>
+              </a:rPr>
+              <a:t>settings </a:t>
+            </a:r>
+            <a:r>
+              <a:rPr lang="ko-KR" altLang="en-US" dirty="0">
+                <a:latin typeface="+mn-ea"/>
+              </a:rPr>
+              <a:t>선택</a:t>
+            </a:r>
+            <a:endParaRPr lang="en-US" altLang="ko-KR" dirty="0">
+              <a:latin typeface="+mn-ea"/>
+            </a:endParaRPr>
+          </a:p>
+          <a:p>
+            <a:pPr marL="266700" lvl="1" indent="0">
+              <a:buNone/>
+            </a:pPr>
+            <a:endParaRPr lang="en-US" altLang="ko-KR" dirty="0">
+              <a:latin typeface="+mn-ea"/>
+            </a:endParaRPr>
+          </a:p>
+          <a:p>
+            <a:pPr marL="266700" lvl="1" indent="0">
+              <a:buNone/>
+            </a:pPr>
+            <a:r>
+              <a:rPr lang="en-US" altLang="ko-KR" dirty="0">
+                <a:latin typeface="+mn-ea"/>
+              </a:rPr>
+              <a:t>   - setting</a:t>
+            </a:r>
+            <a:r>
+              <a:rPr lang="ko-KR" altLang="en-US" dirty="0">
+                <a:latin typeface="+mn-ea"/>
+              </a:rPr>
+              <a:t>화면에서 바닥까지 스크롤 다운 </a:t>
+            </a:r>
+            <a:r>
+              <a:rPr lang="en-US" altLang="ko-KR" dirty="0">
+                <a:latin typeface="+mn-ea"/>
+              </a:rPr>
+              <a:t>(</a:t>
+            </a:r>
+            <a:r>
+              <a:rPr lang="ko-KR" altLang="en-US" dirty="0">
+                <a:latin typeface="+mn-ea"/>
+              </a:rPr>
+              <a:t>적색 </a:t>
+            </a:r>
+            <a:r>
+              <a:rPr lang="en-US" altLang="ko-KR" dirty="0">
+                <a:latin typeface="+mn-ea"/>
+              </a:rPr>
+              <a:t>Danger Zone </a:t>
+            </a:r>
+            <a:r>
+              <a:rPr lang="ko-KR" altLang="en-US" dirty="0">
+                <a:latin typeface="+mn-ea"/>
+              </a:rPr>
+              <a:t>박스 보임</a:t>
+            </a:r>
+            <a:r>
+              <a:rPr lang="en-US" altLang="ko-KR" dirty="0">
+                <a:latin typeface="+mn-ea"/>
+              </a:rPr>
+              <a:t>)</a:t>
+            </a:r>
+          </a:p>
+          <a:p>
+            <a:pPr marL="266700" lvl="1" indent="0">
+              <a:buNone/>
+            </a:pPr>
+            <a:r>
+              <a:rPr lang="en-US" altLang="ko-KR" dirty="0">
+                <a:latin typeface="+mn-ea"/>
+              </a:rPr>
+              <a:t>     </a:t>
+            </a:r>
+            <a:r>
+              <a:rPr lang="ko-KR" altLang="en-US" dirty="0">
+                <a:latin typeface="+mn-ea"/>
+              </a:rPr>
+              <a:t>→ </a:t>
+            </a:r>
+            <a:r>
+              <a:rPr lang="en-US" altLang="ko-KR" dirty="0">
+                <a:latin typeface="+mn-ea"/>
+              </a:rPr>
+              <a:t>4</a:t>
+            </a:r>
+            <a:r>
+              <a:rPr lang="ko-KR" altLang="en-US" dirty="0">
+                <a:latin typeface="+mn-ea"/>
+              </a:rPr>
+              <a:t>번째 </a:t>
+            </a:r>
+            <a:r>
+              <a:rPr lang="en-US" altLang="ko-KR" dirty="0">
+                <a:latin typeface="+mn-ea"/>
+              </a:rPr>
+              <a:t>Delete this repository  </a:t>
+            </a:r>
+            <a:r>
+              <a:rPr lang="ko-KR" altLang="en-US" dirty="0">
+                <a:latin typeface="+mn-ea"/>
+              </a:rPr>
+              <a:t>클릭</a:t>
+            </a:r>
+            <a:endParaRPr lang="en-US" altLang="ko-KR" dirty="0">
+              <a:latin typeface="+mn-ea"/>
+            </a:endParaRPr>
+          </a:p>
+          <a:p>
+            <a:pPr marL="266700" lvl="1" indent="0">
+              <a:buNone/>
+            </a:pPr>
+            <a:endParaRPr lang="en-US" altLang="ko-KR" dirty="0">
+              <a:latin typeface="+mn-ea"/>
+            </a:endParaRPr>
+          </a:p>
+          <a:p>
+            <a:pPr marL="266700" lvl="1" indent="0">
+              <a:buNone/>
+            </a:pPr>
+            <a:endParaRPr lang="en-US" altLang="ko-KR" sz="1200" dirty="0">
+              <a:latin typeface="+mn-ea"/>
+            </a:endParaRPr>
+          </a:p>
+          <a:p>
+            <a:pPr marL="266700" lvl="1" indent="0">
+              <a:buNone/>
+            </a:pPr>
+            <a:r>
+              <a:rPr lang="en-US" altLang="ko-KR" dirty="0">
+                <a:latin typeface="+mn-ea"/>
+              </a:rPr>
+              <a:t>   - </a:t>
+            </a:r>
+            <a:r>
+              <a:rPr lang="ko-KR" altLang="en-US" dirty="0">
+                <a:latin typeface="+mn-ea"/>
+              </a:rPr>
+              <a:t>지우고자 하는 </a:t>
+            </a:r>
+            <a:r>
+              <a:rPr lang="en-US" altLang="ko-KR" dirty="0">
+                <a:latin typeface="+mn-ea"/>
+              </a:rPr>
+              <a:t>repo</a:t>
+            </a:r>
+            <a:r>
+              <a:rPr lang="ko-KR" altLang="en-US" dirty="0">
+                <a:latin typeface="+mn-ea"/>
+              </a:rPr>
+              <a:t>명칭을 똑같이 작성 후</a:t>
+            </a:r>
+            <a:endParaRPr lang="en-US" altLang="ko-KR" dirty="0">
+              <a:latin typeface="+mn-ea"/>
+            </a:endParaRPr>
+          </a:p>
+          <a:p>
+            <a:pPr marL="266700" lvl="1" indent="0">
+              <a:buNone/>
+            </a:pPr>
+            <a:r>
+              <a:rPr lang="en-US" altLang="ko-KR" dirty="0">
+                <a:latin typeface="+mn-ea"/>
+              </a:rPr>
+              <a:t>      </a:t>
+            </a:r>
+            <a:r>
+              <a:rPr lang="ko-KR" altLang="en-US" dirty="0">
+                <a:latin typeface="+mn-ea"/>
+              </a:rPr>
+              <a:t>버튼 클릭                     </a:t>
+            </a:r>
+            <a:r>
+              <a:rPr lang="en-US" altLang="ko-KR" dirty="0">
+                <a:latin typeface="+mn-ea"/>
+              </a:rPr>
+              <a:t>--- </a:t>
+            </a:r>
+            <a:r>
+              <a:rPr lang="ko-KR" altLang="en-US" dirty="0">
+                <a:latin typeface="+mn-ea"/>
+              </a:rPr>
+              <a:t>끝</a:t>
+            </a:r>
+            <a:endParaRPr lang="en-US" altLang="ko-KR" dirty="0">
+              <a:latin typeface="+mn-ea"/>
+            </a:endParaRPr>
+          </a:p>
+          <a:p>
+            <a:pPr marL="266700" lvl="1" indent="0">
+              <a:buNone/>
+            </a:pPr>
+            <a:r>
+              <a:rPr lang="en-US" altLang="ko-KR" dirty="0">
+                <a:latin typeface="+mn-ea"/>
+              </a:rPr>
+              <a:t>    </a:t>
+            </a:r>
+          </a:p>
+          <a:p>
+            <a:pPr marL="266700" lvl="1" indent="0">
+              <a:buNone/>
+            </a:pPr>
+            <a:endParaRPr lang="en-US" altLang="ko-KR" dirty="0">
+              <a:latin typeface="+mn-ea"/>
+            </a:endParaRPr>
+          </a:p>
+          <a:p>
+            <a:pPr marL="266700" lvl="1" indent="0">
+              <a:buNone/>
+            </a:pPr>
+            <a:r>
+              <a:rPr lang="en-US" altLang="ko-KR" dirty="0">
+                <a:latin typeface="+mn-ea"/>
+              </a:rPr>
+              <a:t>   </a:t>
+            </a:r>
+          </a:p>
+        </p:txBody>
+      </p:sp>
+      <p:pic>
+        <p:nvPicPr>
+          <p:cNvPr id="5" name="그림 4">
+            <a:extLst>
+              <a:ext uri="{FF2B5EF4-FFF2-40B4-BE49-F238E27FC236}">
+                <a16:creationId xmlns:a16="http://schemas.microsoft.com/office/drawing/2014/main" id="{4521FE1C-BF8E-46F0-A0B9-C5A24225F629}"/>
+              </a:ext>
+            </a:extLst>
+          </p:cNvPr>
+          <p:cNvPicPr>
+            <a:picLocks noChangeAspect="1"/>
+          </p:cNvPicPr>
+          <p:nvPr/>
+        </p:nvPicPr>
+        <p:blipFill>
+          <a:blip r:embed="rId4"/>
+          <a:stretch>
+            <a:fillRect/>
+          </a:stretch>
+        </p:blipFill>
+        <p:spPr>
+          <a:xfrm>
+            <a:off x="5576453" y="1254370"/>
+            <a:ext cx="3048000" cy="1200150"/>
+          </a:xfrm>
+          <a:prstGeom prst="rect">
+            <a:avLst/>
+          </a:prstGeom>
+        </p:spPr>
+      </p:pic>
+      <p:cxnSp>
+        <p:nvCxnSpPr>
+          <p:cNvPr id="8" name="직선 화살표 연결선 7">
+            <a:extLst>
+              <a:ext uri="{FF2B5EF4-FFF2-40B4-BE49-F238E27FC236}">
+                <a16:creationId xmlns:a16="http://schemas.microsoft.com/office/drawing/2014/main" id="{08698114-687E-4907-ABF5-C28CB5622F32}"/>
+              </a:ext>
+            </a:extLst>
+          </p:cNvPr>
+          <p:cNvCxnSpPr>
+            <a:cxnSpLocks/>
+          </p:cNvCxnSpPr>
+          <p:nvPr/>
+        </p:nvCxnSpPr>
+        <p:spPr>
+          <a:xfrm flipV="1">
+            <a:off x="3704095" y="1516387"/>
+            <a:ext cx="2192613" cy="321393"/>
+          </a:xfrm>
+          <a:prstGeom prst="straightConnector1">
+            <a:avLst/>
+          </a:prstGeom>
+          <a:ln w="19050">
+            <a:solidFill>
+              <a:schemeClr val="accent1">
+                <a:lumMod val="60000"/>
+                <a:lumOff val="40000"/>
+              </a:schemeClr>
+            </a:solidFill>
+            <a:tailEnd type="triangle"/>
+          </a:ln>
+        </p:spPr>
+        <p:style>
+          <a:lnRef idx="1">
+            <a:schemeClr val="accent1"/>
+          </a:lnRef>
+          <a:fillRef idx="0">
+            <a:schemeClr val="accent1"/>
+          </a:fillRef>
+          <a:effectRef idx="0">
+            <a:schemeClr val="accent1"/>
+          </a:effectRef>
+          <a:fontRef idx="minor">
+            <a:schemeClr val="tx1"/>
+          </a:fontRef>
+        </p:style>
+      </p:cxnSp>
+      <p:cxnSp>
+        <p:nvCxnSpPr>
+          <p:cNvPr id="10" name="직선 화살표 연결선 9">
+            <a:extLst>
+              <a:ext uri="{FF2B5EF4-FFF2-40B4-BE49-F238E27FC236}">
+                <a16:creationId xmlns:a16="http://schemas.microsoft.com/office/drawing/2014/main" id="{08A45C8E-AE48-4F7A-890C-511CC9B1568D}"/>
+              </a:ext>
+            </a:extLst>
+          </p:cNvPr>
+          <p:cNvCxnSpPr>
+            <a:cxnSpLocks/>
+          </p:cNvCxnSpPr>
+          <p:nvPr/>
+        </p:nvCxnSpPr>
+        <p:spPr>
+          <a:xfrm>
+            <a:off x="4891563" y="1985453"/>
+            <a:ext cx="2810499" cy="171594"/>
+          </a:xfrm>
+          <a:prstGeom prst="straightConnector1">
+            <a:avLst/>
+          </a:prstGeom>
+          <a:ln w="19050">
+            <a:solidFill>
+              <a:schemeClr val="accent1">
+                <a:lumMod val="60000"/>
+                <a:lumOff val="40000"/>
+              </a:schemeClr>
+            </a:solidFill>
+            <a:tailEnd type="triangle"/>
+          </a:ln>
+        </p:spPr>
+        <p:style>
+          <a:lnRef idx="1">
+            <a:schemeClr val="accent1"/>
+          </a:lnRef>
+          <a:fillRef idx="0">
+            <a:schemeClr val="accent1"/>
+          </a:fillRef>
+          <a:effectRef idx="0">
+            <a:schemeClr val="accent1"/>
+          </a:effectRef>
+          <a:fontRef idx="minor">
+            <a:schemeClr val="tx1"/>
+          </a:fontRef>
+        </p:style>
+      </p:cxnSp>
+      <p:pic>
+        <p:nvPicPr>
+          <p:cNvPr id="18" name="그림 17">
+            <a:extLst>
+              <a:ext uri="{FF2B5EF4-FFF2-40B4-BE49-F238E27FC236}">
+                <a16:creationId xmlns:a16="http://schemas.microsoft.com/office/drawing/2014/main" id="{B087FA42-25BE-4B29-8220-6469701F1345}"/>
+              </a:ext>
+            </a:extLst>
+          </p:cNvPr>
+          <p:cNvPicPr>
+            <a:picLocks noChangeAspect="1"/>
+          </p:cNvPicPr>
+          <p:nvPr/>
+        </p:nvPicPr>
+        <p:blipFill>
+          <a:blip r:embed="rId5"/>
+          <a:stretch>
+            <a:fillRect/>
+          </a:stretch>
+        </p:blipFill>
+        <p:spPr>
+          <a:xfrm>
+            <a:off x="837768" y="3664395"/>
+            <a:ext cx="8146369" cy="409137"/>
+          </a:xfrm>
+          <a:prstGeom prst="rect">
+            <a:avLst/>
+          </a:prstGeom>
+        </p:spPr>
+      </p:pic>
+      <p:cxnSp>
+        <p:nvCxnSpPr>
+          <p:cNvPr id="19" name="직선 화살표 연결선 18">
+            <a:extLst>
+              <a:ext uri="{FF2B5EF4-FFF2-40B4-BE49-F238E27FC236}">
+                <a16:creationId xmlns:a16="http://schemas.microsoft.com/office/drawing/2014/main" id="{C05B84F8-001B-42CD-BC36-652F8DE87167}"/>
+              </a:ext>
+            </a:extLst>
+          </p:cNvPr>
+          <p:cNvCxnSpPr>
+            <a:cxnSpLocks/>
+          </p:cNvCxnSpPr>
+          <p:nvPr/>
+        </p:nvCxnSpPr>
+        <p:spPr>
+          <a:xfrm>
+            <a:off x="5589222" y="3492801"/>
+            <a:ext cx="2717010" cy="376162"/>
+          </a:xfrm>
+          <a:prstGeom prst="straightConnector1">
+            <a:avLst/>
+          </a:prstGeom>
+          <a:ln w="19050">
+            <a:solidFill>
+              <a:schemeClr val="accent1">
+                <a:lumMod val="60000"/>
+                <a:lumOff val="40000"/>
+              </a:schemeClr>
+            </a:solidFill>
+            <a:tailEnd type="triangle"/>
+          </a:ln>
+        </p:spPr>
+        <p:style>
+          <a:lnRef idx="1">
+            <a:schemeClr val="accent1"/>
+          </a:lnRef>
+          <a:fillRef idx="0">
+            <a:schemeClr val="accent1"/>
+          </a:fillRef>
+          <a:effectRef idx="0">
+            <a:schemeClr val="accent1"/>
+          </a:effectRef>
+          <a:fontRef idx="minor">
+            <a:schemeClr val="tx1"/>
+          </a:fontRef>
+        </p:style>
+      </p:cxnSp>
+      <p:cxnSp>
+        <p:nvCxnSpPr>
+          <p:cNvPr id="23" name="직선 화살표 연결선 22">
+            <a:extLst>
+              <a:ext uri="{FF2B5EF4-FFF2-40B4-BE49-F238E27FC236}">
+                <a16:creationId xmlns:a16="http://schemas.microsoft.com/office/drawing/2014/main" id="{53739CC5-F57D-4B4E-84B5-7607957CC435}"/>
+              </a:ext>
+            </a:extLst>
+          </p:cNvPr>
+          <p:cNvCxnSpPr>
+            <a:cxnSpLocks/>
+          </p:cNvCxnSpPr>
+          <p:nvPr/>
+        </p:nvCxnSpPr>
+        <p:spPr>
+          <a:xfrm>
+            <a:off x="4478216" y="4625731"/>
+            <a:ext cx="1266092" cy="262017"/>
+          </a:xfrm>
+          <a:prstGeom prst="straightConnector1">
+            <a:avLst/>
+          </a:prstGeom>
+          <a:ln w="19050">
+            <a:solidFill>
+              <a:schemeClr val="accent1">
+                <a:lumMod val="60000"/>
+                <a:lumOff val="40000"/>
+              </a:schemeClr>
+            </a:solidFill>
+            <a:tailEnd type="triangle"/>
+          </a:ln>
+        </p:spPr>
+        <p:style>
+          <a:lnRef idx="1">
+            <a:schemeClr val="accent1"/>
+          </a:lnRef>
+          <a:fillRef idx="0">
+            <a:schemeClr val="accent1"/>
+          </a:fillRef>
+          <a:effectRef idx="0">
+            <a:schemeClr val="accent1"/>
+          </a:effectRef>
+          <a:fontRef idx="minor">
+            <a:schemeClr val="tx1"/>
+          </a:fontRef>
+        </p:style>
+      </p:cxnSp>
+      <p:pic>
+        <p:nvPicPr>
+          <p:cNvPr id="26" name="그림 25">
+            <a:extLst>
+              <a:ext uri="{FF2B5EF4-FFF2-40B4-BE49-F238E27FC236}">
+                <a16:creationId xmlns:a16="http://schemas.microsoft.com/office/drawing/2014/main" id="{7A74C751-B055-47D3-BBBF-204A4E5641A4}"/>
+              </a:ext>
+            </a:extLst>
+          </p:cNvPr>
+          <p:cNvPicPr>
+            <a:picLocks noChangeAspect="1"/>
+          </p:cNvPicPr>
+          <p:nvPr/>
+        </p:nvPicPr>
+        <p:blipFill>
+          <a:blip r:embed="rId6"/>
+          <a:stretch>
+            <a:fillRect/>
+          </a:stretch>
+        </p:blipFill>
+        <p:spPr>
+          <a:xfrm>
+            <a:off x="5089261" y="5376311"/>
+            <a:ext cx="4019570" cy="1076035"/>
+          </a:xfrm>
+          <a:prstGeom prst="rect">
+            <a:avLst/>
+          </a:prstGeom>
+        </p:spPr>
+      </p:pic>
+      <p:cxnSp>
+        <p:nvCxnSpPr>
+          <p:cNvPr id="28" name="직선 연결선 27">
+            <a:extLst>
+              <a:ext uri="{FF2B5EF4-FFF2-40B4-BE49-F238E27FC236}">
+                <a16:creationId xmlns:a16="http://schemas.microsoft.com/office/drawing/2014/main" id="{B388D8E9-48FD-474A-BFC8-BE3CD7582323}"/>
+              </a:ext>
+            </a:extLst>
+          </p:cNvPr>
+          <p:cNvCxnSpPr/>
+          <p:nvPr/>
+        </p:nvCxnSpPr>
+        <p:spPr>
+          <a:xfrm>
+            <a:off x="5896708" y="5615355"/>
+            <a:ext cx="845879" cy="0"/>
+          </a:xfrm>
+          <a:prstGeom prst="line">
+            <a:avLst/>
+          </a:prstGeom>
+          <a:ln w="19050">
+            <a:solidFill>
+              <a:srgbClr val="FF0000"/>
+            </a:solidFill>
+          </a:ln>
+        </p:spPr>
+        <p:style>
+          <a:lnRef idx="1">
+            <a:schemeClr val="accent1"/>
+          </a:lnRef>
+          <a:fillRef idx="0">
+            <a:schemeClr val="accent1"/>
+          </a:fillRef>
+          <a:effectRef idx="0">
+            <a:schemeClr val="accent1"/>
+          </a:effectRef>
+          <a:fontRef idx="minor">
+            <a:schemeClr val="tx1"/>
+          </a:fontRef>
+        </p:style>
+      </p:cxnSp>
+      <p:cxnSp>
+        <p:nvCxnSpPr>
+          <p:cNvPr id="29" name="직선 화살표 연결선 28">
+            <a:extLst>
+              <a:ext uri="{FF2B5EF4-FFF2-40B4-BE49-F238E27FC236}">
+                <a16:creationId xmlns:a16="http://schemas.microsoft.com/office/drawing/2014/main" id="{AF4264EA-AECC-4551-BBA4-11F7FC56CFAA}"/>
+              </a:ext>
+            </a:extLst>
+          </p:cNvPr>
+          <p:cNvCxnSpPr>
+            <a:cxnSpLocks/>
+          </p:cNvCxnSpPr>
+          <p:nvPr/>
+        </p:nvCxnSpPr>
+        <p:spPr>
+          <a:xfrm flipH="1">
+            <a:off x="6189785" y="5661471"/>
+            <a:ext cx="129863" cy="192929"/>
+          </a:xfrm>
+          <a:prstGeom prst="straightConnector1">
+            <a:avLst/>
+          </a:prstGeom>
+          <a:ln w="19050">
+            <a:solidFill>
+              <a:srgbClr val="FF0000"/>
+            </a:solidFill>
+            <a:tailEnd type="triangle"/>
+          </a:ln>
+        </p:spPr>
+        <p:style>
+          <a:lnRef idx="1">
+            <a:schemeClr val="accent1"/>
+          </a:lnRef>
+          <a:fillRef idx="0">
+            <a:schemeClr val="accent1"/>
+          </a:fillRef>
+          <a:effectRef idx="0">
+            <a:schemeClr val="accent1"/>
+          </a:effectRef>
+          <a:fontRef idx="minor">
+            <a:schemeClr val="tx1"/>
+          </a:fontRef>
+        </p:style>
+      </p:cxnSp>
+      <p:cxnSp>
+        <p:nvCxnSpPr>
+          <p:cNvPr id="31" name="직선 화살표 연결선 30">
+            <a:extLst>
+              <a:ext uri="{FF2B5EF4-FFF2-40B4-BE49-F238E27FC236}">
+                <a16:creationId xmlns:a16="http://schemas.microsoft.com/office/drawing/2014/main" id="{FAB2C802-9ED9-49EA-8149-A045E5B691E3}"/>
+              </a:ext>
+            </a:extLst>
+          </p:cNvPr>
+          <p:cNvCxnSpPr>
+            <a:cxnSpLocks/>
+          </p:cNvCxnSpPr>
+          <p:nvPr/>
+        </p:nvCxnSpPr>
+        <p:spPr>
+          <a:xfrm>
+            <a:off x="2110155" y="5914328"/>
+            <a:ext cx="3153507" cy="262017"/>
+          </a:xfrm>
+          <a:prstGeom prst="straightConnector1">
+            <a:avLst/>
+          </a:prstGeom>
+          <a:ln w="19050">
+            <a:solidFill>
+              <a:schemeClr val="accent1">
+                <a:lumMod val="60000"/>
+                <a:lumOff val="40000"/>
+              </a:schemeClr>
+            </a:solidFill>
+            <a:tailEnd type="triangle"/>
+          </a:ln>
+        </p:spPr>
+        <p:style>
+          <a:lnRef idx="1">
+            <a:schemeClr val="accent1"/>
+          </a:lnRef>
+          <a:fillRef idx="0">
+            <a:schemeClr val="accent1"/>
+          </a:fillRef>
+          <a:effectRef idx="0">
+            <a:schemeClr val="accent1"/>
+          </a:effectRef>
+          <a:fontRef idx="minor">
+            <a:schemeClr val="tx1"/>
+          </a:fontRef>
+        </p:style>
+      </p:cxnSp>
+    </p:spTree>
+    <p:extLst>
+      <p:ext uri="{BB962C8B-B14F-4D97-AF65-F5344CB8AC3E}">
+        <p14:creationId xmlns:p14="http://schemas.microsoft.com/office/powerpoint/2010/main" val="2760732152"/>
+      </p:ext>
+    </p:extLst>
+  </p:cSld>
+  <p:clrMapOvr>
+    <a:masterClrMapping/>
+  </p:clrMapOvr>
+</p:sld>
+</file>
+
+<file path=ppt/slides/slide42.xml><?xml version="1.0" encoding="utf-8"?>
 <p:sld xmlns:a="http://schemas.openxmlformats.org/drawingml/2006/main" xmlns:r="http://schemas.openxmlformats.org/officeDocument/2006/relationships" xmlns:p="http://schemas.openxmlformats.org/presentationml/2006/main">
   <p:cSld>
     <p:spTree>

--- a/git및github첫걸음2-원격저장소만들기.pptx
+++ b/git및github첫걸음2-원격저장소만들기.pptx
@@ -5,7 +5,7 @@
     <p:sldMasterId id="2147483660" r:id="rId1"/>
   </p:sldMasterIdLst>
   <p:notesMasterIdLst>
-    <p:notesMasterId r:id="rId44"/>
+    <p:notesMasterId r:id="rId43"/>
   </p:notesMasterIdLst>
   <p:sldIdLst>
     <p:sldId id="369" r:id="rId2"/>
@@ -49,7 +49,6 @@
     <p:sldId id="374" r:id="rId40"/>
     <p:sldId id="375" r:id="rId41"/>
     <p:sldId id="376" r:id="rId42"/>
-    <p:sldId id="370" r:id="rId43"/>
   </p:sldIdLst>
   <p:sldSz cx="9144000" cy="6858000" type="screen4x3"/>
   <p:notesSz cx="6858000" cy="9144000"/>
@@ -249,7 +248,7 @@
           <a:p>
             <a:fld id="{A17B9194-BDE3-40E3-983E-94CE6FA773AF}" type="datetimeFigureOut">
               <a:rPr lang="ko-KR" altLang="en-US" smtClean="0"/>
-              <a:t>2021-04-12</a:t>
+              <a:t>2021-04-15</a:t>
             </a:fld>
             <a:endParaRPr lang="ko-KR" altLang="en-US"/>
           </a:p>
@@ -562,41 +561,49 @@
           <a:p>
             <a:r>
               <a:rPr lang="en-US" altLang="ko-KR" dirty="0"/>
-              <a:t>Git</a:t>
+              <a:t>Bash</a:t>
             </a:r>
             <a:r>
               <a:rPr lang="ko-KR" altLang="en-US" dirty="0"/>
-              <a:t> </a:t>
+              <a:t>에서 실행되는 명령어 특히 </a:t>
             </a:r>
             <a:r>
               <a:rPr lang="en-US" altLang="ko-KR" dirty="0"/>
-              <a:t>push</a:t>
+              <a:t>branch –M main </a:t>
             </a:r>
             <a:r>
               <a:rPr lang="ko-KR" altLang="en-US" dirty="0"/>
-              <a:t> </a:t>
+              <a:t>설명</a:t>
             </a:r>
             <a:r>
               <a:rPr lang="en-US" altLang="ko-KR" dirty="0"/>
-              <a:t>–u</a:t>
+              <a:t>. </a:t>
             </a:r>
             <a:r>
               <a:rPr lang="ko-KR" altLang="en-US" dirty="0"/>
-              <a:t> </a:t>
+              <a:t>여기서 최초 내용 쓰기 설명</a:t>
             </a:r>
             <a:r>
               <a:rPr lang="en-US" altLang="ko-KR" dirty="0"/>
-              <a:t>origin</a:t>
+              <a:t>. </a:t>
             </a:r>
             <a:r>
               <a:rPr lang="ko-KR" altLang="en-US" dirty="0"/>
-              <a:t> </a:t>
-            </a:r>
-            <a:r>
-              <a:rPr lang="en-US" altLang="ko-KR"/>
-              <a:t>main br1</a:t>
-            </a:r>
-            <a:endParaRPr lang="ko-KR" altLang="en-US"/>
+              <a:t>최소 </a:t>
+            </a:r>
+            <a:r>
+              <a:rPr lang="en-US" altLang="ko-KR" dirty="0"/>
+              <a:t>README </a:t>
+            </a:r>
+            <a:r>
+              <a:rPr lang="ko-KR" altLang="en-US" dirty="0"/>
+              <a:t>파일 구성</a:t>
+            </a:r>
+            <a:r>
+              <a:rPr lang="en-US" altLang="ko-KR" dirty="0"/>
+              <a:t>.</a:t>
+            </a:r>
+            <a:endParaRPr lang="ko-KR" altLang="en-US" dirty="0"/>
           </a:p>
         </p:txBody>
       </p:sp>
@@ -617,7 +624,7 @@
           <a:p>
             <a:fld id="{625D4AC4-540A-4436-887D-BF6A8FCF1275}" type="slidenum">
               <a:rPr lang="ko-KR" altLang="en-US" smtClean="0"/>
-              <a:t>29</a:t>
+              <a:t>23</a:t>
             </a:fld>
             <a:endParaRPr lang="ko-KR" altLang="en-US"/>
           </a:p>
@@ -626,7 +633,7 @@
     </p:spTree>
     <p:extLst>
       <p:ext uri="{BB962C8B-B14F-4D97-AF65-F5344CB8AC3E}">
-        <p14:creationId xmlns:p14="http://schemas.microsoft.com/office/powerpoint/2010/main" val="3363965689"/>
+        <p14:creationId xmlns:p14="http://schemas.microsoft.com/office/powerpoint/2010/main" val="2821340125"/>
       </p:ext>
     </p:extLst>
   </p:cSld>
@@ -681,17 +688,42 @@
           <a:lstStyle/>
           <a:p>
             <a:r>
+              <a:rPr lang="en-US" altLang="ko-KR" dirty="0"/>
+              <a:t>Git</a:t>
+            </a:r>
+            <a:r>
               <a:rPr lang="ko-KR" altLang="en-US" dirty="0"/>
-              <a:t>왜 </a:t>
+              <a:t> </a:t>
             </a:r>
             <a:r>
               <a:rPr lang="en-US" altLang="ko-KR" dirty="0"/>
-              <a:t>main</a:t>
+              <a:t>push</a:t>
             </a:r>
             <a:r>
               <a:rPr lang="ko-KR" altLang="en-US" dirty="0"/>
-              <a:t>만 올라가 있는지 확이 필요 그런지 확인 필요</a:t>
-            </a:r>
+              <a:t> </a:t>
+            </a:r>
+            <a:r>
+              <a:rPr lang="en-US" altLang="ko-KR" dirty="0"/>
+              <a:t>–u</a:t>
+            </a:r>
+            <a:r>
+              <a:rPr lang="ko-KR" altLang="en-US" dirty="0"/>
+              <a:t> </a:t>
+            </a:r>
+            <a:r>
+              <a:rPr lang="en-US" altLang="ko-KR" dirty="0"/>
+              <a:t>origin</a:t>
+            </a:r>
+            <a:r>
+              <a:rPr lang="ko-KR" altLang="en-US" dirty="0"/>
+              <a:t> </a:t>
+            </a:r>
+            <a:r>
+              <a:rPr lang="en-US" altLang="ko-KR"/>
+              <a:t>main br1</a:t>
+            </a:r>
+            <a:endParaRPr lang="ko-KR" altLang="en-US"/>
           </a:p>
         </p:txBody>
       </p:sp>
@@ -702,7 +734,7 @@
             <a:spLocks noGrp="1"/>
           </p:cNvSpPr>
           <p:nvPr>
-            <p:ph type="sldNum" sz="quarter" idx="10"/>
+            <p:ph type="sldNum" sz="quarter" idx="5"/>
           </p:nvPr>
         </p:nvSpPr>
         <p:spPr/>
@@ -712,7 +744,7 @@
           <a:p>
             <a:fld id="{625D4AC4-540A-4436-887D-BF6A8FCF1275}" type="slidenum">
               <a:rPr lang="ko-KR" altLang="en-US" smtClean="0"/>
-              <a:t>32</a:t>
+              <a:t>29</a:t>
             </a:fld>
             <a:endParaRPr lang="ko-KR" altLang="en-US"/>
           </a:p>
@@ -721,7 +753,7 @@
     </p:spTree>
     <p:extLst>
       <p:ext uri="{BB962C8B-B14F-4D97-AF65-F5344CB8AC3E}">
-        <p14:creationId xmlns:p14="http://schemas.microsoft.com/office/powerpoint/2010/main" val="1609432482"/>
+        <p14:creationId xmlns:p14="http://schemas.microsoft.com/office/powerpoint/2010/main" val="3363965689"/>
       </p:ext>
     </p:extLst>
   </p:cSld>
@@ -777,25 +809,31 @@
           <a:p>
             <a:r>
               <a:rPr lang="ko-KR" altLang="en-US" dirty="0"/>
-              <a:t>집에서 작업한 것을 잊고 그냥 작업을 했을 경우 원격저장소의 내용과 상이할 경우 발생</a:t>
+              <a:t>왜 </a:t>
             </a:r>
             <a:r>
               <a:rPr lang="en-US" altLang="ko-KR" dirty="0"/>
-              <a:t>.</a:t>
-            </a:r>
-          </a:p>
-          <a:p>
+              <a:t>main</a:t>
+            </a:r>
             <a:r>
               <a:rPr lang="ko-KR" altLang="en-US" dirty="0"/>
-              <a:t>따라서 항상 </a:t>
+              <a:t>만 올라가게 됨</a:t>
             </a:r>
             <a:r>
               <a:rPr lang="en-US" altLang="ko-KR" dirty="0"/>
-              <a:t>pull </a:t>
+              <a:t>. </a:t>
             </a:r>
             <a:r>
               <a:rPr lang="ko-KR" altLang="en-US" dirty="0"/>
-              <a:t>먼저 실시해야 함</a:t>
+              <a:t>따라서 로컬 </a:t>
+            </a:r>
+            <a:r>
+              <a:rPr lang="ko-KR" altLang="en-US" dirty="0" err="1"/>
+              <a:t>브랜치는</a:t>
+            </a:r>
+            <a:r>
+              <a:rPr lang="ko-KR" altLang="en-US" dirty="0"/>
+              <a:t> 필요한 경우에 직접 올려야 함</a:t>
             </a:r>
             <a:r>
               <a:rPr lang="en-US" altLang="ko-KR" dirty="0"/>
@@ -812,7 +850,7 @@
             <a:spLocks noGrp="1"/>
           </p:cNvSpPr>
           <p:nvPr>
-            <p:ph type="sldNum" sz="quarter" idx="5"/>
+            <p:ph type="sldNum" sz="quarter" idx="10"/>
           </p:nvPr>
         </p:nvSpPr>
         <p:spPr/>
@@ -822,7 +860,7 @@
           <a:p>
             <a:fld id="{625D4AC4-540A-4436-887D-BF6A8FCF1275}" type="slidenum">
               <a:rPr lang="ko-KR" altLang="en-US" smtClean="0"/>
-              <a:t>38</a:t>
+              <a:t>32</a:t>
             </a:fld>
             <a:endParaRPr lang="ko-KR" altLang="en-US"/>
           </a:p>
@@ -831,7 +869,7 @@
     </p:spTree>
     <p:extLst>
       <p:ext uri="{BB962C8B-B14F-4D97-AF65-F5344CB8AC3E}">
-        <p14:creationId xmlns:p14="http://schemas.microsoft.com/office/powerpoint/2010/main" val="4026611260"/>
+        <p14:creationId xmlns:p14="http://schemas.microsoft.com/office/powerpoint/2010/main" val="1609432482"/>
       </p:ext>
     </p:extLst>
   </p:cSld>
@@ -906,7 +944,7 @@
           <a:p>
             <a:fld id="{625D4AC4-540A-4436-887D-BF6A8FCF1275}" type="slidenum">
               <a:rPr lang="ko-KR" altLang="en-US" smtClean="0"/>
-              <a:t>39</a:t>
+              <a:t>36</a:t>
             </a:fld>
             <a:endParaRPr lang="ko-KR" altLang="en-US"/>
           </a:p>
@@ -915,7 +953,7 @@
     </p:spTree>
     <p:extLst>
       <p:ext uri="{BB962C8B-B14F-4D97-AF65-F5344CB8AC3E}">
-        <p14:creationId xmlns:p14="http://schemas.microsoft.com/office/powerpoint/2010/main" val="2765970928"/>
+        <p14:creationId xmlns:p14="http://schemas.microsoft.com/office/powerpoint/2010/main" val="3082882597"/>
       </p:ext>
     </p:extLst>
   </p:cSld>
@@ -969,6 +1007,32 @@
           <a:bodyPr/>
           <a:lstStyle/>
           <a:p>
+            <a:r>
+              <a:rPr lang="ko-KR" altLang="en-US" dirty="0"/>
+              <a:t>집에서 작업한 것을 잊고 그냥 작업을 했을 경우 원격저장소의 내용과 상이할 경우 발생</a:t>
+            </a:r>
+            <a:r>
+              <a:rPr lang="en-US" altLang="ko-KR" dirty="0"/>
+              <a:t>.</a:t>
+            </a:r>
+          </a:p>
+          <a:p>
+            <a:r>
+              <a:rPr lang="ko-KR" altLang="en-US" dirty="0"/>
+              <a:t>따라서 항상 </a:t>
+            </a:r>
+            <a:r>
+              <a:rPr lang="en-US" altLang="ko-KR" dirty="0"/>
+              <a:t>pull </a:t>
+            </a:r>
+            <a:r>
+              <a:rPr lang="ko-KR" altLang="en-US" dirty="0"/>
+              <a:t>먼저 실시해야 함</a:t>
+            </a:r>
+            <a:r>
+              <a:rPr lang="en-US" altLang="ko-KR" dirty="0"/>
+              <a:t>.</a:t>
+            </a:r>
             <a:endParaRPr lang="ko-KR" altLang="en-US" dirty="0"/>
           </a:p>
         </p:txBody>
@@ -990,7 +1054,7 @@
           <a:p>
             <a:fld id="{625D4AC4-540A-4436-887D-BF6A8FCF1275}" type="slidenum">
               <a:rPr lang="ko-KR" altLang="en-US" smtClean="0"/>
-              <a:t>40</a:t>
+              <a:t>38</a:t>
             </a:fld>
             <a:endParaRPr lang="ko-KR" altLang="en-US"/>
           </a:p>
@@ -999,7 +1063,7 @@
     </p:spTree>
     <p:extLst>
       <p:ext uri="{BB962C8B-B14F-4D97-AF65-F5344CB8AC3E}">
-        <p14:creationId xmlns:p14="http://schemas.microsoft.com/office/powerpoint/2010/main" val="873420243"/>
+        <p14:creationId xmlns:p14="http://schemas.microsoft.com/office/powerpoint/2010/main" val="4026611260"/>
       </p:ext>
     </p:extLst>
   </p:cSld>
@@ -1074,6 +1138,174 @@
           <a:p>
             <a:fld id="{625D4AC4-540A-4436-887D-BF6A8FCF1275}" type="slidenum">
               <a:rPr lang="ko-KR" altLang="en-US" smtClean="0"/>
+              <a:t>39</a:t>
+            </a:fld>
+            <a:endParaRPr lang="ko-KR" altLang="en-US"/>
+          </a:p>
+        </p:txBody>
+      </p:sp>
+    </p:spTree>
+    <p:extLst>
+      <p:ext uri="{BB962C8B-B14F-4D97-AF65-F5344CB8AC3E}">
+        <p14:creationId xmlns:p14="http://schemas.microsoft.com/office/powerpoint/2010/main" val="2765970928"/>
+      </p:ext>
+    </p:extLst>
+  </p:cSld>
+  <p:clrMapOvr>
+    <a:masterClrMapping/>
+  </p:clrMapOvr>
+</p:notes>
+</file>
+
+<file path=ppt/notesSlides/notesSlide7.xml><?xml version="1.0" encoding="utf-8"?>
+<p:notes xmlns:a="http://schemas.openxmlformats.org/drawingml/2006/main" xmlns:r="http://schemas.openxmlformats.org/officeDocument/2006/relationships" xmlns:p="http://schemas.openxmlformats.org/presentationml/2006/main">
+  <p:cSld>
+    <p:spTree>
+      <p:nvGrpSpPr>
+        <p:cNvPr id="1" name=""/>
+        <p:cNvGrpSpPr/>
+        <p:nvPr/>
+      </p:nvGrpSpPr>
+      <p:grpSpPr>
+        <a:xfrm>
+          <a:off x="0" y="0"/>
+          <a:ext cx="0" cy="0"/>
+          <a:chOff x="0" y="0"/>
+          <a:chExt cx="0" cy="0"/>
+        </a:xfrm>
+      </p:grpSpPr>
+      <p:sp>
+        <p:nvSpPr>
+          <p:cNvPr id="2" name="슬라이드 이미지 개체 틀 1"/>
+          <p:cNvSpPr>
+            <a:spLocks noGrp="1" noRot="1" noChangeAspect="1"/>
+          </p:cNvSpPr>
+          <p:nvPr>
+            <p:ph type="sldImg"/>
+          </p:nvPr>
+        </p:nvSpPr>
+        <p:spPr/>
+      </p:sp>
+      <p:sp>
+        <p:nvSpPr>
+          <p:cNvPr id="3" name="슬라이드 노트 개체 틀 2"/>
+          <p:cNvSpPr>
+            <a:spLocks noGrp="1"/>
+          </p:cNvSpPr>
+          <p:nvPr>
+            <p:ph type="body" idx="1"/>
+          </p:nvPr>
+        </p:nvSpPr>
+        <p:spPr/>
+        <p:txBody>
+          <a:bodyPr/>
+          <a:lstStyle/>
+          <a:p>
+            <a:endParaRPr lang="ko-KR" altLang="en-US" dirty="0"/>
+          </a:p>
+        </p:txBody>
+      </p:sp>
+      <p:sp>
+        <p:nvSpPr>
+          <p:cNvPr id="4" name="슬라이드 번호 개체 틀 3"/>
+          <p:cNvSpPr>
+            <a:spLocks noGrp="1"/>
+          </p:cNvSpPr>
+          <p:nvPr>
+            <p:ph type="sldNum" sz="quarter" idx="5"/>
+          </p:nvPr>
+        </p:nvSpPr>
+        <p:spPr/>
+        <p:txBody>
+          <a:bodyPr/>
+          <a:lstStyle/>
+          <a:p>
+            <a:fld id="{625D4AC4-540A-4436-887D-BF6A8FCF1275}" type="slidenum">
+              <a:rPr lang="ko-KR" altLang="en-US" smtClean="0"/>
+              <a:t>40</a:t>
+            </a:fld>
+            <a:endParaRPr lang="ko-KR" altLang="en-US"/>
+          </a:p>
+        </p:txBody>
+      </p:sp>
+    </p:spTree>
+    <p:extLst>
+      <p:ext uri="{BB962C8B-B14F-4D97-AF65-F5344CB8AC3E}">
+        <p14:creationId xmlns:p14="http://schemas.microsoft.com/office/powerpoint/2010/main" val="873420243"/>
+      </p:ext>
+    </p:extLst>
+  </p:cSld>
+  <p:clrMapOvr>
+    <a:masterClrMapping/>
+  </p:clrMapOvr>
+</p:notes>
+</file>
+
+<file path=ppt/notesSlides/notesSlide8.xml><?xml version="1.0" encoding="utf-8"?>
+<p:notes xmlns:a="http://schemas.openxmlformats.org/drawingml/2006/main" xmlns:r="http://schemas.openxmlformats.org/officeDocument/2006/relationships" xmlns:p="http://schemas.openxmlformats.org/presentationml/2006/main">
+  <p:cSld>
+    <p:spTree>
+      <p:nvGrpSpPr>
+        <p:cNvPr id="1" name=""/>
+        <p:cNvGrpSpPr/>
+        <p:nvPr/>
+      </p:nvGrpSpPr>
+      <p:grpSpPr>
+        <a:xfrm>
+          <a:off x="0" y="0"/>
+          <a:ext cx="0" cy="0"/>
+          <a:chOff x="0" y="0"/>
+          <a:chExt cx="0" cy="0"/>
+        </a:xfrm>
+      </p:grpSpPr>
+      <p:sp>
+        <p:nvSpPr>
+          <p:cNvPr id="2" name="슬라이드 이미지 개체 틀 1"/>
+          <p:cNvSpPr>
+            <a:spLocks noGrp="1" noRot="1" noChangeAspect="1"/>
+          </p:cNvSpPr>
+          <p:nvPr>
+            <p:ph type="sldImg"/>
+          </p:nvPr>
+        </p:nvSpPr>
+        <p:spPr/>
+      </p:sp>
+      <p:sp>
+        <p:nvSpPr>
+          <p:cNvPr id="3" name="슬라이드 노트 개체 틀 2"/>
+          <p:cNvSpPr>
+            <a:spLocks noGrp="1"/>
+          </p:cNvSpPr>
+          <p:nvPr>
+            <p:ph type="body" idx="1"/>
+          </p:nvPr>
+        </p:nvSpPr>
+        <p:spPr/>
+        <p:txBody>
+          <a:bodyPr/>
+          <a:lstStyle/>
+          <a:p>
+            <a:endParaRPr lang="ko-KR" altLang="en-US" dirty="0"/>
+          </a:p>
+        </p:txBody>
+      </p:sp>
+      <p:sp>
+        <p:nvSpPr>
+          <p:cNvPr id="4" name="슬라이드 번호 개체 틀 3"/>
+          <p:cNvSpPr>
+            <a:spLocks noGrp="1"/>
+          </p:cNvSpPr>
+          <p:nvPr>
+            <p:ph type="sldNum" sz="quarter" idx="5"/>
+          </p:nvPr>
+        </p:nvSpPr>
+        <p:spPr/>
+        <p:txBody>
+          <a:bodyPr/>
+          <a:lstStyle/>
+          <a:p>
+            <a:fld id="{625D4AC4-540A-4436-887D-BF6A8FCF1275}" type="slidenum">
+              <a:rPr lang="ko-KR" altLang="en-US" smtClean="0"/>
               <a:t>41</a:t>
             </a:fld>
             <a:endParaRPr lang="ko-KR" altLang="en-US"/>
@@ -1656,7 +1888,7 @@
           <a:p>
             <a:fld id="{30E72A5D-AC2D-4154-80BD-D3C3745E4EB5}" type="datetimeFigureOut">
               <a:rPr lang="ko-KR" altLang="en-US" smtClean="0"/>
-              <a:t>2021-04-12</a:t>
+              <a:t>2021-04-15</a:t>
             </a:fld>
             <a:endParaRPr lang="ko-KR" altLang="en-US"/>
           </a:p>
@@ -1869,7 +2101,7 @@
           <a:p>
             <a:fld id="{30E72A5D-AC2D-4154-80BD-D3C3745E4EB5}" type="datetimeFigureOut">
               <a:rPr lang="ko-KR" altLang="en-US" smtClean="0"/>
-              <a:t>2021-04-12</a:t>
+              <a:t>2021-04-15</a:t>
             </a:fld>
             <a:endParaRPr lang="ko-KR" altLang="en-US"/>
           </a:p>
@@ -5285,36 +5517,9 @@
           <a:p>
             <a:r>
               <a:rPr lang="ko-KR" altLang="en-US" dirty="0"/>
-              <a:t>저장소의 기본 </a:t>
-            </a:r>
-            <a:r>
-              <a:rPr lang="en-US" altLang="ko-KR" dirty="0"/>
-              <a:t>branch</a:t>
-            </a:r>
-            <a:r>
-              <a:rPr lang="ko-KR" altLang="en-US" dirty="0"/>
-              <a:t> 명칭 변경 </a:t>
-            </a:r>
-            <a:r>
-              <a:rPr lang="en-US" altLang="ko-KR" dirty="0"/>
-              <a:t>(</a:t>
-            </a:r>
-            <a:r>
-              <a:rPr lang="ko-KR" altLang="en-US" dirty="0"/>
-              <a:t>그냥 </a:t>
-            </a:r>
-            <a:r>
-              <a:rPr lang="en-US" altLang="ko-KR" dirty="0"/>
-              <a:t>main </a:t>
-            </a:r>
-            <a:r>
-              <a:rPr lang="ko-KR" altLang="en-US" dirty="0"/>
-              <a:t>으로 유지</a:t>
-            </a:r>
-            <a:r>
-              <a:rPr lang="en-US" altLang="ko-KR" dirty="0"/>
-              <a:t>)</a:t>
-            </a:r>
+              <a:t>저장소 만들기 </a:t>
+            </a:r>
+            <a:endParaRPr lang="en-US" altLang="ko-KR" dirty="0"/>
           </a:p>
         </p:txBody>
       </p:sp>
@@ -7455,7 +7660,7 @@
           <p:nvPr/>
         </p:nvPicPr>
         <p:blipFill>
-          <a:blip r:embed="rId2"/>
+          <a:blip r:embed="rId3"/>
           <a:stretch>
             <a:fillRect/>
           </a:stretch>
@@ -13435,28 +13640,10 @@
               <a:buAutoNum type="circleNumDbPlain"/>
             </a:pPr>
             <a:r>
-              <a:rPr lang="ko-KR" altLang="en-US" dirty="0">
-                <a:latin typeface="+mn-ea"/>
-              </a:rPr>
-              <a:t>나의 </a:t>
-            </a:r>
-            <a:r>
               <a:rPr lang="en-US" altLang="ko-KR" dirty="0">
                 <a:latin typeface="+mn-ea"/>
               </a:rPr>
-              <a:t>PC</a:t>
-            </a:r>
-            <a:r>
-              <a:rPr lang="ko-KR" altLang="en-US" dirty="0">
-                <a:latin typeface="+mn-ea"/>
-              </a:rPr>
-              <a:t>에</a:t>
-            </a:r>
-            <a:r>
-              <a:rPr lang="en-US" altLang="ko-KR" dirty="0">
-                <a:latin typeface="+mn-ea"/>
-              </a:rPr>
-              <a:t> school </a:t>
+              <a:t>school </a:t>
             </a:r>
             <a:r>
               <a:rPr lang="ko-KR" altLang="en-US" dirty="0">
@@ -13497,7 +13684,7 @@
               <a:rPr lang="ko-KR" altLang="en-US" dirty="0">
                 <a:latin typeface="+mn-ea"/>
               </a:rPr>
-              <a:t>화면위에서 </a:t>
+              <a:t>화면 위에서 </a:t>
             </a:r>
             <a:r>
               <a:rPr lang="en-US" altLang="ko-KR" dirty="0">
@@ -13602,19 +13789,7 @@
               <a:rPr lang="ko-KR" altLang="en-US" dirty="0">
                 <a:latin typeface="+mn-ea"/>
               </a:rPr>
-              <a:t>내용 </a:t>
-            </a:r>
-            <a:r>
-              <a:rPr lang="ko-KR" altLang="en-US" dirty="0" err="1">
-                <a:latin typeface="+mn-ea"/>
-              </a:rPr>
-              <a:t>첫줄</a:t>
-            </a:r>
-            <a:r>
-              <a:rPr lang="ko-KR" altLang="en-US" dirty="0">
-                <a:latin typeface="+mn-ea"/>
-              </a:rPr>
-              <a:t> </a:t>
+              <a:t>내용 첫 줄 </a:t>
             </a:r>
             <a:r>
               <a:rPr lang="en-US" altLang="ko-KR" dirty="0">
@@ -13719,6 +13894,84 @@
           </a:p>
         </p:txBody>
       </p:sp>
+      <p:pic>
+        <p:nvPicPr>
+          <p:cNvPr id="6" name="그림 5">
+            <a:extLst>
+              <a:ext uri="{FF2B5EF4-FFF2-40B4-BE49-F238E27FC236}">
+                <a16:creationId xmlns:a16="http://schemas.microsoft.com/office/drawing/2014/main" id="{813FB225-C1AF-4A2D-AD0C-0035123B6B70}"/>
+              </a:ext>
+            </a:extLst>
+          </p:cNvPr>
+          <p:cNvPicPr>
+            <a:picLocks noChangeAspect="1"/>
+          </p:cNvPicPr>
+          <p:nvPr/>
+        </p:nvPicPr>
+        <p:blipFill>
+          <a:blip r:embed="rId2"/>
+          <a:stretch>
+            <a:fillRect/>
+          </a:stretch>
+        </p:blipFill>
+        <p:spPr>
+          <a:xfrm>
+            <a:off x="6527555" y="3550201"/>
+            <a:ext cx="1809750" cy="1057275"/>
+          </a:xfrm>
+          <a:prstGeom prst="rect">
+            <a:avLst/>
+          </a:prstGeom>
+        </p:spPr>
+      </p:pic>
+      <p:cxnSp>
+        <p:nvCxnSpPr>
+          <p:cNvPr id="8" name="직선 화살표 연결선 7">
+            <a:extLst>
+              <a:ext uri="{FF2B5EF4-FFF2-40B4-BE49-F238E27FC236}">
+                <a16:creationId xmlns:a16="http://schemas.microsoft.com/office/drawing/2014/main" id="{A9D98E0C-28F5-4048-BC58-07E6DD1FC99C}"/>
+              </a:ext>
+            </a:extLst>
+          </p:cNvPr>
+          <p:cNvCxnSpPr>
+            <a:cxnSpLocks/>
+            <a:endCxn id="6" idx="1"/>
+          </p:cNvCxnSpPr>
+          <p:nvPr/>
+        </p:nvCxnSpPr>
+        <p:spPr>
+          <a:xfrm>
+            <a:off x="6039598" y="4025619"/>
+            <a:ext cx="487957" cy="53220"/>
+          </a:xfrm>
+          <a:prstGeom prst="straightConnector1">
+            <a:avLst/>
+          </a:prstGeom>
+          <a:ln w="25400">
+            <a:solidFill>
+              <a:schemeClr val="accent1">
+                <a:lumMod val="60000"/>
+                <a:lumOff val="40000"/>
+              </a:schemeClr>
+            </a:solidFill>
+            <a:tailEnd type="triangle"/>
+          </a:ln>
+        </p:spPr>
+        <p:style>
+          <a:lnRef idx="1">
+            <a:schemeClr val="accent1"/>
+          </a:lnRef>
+          <a:fillRef idx="0">
+            <a:schemeClr val="accent1"/>
+          </a:fillRef>
+          <a:effectRef idx="0">
+            <a:schemeClr val="accent1"/>
+          </a:effectRef>
+          <a:fontRef idx="minor">
+            <a:schemeClr val="tx1"/>
+          </a:fontRef>
+        </p:style>
+      </p:cxnSp>
     </p:spTree>
     <p:extLst>
       <p:ext uri="{BB962C8B-B14F-4D97-AF65-F5344CB8AC3E}">
@@ -14083,7 +14336,7 @@
               <a:rPr lang="en-US" altLang="ko-KR" dirty="0">
                 <a:latin typeface="+mn-ea"/>
               </a:rPr>
-              <a:t>bash out</a:t>
+              <a:t>bash exit</a:t>
             </a:r>
           </a:p>
           <a:p>
@@ -14399,28 +14652,10 @@
               <a:buAutoNum type="circleNumDbPlain"/>
             </a:pPr>
             <a:r>
-              <a:rPr lang="ko-KR" altLang="en-US" dirty="0">
-                <a:latin typeface="+mn-ea"/>
-              </a:rPr>
-              <a:t>나의 </a:t>
-            </a:r>
-            <a:r>
               <a:rPr lang="en-US" altLang="ko-KR" dirty="0">
                 <a:latin typeface="+mn-ea"/>
               </a:rPr>
-              <a:t>PC</a:t>
-            </a:r>
-            <a:r>
-              <a:rPr lang="ko-KR" altLang="en-US" dirty="0">
-                <a:latin typeface="+mn-ea"/>
-              </a:rPr>
-              <a:t>에</a:t>
-            </a:r>
-            <a:r>
-              <a:rPr lang="en-US" altLang="ko-KR" dirty="0">
-                <a:latin typeface="+mn-ea"/>
-              </a:rPr>
-              <a:t> home </a:t>
+              <a:t>home </a:t>
             </a:r>
             <a:r>
               <a:rPr lang="ko-KR" altLang="en-US" dirty="0">
@@ -14560,7 +14795,7 @@
               <a:rPr lang="en-US" altLang="ko-KR" dirty="0">
                 <a:latin typeface="+mn-ea"/>
               </a:rPr>
-              <a:t>   ☞ git pull origin main </a:t>
+              <a:t>   ☞ git </a:t>
             </a:r>
             <a:r>
               <a:rPr lang="en-US" altLang="ko-KR" dirty="0">
@@ -14569,26 +14804,62 @@
                 </a:solidFill>
                 <a:latin typeface="+mn-ea"/>
               </a:rPr>
-              <a:t>(--set-upstream</a:t>
+              <a:t>pull</a:t>
+            </a:r>
+            <a:r>
+              <a:rPr lang="en-US" altLang="ko-KR" dirty="0">
+                <a:latin typeface="+mn-ea"/>
+              </a:rPr>
+              <a:t> origin main # remote(origin)</a:t>
             </a:r>
             <a:r>
               <a:rPr lang="ko-KR" altLang="en-US" dirty="0">
-                <a:solidFill>
-                  <a:srgbClr val="FF0000"/>
-                </a:solidFill>
-                <a:latin typeface="+mn-ea"/>
-              </a:rPr>
-              <a:t> 추가 확인</a:t>
+                <a:latin typeface="+mn-ea"/>
+              </a:rPr>
+              <a:t> </a:t>
             </a:r>
             <a:r>
               <a:rPr lang="en-US" altLang="ko-KR" dirty="0">
-                <a:solidFill>
-                  <a:srgbClr val="FF0000"/>
-                </a:solidFill>
-                <a:latin typeface="+mn-ea"/>
-              </a:rPr>
-              <a:t>)</a:t>
-            </a:r>
+                <a:latin typeface="+mn-ea"/>
+              </a:rPr>
+              <a:t>main</a:t>
+            </a:r>
+            <a:r>
+              <a:rPr lang="ko-KR" altLang="en-US" dirty="0">
+                <a:latin typeface="+mn-ea"/>
+              </a:rPr>
+              <a:t> </a:t>
+            </a:r>
+            <a:r>
+              <a:rPr lang="en-US" altLang="ko-KR" dirty="0">
+                <a:latin typeface="+mn-ea"/>
+              </a:rPr>
+              <a:t>branch </a:t>
+            </a:r>
+            <a:r>
+              <a:rPr lang="ko-KR" altLang="en-US" dirty="0">
+                <a:latin typeface="+mn-ea"/>
+              </a:rPr>
+              <a:t>를</a:t>
+            </a:r>
+            <a:r>
+              <a:rPr lang="en-US" altLang="ko-KR" dirty="0">
+                <a:latin typeface="+mn-ea"/>
+              </a:rPr>
+              <a:t> </a:t>
+            </a:r>
+            <a:r>
+              <a:rPr lang="ko-KR" altLang="en-US" dirty="0">
+                <a:latin typeface="+mn-ea"/>
+              </a:rPr>
+              <a:t>내려 받기</a:t>
+            </a:r>
+            <a:endParaRPr lang="en-US" altLang="ko-KR" dirty="0">
+              <a:solidFill>
+                <a:srgbClr val="FF0000"/>
+              </a:solidFill>
+              <a:latin typeface="+mn-ea"/>
+            </a:endParaRPr>
           </a:p>
           <a:p>
             <a:pPr marL="266700" lvl="1" indent="0">
@@ -14808,6 +15079,83 @@
           </a:p>
         </p:txBody>
       </p:sp>
+      <p:cxnSp>
+        <p:nvCxnSpPr>
+          <p:cNvPr id="6" name="직선 화살표 연결선 5">
+            <a:extLst>
+              <a:ext uri="{FF2B5EF4-FFF2-40B4-BE49-F238E27FC236}">
+                <a16:creationId xmlns:a16="http://schemas.microsoft.com/office/drawing/2014/main" id="{51D110E9-AAE7-49C5-A461-F8332407BDA3}"/>
+              </a:ext>
+            </a:extLst>
+          </p:cNvPr>
+          <p:cNvCxnSpPr>
+            <a:cxnSpLocks/>
+          </p:cNvCxnSpPr>
+          <p:nvPr/>
+        </p:nvCxnSpPr>
+        <p:spPr>
+          <a:xfrm>
+            <a:off x="4796951" y="4435926"/>
+            <a:ext cx="1630592" cy="0"/>
+          </a:xfrm>
+          <a:prstGeom prst="straightConnector1">
+            <a:avLst/>
+          </a:prstGeom>
+          <a:ln w="25400">
+            <a:solidFill>
+              <a:schemeClr val="accent1">
+                <a:lumMod val="60000"/>
+                <a:lumOff val="40000"/>
+              </a:schemeClr>
+            </a:solidFill>
+            <a:tailEnd type="triangle"/>
+          </a:ln>
+        </p:spPr>
+        <p:style>
+          <a:lnRef idx="1">
+            <a:schemeClr val="accent1"/>
+          </a:lnRef>
+          <a:fillRef idx="0">
+            <a:schemeClr val="accent1"/>
+          </a:fillRef>
+          <a:effectRef idx="0">
+            <a:schemeClr val="accent1"/>
+          </a:effectRef>
+          <a:fontRef idx="minor">
+            <a:schemeClr val="tx1"/>
+          </a:fontRef>
+        </p:style>
+      </p:cxnSp>
+      <p:pic>
+        <p:nvPicPr>
+          <p:cNvPr id="9" name="그림 8">
+            <a:extLst>
+              <a:ext uri="{FF2B5EF4-FFF2-40B4-BE49-F238E27FC236}">
+                <a16:creationId xmlns:a16="http://schemas.microsoft.com/office/drawing/2014/main" id="{76D9E1CA-B181-4F5C-9555-8C6AC41039D3}"/>
+              </a:ext>
+            </a:extLst>
+          </p:cNvPr>
+          <p:cNvPicPr>
+            <a:picLocks noChangeAspect="1"/>
+          </p:cNvPicPr>
+          <p:nvPr/>
+        </p:nvPicPr>
+        <p:blipFill>
+          <a:blip r:embed="rId2"/>
+          <a:stretch>
+            <a:fillRect/>
+          </a:stretch>
+        </p:blipFill>
+        <p:spPr>
+          <a:xfrm>
+            <a:off x="6427543" y="3563815"/>
+            <a:ext cx="1695450" cy="1171575"/>
+          </a:xfrm>
+          <a:prstGeom prst="rect">
+            <a:avLst/>
+          </a:prstGeom>
+        </p:spPr>
+      </p:pic>
     </p:spTree>
     <p:extLst>
       <p:ext uri="{BB962C8B-B14F-4D97-AF65-F5344CB8AC3E}">
@@ -15068,9 +15416,7 @@
             <a:endParaRPr lang="en-US" altLang="ko-KR" dirty="0"/>
           </a:p>
           <a:p>
-            <a:pPr marL="266700" lvl="1" indent="0">
-              <a:buNone/>
-            </a:pPr>
+            <a:pPr lvl="1"/>
             <a:r>
               <a:rPr lang="ko-KR" altLang="en-US" dirty="0">
                 <a:latin typeface="+mn-ea"/>
@@ -15377,6 +15723,83 @@
           </a:p>
         </p:txBody>
       </p:sp>
+      <p:pic>
+        <p:nvPicPr>
+          <p:cNvPr id="5" name="그림 4">
+            <a:extLst>
+              <a:ext uri="{FF2B5EF4-FFF2-40B4-BE49-F238E27FC236}">
+                <a16:creationId xmlns:a16="http://schemas.microsoft.com/office/drawing/2014/main" id="{2B87BC9D-E3B6-43E5-9961-85A7A54C96D4}"/>
+              </a:ext>
+            </a:extLst>
+          </p:cNvPr>
+          <p:cNvPicPr>
+            <a:picLocks noChangeAspect="1"/>
+          </p:cNvPicPr>
+          <p:nvPr/>
+        </p:nvPicPr>
+        <p:blipFill>
+          <a:blip r:embed="rId4"/>
+          <a:stretch>
+            <a:fillRect/>
+          </a:stretch>
+        </p:blipFill>
+        <p:spPr>
+          <a:xfrm>
+            <a:off x="5864103" y="2653568"/>
+            <a:ext cx="1800225" cy="1162050"/>
+          </a:xfrm>
+          <a:prstGeom prst="rect">
+            <a:avLst/>
+          </a:prstGeom>
+        </p:spPr>
+      </p:pic>
+      <p:cxnSp>
+        <p:nvCxnSpPr>
+          <p:cNvPr id="8" name="직선 화살표 연결선 7">
+            <a:extLst>
+              <a:ext uri="{FF2B5EF4-FFF2-40B4-BE49-F238E27FC236}">
+                <a16:creationId xmlns:a16="http://schemas.microsoft.com/office/drawing/2014/main" id="{E1526071-8681-4667-8A41-1D6A41DBD572}"/>
+              </a:ext>
+            </a:extLst>
+          </p:cNvPr>
+          <p:cNvCxnSpPr>
+            <a:cxnSpLocks/>
+          </p:cNvCxnSpPr>
+          <p:nvPr/>
+        </p:nvCxnSpPr>
+        <p:spPr>
+          <a:xfrm>
+            <a:off x="4902459" y="3287064"/>
+            <a:ext cx="961644" cy="141936"/>
+          </a:xfrm>
+          <a:prstGeom prst="straightConnector1">
+            <a:avLst/>
+          </a:prstGeom>
+          <a:ln w="25400">
+            <a:solidFill>
+              <a:schemeClr val="accent1">
+                <a:lumMod val="60000"/>
+                <a:lumOff val="40000"/>
+              </a:schemeClr>
+            </a:solidFill>
+            <a:tailEnd type="triangle"/>
+          </a:ln>
+        </p:spPr>
+        <p:style>
+          <a:lnRef idx="1">
+            <a:schemeClr val="accent1"/>
+          </a:lnRef>
+          <a:fillRef idx="0">
+            <a:schemeClr val="accent1"/>
+          </a:fillRef>
+          <a:effectRef idx="0">
+            <a:schemeClr val="accent1"/>
+          </a:effectRef>
+          <a:fontRef idx="minor">
+            <a:schemeClr val="tx1"/>
+          </a:fontRef>
+        </p:style>
+      </p:cxnSp>
     </p:spTree>
     <p:extLst>
       <p:ext uri="{BB962C8B-B14F-4D97-AF65-F5344CB8AC3E}">
@@ -15637,14 +16060,30 @@
             <a:endParaRPr lang="en-US" altLang="ko-KR" dirty="0"/>
           </a:p>
           <a:p>
-            <a:pPr marL="266700" lvl="1" indent="0">
-              <a:buNone/>
-            </a:pPr>
+            <a:pPr lvl="1"/>
             <a:r>
               <a:rPr lang="ko-KR" altLang="en-US" dirty="0">
                 <a:latin typeface="+mn-ea"/>
               </a:rPr>
-              <a:t>학교에서 다시 작업</a:t>
+              <a:t>학교에서 다시 작업 </a:t>
+            </a:r>
+            <a:r>
+              <a:rPr lang="en-US" altLang="ko-KR" dirty="0">
+                <a:latin typeface="+mn-ea"/>
+              </a:rPr>
+              <a:t>(</a:t>
+            </a:r>
+            <a:r>
+              <a:rPr lang="ko-KR" altLang="en-US" dirty="0">
+                <a:latin typeface="+mn-ea"/>
+              </a:rPr>
+              <a:t>계속</a:t>
+            </a:r>
+            <a:r>
+              <a:rPr lang="en-US" altLang="ko-KR" dirty="0">
+                <a:latin typeface="+mn-ea"/>
+              </a:rPr>
+              <a:t>)</a:t>
             </a:r>
             <a:endParaRPr lang="en-US" altLang="ko-KR" dirty="0">
               <a:solidFill>
@@ -15654,45 +16093,6 @@
             </a:endParaRPr>
           </a:p>
           <a:p>
-            <a:pPr marL="539750" lvl="1" indent="-273050">
-              <a:buFont typeface="+mj-ea"/>
-              <a:buAutoNum type="circleNumDbPlain"/>
-            </a:pPr>
-            <a:r>
-              <a:rPr lang="ko-KR" altLang="en-US" dirty="0">
-                <a:latin typeface="+mn-ea"/>
-              </a:rPr>
-              <a:t>다음날</a:t>
-            </a:r>
-            <a:r>
-              <a:rPr lang="en-US" altLang="ko-KR" dirty="0">
-                <a:latin typeface="+mn-ea"/>
-              </a:rPr>
-              <a:t> </a:t>
-            </a:r>
-            <a:r>
-              <a:rPr lang="ko-KR" altLang="en-US" dirty="0">
-                <a:latin typeface="+mn-ea"/>
-              </a:rPr>
-              <a:t>가정하여</a:t>
-            </a:r>
-            <a:r>
-              <a:rPr lang="en-US" altLang="ko-KR" dirty="0">
-                <a:latin typeface="+mn-ea"/>
-              </a:rPr>
-              <a:t>, school </a:t>
-            </a:r>
-            <a:r>
-              <a:rPr lang="ko-KR" altLang="en-US" dirty="0">
-                <a:latin typeface="+mn-ea"/>
-              </a:rPr>
-              <a:t>폴더 내에서 실행</a:t>
-            </a:r>
-            <a:endParaRPr lang="en-US" altLang="ko-KR" dirty="0">
-              <a:latin typeface="+mn-ea"/>
-            </a:endParaRPr>
-          </a:p>
-          <a:p>
             <a:pPr marL="266700" lvl="1" indent="0">
               <a:buNone/>
             </a:pPr>
@@ -15700,7 +16100,7 @@
               <a:rPr lang="en-US" altLang="ko-KR" dirty="0">
                 <a:latin typeface="+mn-ea"/>
               </a:rPr>
-              <a:t>   ☞ git pull</a:t>
+              <a:t>    ☞ git pull</a:t>
             </a:r>
             <a:r>
               <a:rPr lang="ko-KR" altLang="en-US" dirty="0">
@@ -15823,7 +16223,7 @@
         </p:blipFill>
         <p:spPr>
           <a:xfrm>
-            <a:off x="1019175" y="2857500"/>
+            <a:off x="1019175" y="2494087"/>
             <a:ext cx="7105650" cy="571500"/>
           </a:xfrm>
           <a:prstGeom prst="rect">
@@ -15845,7 +16245,7 @@
         </p:nvSpPr>
         <p:spPr>
           <a:xfrm>
-            <a:off x="1019175" y="3010870"/>
+            <a:off x="1019175" y="2647457"/>
             <a:ext cx="5065102" cy="177807"/>
           </a:xfrm>
           <a:prstGeom prst="rect">
@@ -15908,7 +16308,7 @@
         </p:blipFill>
         <p:spPr>
           <a:xfrm>
-            <a:off x="948837" y="3871294"/>
+            <a:off x="948837" y="3507881"/>
             <a:ext cx="4438650" cy="2190750"/>
           </a:xfrm>
           <a:prstGeom prst="rect">
@@ -15938,7 +16338,7 @@
         </p:blipFill>
         <p:spPr>
           <a:xfrm>
-            <a:off x="6366133" y="4160836"/>
+            <a:off x="6366133" y="3797423"/>
             <a:ext cx="1895475" cy="1304925"/>
           </a:xfrm>
           <a:prstGeom prst="rect">
@@ -15962,7 +16362,7 @@
         </p:nvCxnSpPr>
         <p:spPr>
           <a:xfrm>
-            <a:off x="2532185" y="4677508"/>
+            <a:off x="2532185" y="4314095"/>
             <a:ext cx="3704492" cy="135790"/>
           </a:xfrm>
           <a:prstGeom prst="straightConnector1">
@@ -16003,7 +16403,7 @@
         </p:nvCxnSpPr>
         <p:spPr>
           <a:xfrm flipV="1">
-            <a:off x="2379785" y="4966550"/>
+            <a:off x="2379785" y="4603137"/>
             <a:ext cx="3856892" cy="703011"/>
           </a:xfrm>
           <a:prstGeom prst="straightConnector1">
@@ -16044,7 +16444,7 @@
         </p:nvCxnSpPr>
         <p:spPr>
           <a:xfrm>
-            <a:off x="2441834" y="4868299"/>
+            <a:off x="2441834" y="4504886"/>
             <a:ext cx="3794843" cy="285644"/>
           </a:xfrm>
           <a:prstGeom prst="straightConnector1">
@@ -16504,14 +16904,30 @@
             <a:endParaRPr lang="en-US" altLang="ko-KR" dirty="0"/>
           </a:p>
           <a:p>
-            <a:pPr marL="266700" lvl="1" indent="0">
-              <a:buNone/>
-            </a:pPr>
+            <a:pPr lvl="1"/>
             <a:r>
               <a:rPr lang="ko-KR" altLang="en-US" dirty="0">
                 <a:latin typeface="+mn-ea"/>
               </a:rPr>
-              <a:t>학교에서 다시 작업</a:t>
+              <a:t>학교에서 다시 작업 </a:t>
+            </a:r>
+            <a:r>
+              <a:rPr lang="en-US" altLang="ko-KR" dirty="0">
+                <a:latin typeface="+mn-ea"/>
+              </a:rPr>
+              <a:t>(</a:t>
+            </a:r>
+            <a:r>
+              <a:rPr lang="ko-KR" altLang="en-US" dirty="0">
+                <a:latin typeface="+mn-ea"/>
+              </a:rPr>
+              <a:t>계속</a:t>
+            </a:r>
+            <a:r>
+              <a:rPr lang="en-US" altLang="ko-KR" dirty="0">
+                <a:latin typeface="+mn-ea"/>
+              </a:rPr>
+              <a:t>)</a:t>
             </a:r>
             <a:endParaRPr lang="en-US" altLang="ko-KR" dirty="0">
               <a:solidFill>
@@ -16519,24 +16935,6 @@
               </a:solidFill>
               <a:latin typeface="+mn-ea"/>
             </a:endParaRPr>
-          </a:p>
-          <a:p>
-            <a:pPr marL="539750" lvl="1" indent="-273050">
-              <a:buFont typeface="+mj-ea"/>
-              <a:buAutoNum type="circleNumDbPlain" startAt="2"/>
-            </a:pPr>
-            <a:r>
-              <a:rPr lang="ko-KR" altLang="en-US" dirty="0">
-                <a:latin typeface="+mn-ea"/>
-              </a:rPr>
-              <a:t>계속</a:t>
-            </a:r>
-            <a:r>
-              <a:rPr lang="en-US" altLang="ko-KR" dirty="0">
-                <a:latin typeface="+mn-ea"/>
-              </a:rPr>
-              <a:t>,</a:t>
-            </a:r>
           </a:p>
           <a:p>
             <a:pPr marL="266700" lvl="1" indent="0">
@@ -16666,7 +17064,7 @@
         </p:nvSpPr>
         <p:spPr>
           <a:xfrm>
-            <a:off x="1359568" y="4644022"/>
+            <a:off x="796864" y="4608853"/>
             <a:ext cx="5101076" cy="338554"/>
           </a:xfrm>
           <a:prstGeom prst="rect">
@@ -17032,19 +17430,7 @@
               <a:rPr lang="ko-KR" altLang="en-US" dirty="0">
                 <a:latin typeface="+mn-ea"/>
               </a:rPr>
-              <a:t>홈 화면 </a:t>
-            </a:r>
-            <a:r>
-              <a:rPr lang="ko-KR" altLang="en-US" dirty="0" err="1">
-                <a:latin typeface="+mn-ea"/>
-              </a:rPr>
-              <a:t>왼쪽위</a:t>
-            </a:r>
-            <a:r>
-              <a:rPr lang="ko-KR" altLang="en-US" dirty="0">
-                <a:latin typeface="+mn-ea"/>
-              </a:rPr>
-              <a:t> </a:t>
+              <a:t>홈 화면 왼쪽 위 </a:t>
             </a:r>
             <a:r>
               <a:rPr lang="en-US" altLang="ko-KR" dirty="0" err="1">
@@ -17186,12 +17572,18 @@
             </a:r>
             <a:r>
               <a:rPr lang="ko-KR" altLang="en-US" dirty="0">
+                <a:solidFill>
+                  <a:srgbClr val="0000FF"/>
+                </a:solidFill>
                 <a:latin typeface="+mn-ea"/>
               </a:rPr>
               <a:t>삭제하고자 하는 </a:t>
             </a:r>
             <a:r>
               <a:rPr lang="en-US" altLang="ko-KR" dirty="0">
+                <a:solidFill>
+                  <a:srgbClr val="0000FF"/>
+                </a:solidFill>
                 <a:latin typeface="+mn-ea"/>
               </a:rPr>
               <a:t>repo </a:t>
@@ -17843,411 +18235,6 @@
     <p:extLst>
       <p:ext uri="{BB962C8B-B14F-4D97-AF65-F5344CB8AC3E}">
         <p14:creationId xmlns:p14="http://schemas.microsoft.com/office/powerpoint/2010/main" val="2760732152"/>
-      </p:ext>
-    </p:extLst>
-  </p:cSld>
-  <p:clrMapOvr>
-    <a:masterClrMapping/>
-  </p:clrMapOvr>
-</p:sld>
-</file>
-
-<file path=ppt/slides/slide42.xml><?xml version="1.0" encoding="utf-8"?>
-<p:sld xmlns:a="http://schemas.openxmlformats.org/drawingml/2006/main" xmlns:r="http://schemas.openxmlformats.org/officeDocument/2006/relationships" xmlns:p="http://schemas.openxmlformats.org/presentationml/2006/main">
-  <p:cSld>
-    <p:spTree>
-      <p:nvGrpSpPr>
-        <p:cNvPr id="1" name=""/>
-        <p:cNvGrpSpPr/>
-        <p:nvPr/>
-      </p:nvGrpSpPr>
-      <p:grpSpPr>
-        <a:xfrm>
-          <a:off x="0" y="0"/>
-          <a:ext cx="0" cy="0"/>
-          <a:chOff x="0" y="0"/>
-          <a:chExt cx="0" cy="0"/>
-        </a:xfrm>
-      </p:grpSpPr>
-      <p:sp>
-        <p:nvSpPr>
-          <p:cNvPr id="4" name="제목 3">
-            <a:extLst>
-              <a:ext uri="{FF2B5EF4-FFF2-40B4-BE49-F238E27FC236}">
-                <a16:creationId xmlns:a16="http://schemas.microsoft.com/office/drawing/2014/main" id="{F0CEB32B-CB43-4410-BA08-A97E4BC47FCB}"/>
-              </a:ext>
-            </a:extLst>
-          </p:cNvPr>
-          <p:cNvSpPr>
-            <a:spLocks noGrp="1"/>
-          </p:cNvSpPr>
-          <p:nvPr>
-            <p:ph type="title"/>
-          </p:nvPr>
-        </p:nvSpPr>
-        <p:spPr/>
-        <p:txBody>
-          <a:bodyPr/>
-          <a:lstStyle/>
-          <a:p>
-            <a:r>
-              <a:rPr lang="ko-KR" altLang="en-US" dirty="0" err="1"/>
-              <a:t>원격저장소</a:t>
-            </a:r>
-            <a:r>
-              <a:rPr lang="ko-KR" altLang="en-US" dirty="0"/>
-              <a:t> 자료 확인</a:t>
-            </a:r>
-          </a:p>
-        </p:txBody>
-      </p:sp>
-      <p:sp>
-        <p:nvSpPr>
-          <p:cNvPr id="7" name="내용 개체 틀 2">
-            <a:extLst>
-              <a:ext uri="{FF2B5EF4-FFF2-40B4-BE49-F238E27FC236}">
-                <a16:creationId xmlns:a16="http://schemas.microsoft.com/office/drawing/2014/main" id="{A44AC902-3746-40D6-9827-94B46EEDDC67}"/>
-              </a:ext>
-            </a:extLst>
-          </p:cNvPr>
-          <p:cNvSpPr txBox="1">
-            <a:spLocks/>
-          </p:cNvSpPr>
-          <p:nvPr/>
-        </p:nvSpPr>
-        <p:spPr>
-          <a:xfrm>
-            <a:off x="341787" y="1120544"/>
-            <a:ext cx="8642350" cy="3692755"/>
-          </a:xfrm>
-          <a:prstGeom prst="rect">
-            <a:avLst/>
-          </a:prstGeom>
-        </p:spPr>
-        <p:txBody>
-          <a:bodyPr vert="horz" lIns="91440" tIns="45720" rIns="91440" bIns="45720" rtlCol="0">
-            <a:noAutofit/>
-          </a:bodyPr>
-          <a:lstStyle>
-            <a:lvl1pPr marL="266700" indent="-266700" defTabSz="914400" latinLnBrk="1">
-              <a:lnSpc>
-                <a:spcPct val="150000"/>
-              </a:lnSpc>
-              <a:spcBef>
-                <a:spcPct val="0"/>
-              </a:spcBef>
-              <a:buClr>
-                <a:schemeClr val="tx1">
-                  <a:lumMod val="65000"/>
-                  <a:lumOff val="35000"/>
-                </a:schemeClr>
-              </a:buClr>
-              <a:buFont typeface="Wingdings" pitchFamily="2" charset="2"/>
-              <a:buChar char="n"/>
-              <a:defRPr sz="2000" b="1">
-                <a:latin typeface="+mn-ea"/>
-              </a:defRPr>
-            </a:lvl1pPr>
-            <a:lvl2pPr marL="447675" lvl="1" indent="-180975" defTabSz="914400" latinLnBrk="1">
-              <a:lnSpc>
-                <a:spcPct val="150000"/>
-              </a:lnSpc>
-              <a:spcBef>
-                <a:spcPts val="0"/>
-              </a:spcBef>
-              <a:spcAft>
-                <a:spcPts val="0"/>
-              </a:spcAft>
-              <a:buClr>
-                <a:schemeClr val="tx1">
-                  <a:lumMod val="50000"/>
-                  <a:lumOff val="50000"/>
-                </a:schemeClr>
-              </a:buClr>
-              <a:buFont typeface="Wingdings" pitchFamily="2" charset="2"/>
-              <a:buChar char="§"/>
-              <a:defRPr sz="1600"/>
-            </a:lvl2pPr>
-            <a:lvl3pPr marL="628650" indent="-180975" defTabSz="914400" latinLnBrk="1">
-              <a:lnSpc>
-                <a:spcPct val="150000"/>
-              </a:lnSpc>
-              <a:spcBef>
-                <a:spcPts val="500"/>
-              </a:spcBef>
-              <a:spcAft>
-                <a:spcPts val="300"/>
-              </a:spcAft>
-              <a:buClr>
-                <a:schemeClr val="tx1">
-                  <a:lumMod val="65000"/>
-                  <a:lumOff val="35000"/>
-                </a:schemeClr>
-              </a:buClr>
-              <a:buFont typeface="Arial" panose="020B0604020202020204" pitchFamily="34" charset="0"/>
-              <a:buChar char="•"/>
-              <a:defRPr sz="1400"/>
-            </a:lvl3pPr>
-            <a:lvl4pPr marL="809625" indent="-180975" defTabSz="914400" latinLnBrk="1">
-              <a:lnSpc>
-                <a:spcPct val="150000"/>
-              </a:lnSpc>
-              <a:spcBef>
-                <a:spcPts val="500"/>
-              </a:spcBef>
-              <a:spcAft>
-                <a:spcPts val="300"/>
-              </a:spcAft>
-              <a:buClr>
-                <a:schemeClr val="tx1">
-                  <a:lumMod val="65000"/>
-                  <a:lumOff val="35000"/>
-                </a:schemeClr>
-              </a:buClr>
-              <a:buSzPct val="96000"/>
-              <a:buFont typeface="Arial" panose="020B0604020202020204" pitchFamily="34" charset="0"/>
-              <a:buChar char="•"/>
-              <a:defRPr sz="1200"/>
-            </a:lvl4pPr>
-            <a:lvl5pPr marL="990600" indent="-180975" defTabSz="914400" latinLnBrk="1">
-              <a:lnSpc>
-                <a:spcPct val="150000"/>
-              </a:lnSpc>
-              <a:spcBef>
-                <a:spcPts val="500"/>
-              </a:spcBef>
-              <a:buClr>
-                <a:schemeClr val="tx1">
-                  <a:lumMod val="65000"/>
-                  <a:lumOff val="35000"/>
-                </a:schemeClr>
-              </a:buClr>
-              <a:buFont typeface="Arial" panose="020B0604020202020204" pitchFamily="34" charset="0"/>
-              <a:buChar char="•"/>
-              <a:defRPr sz="1000"/>
-            </a:lvl5pPr>
-            <a:lvl6pPr marL="2514600" indent="-228600" defTabSz="914400" latinLnBrk="1">
-              <a:lnSpc>
-                <a:spcPct val="90000"/>
-              </a:lnSpc>
-              <a:spcBef>
-                <a:spcPts val="500"/>
-              </a:spcBef>
-              <a:buFont typeface="Arial" panose="020B0604020202020204" pitchFamily="34" charset="0"/>
-              <a:buChar char="•"/>
-            </a:lvl6pPr>
-            <a:lvl7pPr marL="2971800" indent="-228600" defTabSz="914400" latinLnBrk="1">
-              <a:lnSpc>
-                <a:spcPct val="90000"/>
-              </a:lnSpc>
-              <a:spcBef>
-                <a:spcPts val="500"/>
-              </a:spcBef>
-              <a:buFont typeface="Arial" panose="020B0604020202020204" pitchFamily="34" charset="0"/>
-              <a:buChar char="•"/>
-            </a:lvl7pPr>
-            <a:lvl8pPr marL="3429000" indent="-228600" defTabSz="914400" latinLnBrk="1">
-              <a:lnSpc>
-                <a:spcPct val="90000"/>
-              </a:lnSpc>
-              <a:spcBef>
-                <a:spcPts val="500"/>
-              </a:spcBef>
-              <a:buFont typeface="Arial" panose="020B0604020202020204" pitchFamily="34" charset="0"/>
-              <a:buChar char="•"/>
-            </a:lvl8pPr>
-            <a:lvl9pPr marL="3886200" indent="-228600" defTabSz="914400" latinLnBrk="1">
-              <a:lnSpc>
-                <a:spcPct val="90000"/>
-              </a:lnSpc>
-              <a:spcBef>
-                <a:spcPts val="500"/>
-              </a:spcBef>
-              <a:buFont typeface="Arial" panose="020B0604020202020204" pitchFamily="34" charset="0"/>
-              <a:buChar char="•"/>
-            </a:lvl9pPr>
-          </a:lstStyle>
-          <a:p>
-            <a:r>
-              <a:rPr lang="ko-KR" altLang="en-US" dirty="0" err="1"/>
-              <a:t>원격저장소</a:t>
-            </a:r>
-            <a:r>
-              <a:rPr lang="en-US" altLang="ko-KR" dirty="0"/>
-              <a:t>(</a:t>
-            </a:r>
-            <a:r>
-              <a:rPr lang="en-US" altLang="ko-KR" dirty="0" err="1"/>
-              <a:t>Github</a:t>
-            </a:r>
-            <a:r>
-              <a:rPr lang="en-US" altLang="ko-KR" dirty="0"/>
-              <a:t>)</a:t>
-            </a:r>
-            <a:r>
-              <a:rPr lang="ko-KR" altLang="en-US" dirty="0"/>
-              <a:t>에서 확인하기 </a:t>
-            </a:r>
-            <a:r>
-              <a:rPr lang="en-US" altLang="ko-KR" dirty="0"/>
-              <a:t>(</a:t>
-            </a:r>
-            <a:r>
-              <a:rPr lang="ko-KR" altLang="en-US" dirty="0"/>
-              <a:t>연습해 보기</a:t>
-            </a:r>
-            <a:r>
-              <a:rPr lang="en-US" altLang="ko-KR" dirty="0"/>
-              <a:t>)</a:t>
-            </a:r>
-          </a:p>
-          <a:p>
-            <a:pPr lvl="1"/>
-            <a:r>
-              <a:rPr lang="ko-KR" altLang="en-US" dirty="0">
-                <a:latin typeface="+mn-ea"/>
-              </a:rPr>
-              <a:t>로컬 </a:t>
-            </a:r>
-            <a:r>
-              <a:rPr lang="en-US" altLang="ko-KR" dirty="0">
-                <a:latin typeface="+mn-ea"/>
-              </a:rPr>
-              <a:t>working directory(</a:t>
-            </a:r>
-            <a:r>
-              <a:rPr lang="en-US" altLang="ko-KR" dirty="0" err="1">
-                <a:latin typeface="+mn-ea"/>
-              </a:rPr>
-              <a:t>gitplace</a:t>
-            </a:r>
-            <a:r>
-              <a:rPr lang="en-US" altLang="ko-KR" dirty="0">
-                <a:latin typeface="+mn-ea"/>
-              </a:rPr>
-              <a:t>)</a:t>
-            </a:r>
-            <a:r>
-              <a:rPr lang="ko-KR" altLang="en-US" dirty="0">
-                <a:latin typeface="+mn-ea"/>
-              </a:rPr>
-              <a:t>에서 아무런 내용이나 변경 수정하고</a:t>
-            </a:r>
-            <a:endParaRPr lang="en-US" altLang="ko-KR" dirty="0">
-              <a:latin typeface="+mn-ea"/>
-            </a:endParaRPr>
-          </a:p>
-          <a:p>
-            <a:pPr marL="266700" lvl="1" indent="0">
-              <a:buNone/>
-            </a:pPr>
-            <a:r>
-              <a:rPr lang="en-US" altLang="ko-KR" dirty="0">
-                <a:latin typeface="+mn-ea"/>
-              </a:rPr>
-              <a:t>   - </a:t>
-            </a:r>
-            <a:r>
-              <a:rPr lang="ko-KR" altLang="en-US" dirty="0" err="1">
-                <a:latin typeface="+mn-ea"/>
-              </a:rPr>
-              <a:t>브랜치</a:t>
-            </a:r>
-            <a:r>
-              <a:rPr lang="ko-KR" altLang="en-US" dirty="0">
-                <a:latin typeface="+mn-ea"/>
-              </a:rPr>
-              <a:t> 별로 아래 명령 연습</a:t>
-            </a:r>
-            <a:endParaRPr lang="en-US" altLang="ko-KR" dirty="0">
-              <a:latin typeface="+mn-ea"/>
-            </a:endParaRPr>
-          </a:p>
-          <a:p>
-            <a:pPr marL="266700" lvl="1" indent="0">
-              <a:buNone/>
-            </a:pPr>
-            <a:r>
-              <a:rPr lang="en-US" altLang="ko-KR" dirty="0">
-                <a:latin typeface="+mn-ea"/>
-              </a:rPr>
-              <a:t>   ☞ git checkout</a:t>
-            </a:r>
-          </a:p>
-          <a:p>
-            <a:pPr marL="266700" lvl="1" indent="0">
-              <a:buNone/>
-            </a:pPr>
-            <a:r>
-              <a:rPr lang="en-US" altLang="ko-KR" dirty="0">
-                <a:latin typeface="+mn-ea"/>
-              </a:rPr>
-              <a:t>   ☞ git add</a:t>
-            </a:r>
-          </a:p>
-          <a:p>
-            <a:pPr marL="266700" lvl="1" indent="0">
-              <a:buNone/>
-            </a:pPr>
-            <a:r>
-              <a:rPr lang="en-US" altLang="ko-KR" dirty="0">
-                <a:latin typeface="+mn-ea"/>
-              </a:rPr>
-              <a:t>   ☞ git commit –m </a:t>
-            </a:r>
-          </a:p>
-          <a:p>
-            <a:pPr marL="266700" lvl="1" indent="0">
-              <a:buNone/>
-            </a:pPr>
-            <a:r>
-              <a:rPr lang="en-US" altLang="ko-KR" dirty="0">
-                <a:latin typeface="+mn-ea"/>
-              </a:rPr>
-              <a:t>   ☞ git log –branches –</a:t>
-            </a:r>
-            <a:r>
-              <a:rPr lang="en-US" altLang="ko-KR" dirty="0" err="1">
-                <a:latin typeface="+mn-ea"/>
-              </a:rPr>
-              <a:t>oneline</a:t>
-            </a:r>
-            <a:r>
-              <a:rPr lang="en-US" altLang="ko-KR" dirty="0">
-                <a:latin typeface="+mn-ea"/>
-              </a:rPr>
-              <a:t> --branches</a:t>
-            </a:r>
-          </a:p>
-          <a:p>
-            <a:pPr marL="266700" lvl="1" indent="0">
-              <a:buNone/>
-            </a:pPr>
-            <a:r>
-              <a:rPr lang="en-US" altLang="ko-KR" dirty="0">
-                <a:latin typeface="+mn-ea"/>
-              </a:rPr>
-              <a:t>   ☞ git push</a:t>
-            </a:r>
-          </a:p>
-          <a:p>
-            <a:pPr lvl="1"/>
-            <a:r>
-              <a:rPr lang="ko-KR" altLang="en-US" dirty="0">
-                <a:latin typeface="+mn-ea"/>
-              </a:rPr>
-              <a:t>원격 저장소 변경 내용 확인</a:t>
-            </a:r>
-            <a:endParaRPr lang="en-US" altLang="ko-KR" dirty="0">
-              <a:latin typeface="+mn-ea"/>
-            </a:endParaRPr>
-          </a:p>
-        </p:txBody>
-      </p:sp>
-    </p:spTree>
-    <p:extLst>
-      <p:ext uri="{BB962C8B-B14F-4D97-AF65-F5344CB8AC3E}">
-        <p14:creationId xmlns:p14="http://schemas.microsoft.com/office/powerpoint/2010/main" val="2225593882"/>
       </p:ext>
     </p:extLst>
   </p:cSld>

--- a/git및github첫걸음2-원격저장소만들기.pptx
+++ b/git및github첫걸음2-원격저장소만들기.pptx
@@ -807,38 +807,6 @@
           <a:bodyPr/>
           <a:lstStyle/>
           <a:p>
-            <a:r>
-              <a:rPr lang="ko-KR" altLang="en-US" dirty="0"/>
-              <a:t>왜 </a:t>
-            </a:r>
-            <a:r>
-              <a:rPr lang="en-US" altLang="ko-KR" dirty="0"/>
-              <a:t>main</a:t>
-            </a:r>
-            <a:r>
-              <a:rPr lang="ko-KR" altLang="en-US" dirty="0"/>
-              <a:t>만 올라가게 됨</a:t>
-            </a:r>
-            <a:r>
-              <a:rPr lang="en-US" altLang="ko-KR" dirty="0"/>
-              <a:t>. </a:t>
-            </a:r>
-            <a:r>
-              <a:rPr lang="ko-KR" altLang="en-US" dirty="0"/>
-              <a:t>따라서 로컬 </a:t>
-            </a:r>
-            <a:r>
-              <a:rPr lang="ko-KR" altLang="en-US" dirty="0" err="1"/>
-              <a:t>브랜치는</a:t>
-            </a:r>
-            <a:r>
-              <a:rPr lang="ko-KR" altLang="en-US" dirty="0"/>
-              <a:t> 필요한 경우에 직접 올려야 함</a:t>
-            </a:r>
-            <a:r>
-              <a:rPr lang="en-US" altLang="ko-KR" dirty="0"/>
-              <a:t>.</a:t>
-            </a:r>
             <a:endParaRPr lang="ko-KR" altLang="en-US" dirty="0"/>
           </a:p>
         </p:txBody>
@@ -923,7 +891,10 @@
           <a:bodyPr/>
           <a:lstStyle/>
           <a:p>
-            <a:endParaRPr lang="ko-KR" altLang="en-US" dirty="0"/>
+            <a:r>
+              <a:rPr lang="ko-KR" altLang="en-US" dirty="0"/>
+              <a:t>다음 시간 실습을 위하여 각자의 이름으로 저장소명 작성</a:t>
+            </a:r>
           </a:p>
         </p:txBody>
       </p:sp>
@@ -944,7 +915,7 @@
           <a:p>
             <a:fld id="{625D4AC4-540A-4436-887D-BF6A8FCF1275}" type="slidenum">
               <a:rPr lang="ko-KR" altLang="en-US" smtClean="0"/>
-              <a:t>36</a:t>
+              <a:t>35</a:t>
             </a:fld>
             <a:endParaRPr lang="ko-KR" altLang="en-US"/>
           </a:p>
@@ -953,7 +924,7 @@
     </p:spTree>
     <p:extLst>
       <p:ext uri="{BB962C8B-B14F-4D97-AF65-F5344CB8AC3E}">
-        <p14:creationId xmlns:p14="http://schemas.microsoft.com/office/powerpoint/2010/main" val="3082882597"/>
+        <p14:creationId xmlns:p14="http://schemas.microsoft.com/office/powerpoint/2010/main" val="347524560"/>
       </p:ext>
     </p:extLst>
   </p:cSld>
@@ -1007,32 +978,6 @@
           <a:bodyPr/>
           <a:lstStyle/>
           <a:p>
-            <a:r>
-              <a:rPr lang="ko-KR" altLang="en-US" dirty="0"/>
-              <a:t>집에서 작업한 것을 잊고 그냥 작업을 했을 경우 원격저장소의 내용과 상이할 경우 발생</a:t>
-            </a:r>
-            <a:r>
-              <a:rPr lang="en-US" altLang="ko-KR" dirty="0"/>
-              <a:t>.</a:t>
-            </a:r>
-          </a:p>
-          <a:p>
-            <a:r>
-              <a:rPr lang="ko-KR" altLang="en-US" dirty="0"/>
-              <a:t>따라서 항상 </a:t>
-            </a:r>
-            <a:r>
-              <a:rPr lang="en-US" altLang="ko-KR" dirty="0"/>
-              <a:t>pull </a:t>
-            </a:r>
-            <a:r>
-              <a:rPr lang="ko-KR" altLang="en-US" dirty="0"/>
-              <a:t>먼저 실시해야 함</a:t>
-            </a:r>
-            <a:r>
-              <a:rPr lang="en-US" altLang="ko-KR" dirty="0"/>
-              <a:t>.</a:t>
-            </a:r>
             <a:endParaRPr lang="ko-KR" altLang="en-US" dirty="0"/>
           </a:p>
         </p:txBody>
@@ -1054,7 +999,7 @@
           <a:p>
             <a:fld id="{625D4AC4-540A-4436-887D-BF6A8FCF1275}" type="slidenum">
               <a:rPr lang="ko-KR" altLang="en-US" smtClean="0"/>
-              <a:t>38</a:t>
+              <a:t>36</a:t>
             </a:fld>
             <a:endParaRPr lang="ko-KR" altLang="en-US"/>
           </a:p>
@@ -1063,7 +1008,7 @@
     </p:spTree>
     <p:extLst>
       <p:ext uri="{BB962C8B-B14F-4D97-AF65-F5344CB8AC3E}">
-        <p14:creationId xmlns:p14="http://schemas.microsoft.com/office/powerpoint/2010/main" val="4026611260"/>
+        <p14:creationId xmlns:p14="http://schemas.microsoft.com/office/powerpoint/2010/main" val="3082882597"/>
       </p:ext>
     </p:extLst>
   </p:cSld>
@@ -1117,6 +1062,32 @@
           <a:bodyPr/>
           <a:lstStyle/>
           <a:p>
+            <a:r>
+              <a:rPr lang="ko-KR" altLang="en-US" dirty="0"/>
+              <a:t>집에서 작업한 것을 잊고 그냥 작업을 했을 경우 원격저장소의 내용과 상이할 경우 발생</a:t>
+            </a:r>
+            <a:r>
+              <a:rPr lang="en-US" altLang="ko-KR" dirty="0"/>
+              <a:t>.</a:t>
+            </a:r>
+          </a:p>
+          <a:p>
+            <a:r>
+              <a:rPr lang="ko-KR" altLang="en-US" dirty="0"/>
+              <a:t>따라서 항상 </a:t>
+            </a:r>
+            <a:r>
+              <a:rPr lang="en-US" altLang="ko-KR" dirty="0"/>
+              <a:t>pull </a:t>
+            </a:r>
+            <a:r>
+              <a:rPr lang="ko-KR" altLang="en-US" dirty="0"/>
+              <a:t>먼저 실시해야 함</a:t>
+            </a:r>
+            <a:r>
+              <a:rPr lang="en-US" altLang="ko-KR" dirty="0"/>
+              <a:t>.</a:t>
+            </a:r>
             <a:endParaRPr lang="ko-KR" altLang="en-US" dirty="0"/>
           </a:p>
         </p:txBody>
@@ -1138,7 +1109,7 @@
           <a:p>
             <a:fld id="{625D4AC4-540A-4436-887D-BF6A8FCF1275}" type="slidenum">
               <a:rPr lang="ko-KR" altLang="en-US" smtClean="0"/>
-              <a:t>39</a:t>
+              <a:t>38</a:t>
             </a:fld>
             <a:endParaRPr lang="ko-KR" altLang="en-US"/>
           </a:p>
@@ -1147,7 +1118,7 @@
     </p:spTree>
     <p:extLst>
       <p:ext uri="{BB962C8B-B14F-4D97-AF65-F5344CB8AC3E}">
-        <p14:creationId xmlns:p14="http://schemas.microsoft.com/office/powerpoint/2010/main" val="2765970928"/>
+        <p14:creationId xmlns:p14="http://schemas.microsoft.com/office/powerpoint/2010/main" val="4026611260"/>
       </p:ext>
     </p:extLst>
   </p:cSld>
@@ -1222,6 +1193,90 @@
           <a:p>
             <a:fld id="{625D4AC4-540A-4436-887D-BF6A8FCF1275}" type="slidenum">
               <a:rPr lang="ko-KR" altLang="en-US" smtClean="0"/>
+              <a:t>39</a:t>
+            </a:fld>
+            <a:endParaRPr lang="ko-KR" altLang="en-US"/>
+          </a:p>
+        </p:txBody>
+      </p:sp>
+    </p:spTree>
+    <p:extLst>
+      <p:ext uri="{BB962C8B-B14F-4D97-AF65-F5344CB8AC3E}">
+        <p14:creationId xmlns:p14="http://schemas.microsoft.com/office/powerpoint/2010/main" val="2765970928"/>
+      </p:ext>
+    </p:extLst>
+  </p:cSld>
+  <p:clrMapOvr>
+    <a:masterClrMapping/>
+  </p:clrMapOvr>
+</p:notes>
+</file>
+
+<file path=ppt/notesSlides/notesSlide8.xml><?xml version="1.0" encoding="utf-8"?>
+<p:notes xmlns:a="http://schemas.openxmlformats.org/drawingml/2006/main" xmlns:r="http://schemas.openxmlformats.org/officeDocument/2006/relationships" xmlns:p="http://schemas.openxmlformats.org/presentationml/2006/main">
+  <p:cSld>
+    <p:spTree>
+      <p:nvGrpSpPr>
+        <p:cNvPr id="1" name=""/>
+        <p:cNvGrpSpPr/>
+        <p:nvPr/>
+      </p:nvGrpSpPr>
+      <p:grpSpPr>
+        <a:xfrm>
+          <a:off x="0" y="0"/>
+          <a:ext cx="0" cy="0"/>
+          <a:chOff x="0" y="0"/>
+          <a:chExt cx="0" cy="0"/>
+        </a:xfrm>
+      </p:grpSpPr>
+      <p:sp>
+        <p:nvSpPr>
+          <p:cNvPr id="2" name="슬라이드 이미지 개체 틀 1"/>
+          <p:cNvSpPr>
+            <a:spLocks noGrp="1" noRot="1" noChangeAspect="1"/>
+          </p:cNvSpPr>
+          <p:nvPr>
+            <p:ph type="sldImg"/>
+          </p:nvPr>
+        </p:nvSpPr>
+        <p:spPr/>
+      </p:sp>
+      <p:sp>
+        <p:nvSpPr>
+          <p:cNvPr id="3" name="슬라이드 노트 개체 틀 2"/>
+          <p:cNvSpPr>
+            <a:spLocks noGrp="1"/>
+          </p:cNvSpPr>
+          <p:nvPr>
+            <p:ph type="body" idx="1"/>
+          </p:nvPr>
+        </p:nvSpPr>
+        <p:spPr/>
+        <p:txBody>
+          <a:bodyPr/>
+          <a:lstStyle/>
+          <a:p>
+            <a:endParaRPr lang="ko-KR" altLang="en-US" dirty="0"/>
+          </a:p>
+        </p:txBody>
+      </p:sp>
+      <p:sp>
+        <p:nvSpPr>
+          <p:cNvPr id="4" name="슬라이드 번호 개체 틀 3"/>
+          <p:cNvSpPr>
+            <a:spLocks noGrp="1"/>
+          </p:cNvSpPr>
+          <p:nvPr>
+            <p:ph type="sldNum" sz="quarter" idx="5"/>
+          </p:nvPr>
+        </p:nvSpPr>
+        <p:spPr/>
+        <p:txBody>
+          <a:bodyPr/>
+          <a:lstStyle/>
+          <a:p>
+            <a:fld id="{625D4AC4-540A-4436-887D-BF6A8FCF1275}" type="slidenum">
+              <a:rPr lang="ko-KR" altLang="en-US" smtClean="0"/>
               <a:t>40</a:t>
             </a:fld>
             <a:endParaRPr lang="ko-KR" altLang="en-US"/>
@@ -1241,7 +1296,7 @@
 </p:notes>
 </file>
 
-<file path=ppt/notesSlides/notesSlide8.xml><?xml version="1.0" encoding="utf-8"?>
+<file path=ppt/notesSlides/notesSlide9.xml><?xml version="1.0" encoding="utf-8"?>
 <p:notes xmlns:a="http://schemas.openxmlformats.org/drawingml/2006/main" xmlns:r="http://schemas.openxmlformats.org/officeDocument/2006/relationships" xmlns:p="http://schemas.openxmlformats.org/presentationml/2006/main">
   <p:cSld>
     <p:spTree>
@@ -9562,19 +9617,7 @@
               <a:rPr lang="en-US" altLang="ko-KR" dirty="0">
                 <a:latin typeface="+mn-ea"/>
               </a:rPr>
-              <a:t>  ☞ </a:t>
-            </a:r>
-            <a:r>
-              <a:rPr lang="en-US" altLang="ko-KR" dirty="0" err="1">
-                <a:latin typeface="+mn-ea"/>
-              </a:rPr>
-              <a:t>git</a:t>
-            </a:r>
-            <a:r>
-              <a:rPr lang="en-US" altLang="ko-KR" dirty="0">
-                <a:latin typeface="+mn-ea"/>
-              </a:rPr>
-              <a:t> </a:t>
+              <a:t>  ☞ git </a:t>
             </a:r>
             <a:r>
               <a:rPr lang="en-US" altLang="ko-KR" dirty="0">
@@ -9583,7 +9626,7 @@
                 </a:solidFill>
                 <a:latin typeface="+mn-ea"/>
               </a:rPr>
-              <a:t>push –u origin main </a:t>
+              <a:t>push -u origin main </a:t>
             </a:r>
             <a:r>
               <a:rPr lang="en-US" altLang="ko-KR" dirty="0">
@@ -12390,7 +12433,7 @@
               <a:rPr lang="en-US" altLang="ko-KR" dirty="0">
                 <a:latin typeface="+mn-ea"/>
               </a:rPr>
-              <a:t>    ☞ git push –u origin feature-1</a:t>
+              <a:t>    ☞ git push -u origin feature-1</a:t>
             </a:r>
           </a:p>
           <a:p>
@@ -12504,29 +12547,8 @@
               <a:rPr lang="en-US" altLang="ko-KR" dirty="0">
                 <a:latin typeface="+mn-ea"/>
               </a:rPr>
-              <a:t>     ☞ </a:t>
-            </a:r>
-            <a:r>
-              <a:rPr lang="en-US" altLang="ko-KR" dirty="0" err="1">
-                <a:latin typeface="+mn-ea"/>
-              </a:rPr>
-              <a:t>git</a:t>
-            </a:r>
-            <a:r>
-              <a:rPr lang="en-US" altLang="ko-KR" dirty="0">
-                <a:latin typeface="+mn-ea"/>
-              </a:rPr>
-              <a:t> push –all { -</a:t>
-            </a:r>
-            <a:r>
-              <a:rPr lang="en-US" altLang="ko-KR">
-                <a:latin typeface="+mn-ea"/>
-              </a:rPr>
-              <a:t>u origin }</a:t>
-            </a:r>
-            <a:endParaRPr lang="en-US" altLang="ko-KR" dirty="0">
-              <a:latin typeface="+mn-ea"/>
-            </a:endParaRPr>
+              <a:t>     ☞ git push -all { -u origin }</a:t>
+            </a:r>
           </a:p>
           <a:p>
             <a:pPr marL="266700" lvl="1" indent="0">
@@ -13437,7 +13459,7 @@
         <p:spPr>
           <a:xfrm>
             <a:off x="341787" y="1120544"/>
-            <a:ext cx="8642350" cy="4812423"/>
+            <a:ext cx="8642350" cy="5186471"/>
           </a:xfrm>
           <a:prstGeom prst="rect">
             <a:avLst/>
@@ -13733,7 +13755,7 @@
               <a:rPr lang="en-US" altLang="ko-KR" dirty="0">
                 <a:latin typeface="+mn-ea"/>
               </a:rPr>
-              <a:t>   ☞ git branch –M main # </a:t>
+              <a:t>   ☞ git branch -M main # </a:t>
             </a:r>
             <a:r>
               <a:rPr lang="ko-KR" altLang="en-US" dirty="0" err="1">
@@ -13829,7 +13851,7 @@
               <a:rPr lang="en-US" altLang="ko-KR" dirty="0">
                 <a:latin typeface="+mn-ea"/>
               </a:rPr>
-              <a:t>   ☞ git commit –m ‘commit from school’</a:t>
+              <a:t>   ☞ git commit -m ‘commit from school’</a:t>
             </a:r>
           </a:p>
           <a:p>
@@ -13873,7 +13895,15 @@
             </a:r>
             <a:r>
               <a:rPr lang="en-US" altLang="ko-KR" sz="1600" b="0" dirty="0"/>
-              <a:t>: homework)</a:t>
+              <a:t>: </a:t>
+            </a:r>
+            <a:r>
+              <a:rPr lang="en-US" altLang="ko-KR" sz="1600" b="0" dirty="0" err="1"/>
+              <a:t>daniel-hw</a:t>
+            </a:r>
+            <a:r>
+              <a:rPr lang="en-US" altLang="ko-KR" sz="1600" b="0" dirty="0"/>
+              <a:t>)</a:t>
             </a:r>
           </a:p>
           <a:p>
@@ -13909,7 +13939,7 @@
           <p:nvPr/>
         </p:nvPicPr>
         <p:blipFill>
-          <a:blip r:embed="rId2"/>
+          <a:blip r:embed="rId3"/>
           <a:stretch>
             <a:fillRect/>
           </a:stretch>
@@ -13972,6 +14002,108 @@
           </a:fontRef>
         </p:style>
       </p:cxnSp>
+      <p:sp>
+        <p:nvSpPr>
+          <p:cNvPr id="2" name="TextBox 1">
+            <a:extLst>
+              <a:ext uri="{FF2B5EF4-FFF2-40B4-BE49-F238E27FC236}">
+                <a16:creationId xmlns:a16="http://schemas.microsoft.com/office/drawing/2014/main" id="{1962E2BF-926A-47DE-A0A0-9476264AA050}"/>
+              </a:ext>
+            </a:extLst>
+          </p:cNvPr>
+          <p:cNvSpPr txBox="1"/>
+          <p:nvPr/>
+        </p:nvSpPr>
+        <p:spPr>
+          <a:xfrm>
+            <a:off x="2774601" y="5625005"/>
+            <a:ext cx="6027612" cy="584775"/>
+          </a:xfrm>
+          <a:prstGeom prst="rect">
+            <a:avLst/>
+          </a:prstGeom>
+          <a:noFill/>
+        </p:spPr>
+        <p:txBody>
+          <a:bodyPr wrap="none" rtlCol="0">
+            <a:spAutoFit/>
+          </a:bodyPr>
+          <a:lstStyle/>
+          <a:p>
+            <a:r>
+              <a:rPr lang="en-US" altLang="ko-KR" sz="1600" i="1" dirty="0">
+                <a:solidFill>
+                  <a:srgbClr val="333300"/>
+                </a:solidFill>
+                <a:latin typeface="+mn-ea"/>
+              </a:rPr>
+              <a:t>※ </a:t>
+            </a:r>
+            <a:r>
+              <a:rPr lang="ko-KR" altLang="en-US" sz="1600" i="1" dirty="0">
+                <a:solidFill>
+                  <a:srgbClr val="333300"/>
+                </a:solidFill>
+                <a:latin typeface="+mn-ea"/>
+              </a:rPr>
+              <a:t>여러분들은 각자의 이름을 사용하여 저장소 이름을 정합니다</a:t>
+            </a:r>
+            <a:r>
+              <a:rPr lang="en-US" altLang="ko-KR" sz="1600" i="1" dirty="0">
+                <a:solidFill>
+                  <a:srgbClr val="333300"/>
+                </a:solidFill>
+                <a:latin typeface="+mn-ea"/>
+              </a:rPr>
+              <a:t>.</a:t>
+            </a:r>
+          </a:p>
+          <a:p>
+            <a:r>
+              <a:rPr lang="en-US" altLang="ko-KR" sz="1600" i="1" dirty="0">
+                <a:solidFill>
+                  <a:srgbClr val="333300"/>
+                </a:solidFill>
+                <a:latin typeface="+mn-ea"/>
+              </a:rPr>
+              <a:t>     </a:t>
+            </a:r>
+            <a:r>
+              <a:rPr lang="ko-KR" altLang="en-US" sz="1600" i="1" dirty="0">
+                <a:solidFill>
+                  <a:srgbClr val="333300"/>
+                </a:solidFill>
+                <a:latin typeface="+mn-ea"/>
+              </a:rPr>
+              <a:t>예</a:t>
+            </a:r>
+            <a:r>
+              <a:rPr lang="en-US" altLang="ko-KR" sz="1600" i="1" dirty="0">
+                <a:solidFill>
+                  <a:srgbClr val="333300"/>
+                </a:solidFill>
+                <a:latin typeface="+mn-ea"/>
+              </a:rPr>
+              <a:t>: </a:t>
+            </a:r>
+            <a:r>
+              <a:rPr lang="en-US" altLang="ko-KR" sz="1600" i="1" dirty="0" err="1">
+                <a:solidFill>
+                  <a:srgbClr val="333300"/>
+                </a:solidFill>
+                <a:latin typeface="+mn-ea"/>
+              </a:rPr>
+              <a:t>gildonghong-hw</a:t>
+            </a:r>
+            <a:endParaRPr lang="ko-KR" altLang="en-US" sz="1600" i="1" dirty="0">
+              <a:solidFill>
+                <a:srgbClr val="333300"/>
+              </a:solidFill>
+              <a:latin typeface="+mn-ea"/>
+            </a:endParaRPr>
+          </a:p>
+        </p:txBody>
+      </p:sp>
     </p:spTree>
     <p:extLst>
       <p:ext uri="{BB962C8B-B14F-4D97-AF65-F5344CB8AC3E}">
@@ -14292,7 +14424,7 @@
               <a:rPr lang="en-US" altLang="ko-KR" dirty="0">
                 <a:latin typeface="+mn-ea"/>
               </a:rPr>
-              <a:t>   ☞ git remote –v # remote</a:t>
+              <a:t>   ☞ git remote -v # remote</a:t>
             </a:r>
             <a:r>
               <a:rPr lang="ko-KR" altLang="en-US" dirty="0">
@@ -14312,7 +14444,7 @@
               <a:rPr lang="en-US" altLang="ko-KR" dirty="0">
                 <a:latin typeface="+mn-ea"/>
               </a:rPr>
-              <a:t>   ☞ git push –u origin main</a:t>
+              <a:t>   ☞ git push -u origin main</a:t>
             </a:r>
           </a:p>
           <a:p>
@@ -15006,19 +15138,7 @@
               <a:rPr lang="en-US" altLang="ko-KR" dirty="0">
                 <a:latin typeface="+mn-ea"/>
               </a:rPr>
-              <a:t>   ☞ </a:t>
-            </a:r>
-            <a:r>
-              <a:rPr lang="en-US" altLang="ko-KR" dirty="0" err="1">
-                <a:latin typeface="+mn-ea"/>
-              </a:rPr>
-              <a:t>git</a:t>
-            </a:r>
-            <a:r>
-              <a:rPr lang="en-US" altLang="ko-KR" dirty="0">
-                <a:latin typeface="+mn-ea"/>
-              </a:rPr>
-              <a:t> commit –m ‘commit from home’</a:t>
+              <a:t>   ☞ git commit -m ‘commit from home’</a:t>
             </a:r>
           </a:p>
           <a:p>
@@ -15029,7 +15149,7 @@
               <a:rPr lang="en-US" altLang="ko-KR" dirty="0">
                 <a:latin typeface="+mn-ea"/>
               </a:rPr>
-              <a:t>   ☞ git push –u origin main</a:t>
+              <a:t>   ☞ git push -u origin main</a:t>
             </a:r>
           </a:p>
           <a:p>
@@ -15186,6 +15306,36 @@
           <a:chExt cx="0" cy="0"/>
         </a:xfrm>
       </p:grpSpPr>
+      <p:pic>
+        <p:nvPicPr>
+          <p:cNvPr id="9" name="그림 8">
+            <a:extLst>
+              <a:ext uri="{FF2B5EF4-FFF2-40B4-BE49-F238E27FC236}">
+                <a16:creationId xmlns:a16="http://schemas.microsoft.com/office/drawing/2014/main" id="{04390EF2-E0CF-4F40-AB9D-F1BD63916124}"/>
+              </a:ext>
+            </a:extLst>
+          </p:cNvPr>
+          <p:cNvPicPr>
+            <a:picLocks noChangeAspect="1"/>
+          </p:cNvPicPr>
+          <p:nvPr/>
+        </p:nvPicPr>
+        <p:blipFill>
+          <a:blip r:embed="rId3"/>
+          <a:stretch>
+            <a:fillRect/>
+          </a:stretch>
+        </p:blipFill>
+        <p:spPr>
+          <a:xfrm>
+            <a:off x="981943" y="4595800"/>
+            <a:ext cx="7581900" cy="1552575"/>
+          </a:xfrm>
+          <a:prstGeom prst="rect">
+            <a:avLst/>
+          </a:prstGeom>
+        </p:spPr>
+      </p:pic>
       <p:sp>
         <p:nvSpPr>
           <p:cNvPr id="4" name="제목 3">
@@ -15614,7 +15764,7 @@
               <a:rPr lang="en-US" altLang="ko-KR" dirty="0">
                 <a:latin typeface="+mn-ea"/>
               </a:rPr>
-              <a:t>   ☞ git commit –m ‘2nd commit from school’</a:t>
+              <a:t>   ☞ git commit -m ‘2nd commit from school’</a:t>
             </a:r>
           </a:p>
           <a:p>
@@ -15638,36 +15788,6 @@
           </a:p>
         </p:txBody>
       </p:sp>
-      <p:pic>
-        <p:nvPicPr>
-          <p:cNvPr id="3" name="그림 2">
-            <a:extLst>
-              <a:ext uri="{FF2B5EF4-FFF2-40B4-BE49-F238E27FC236}">
-                <a16:creationId xmlns:a16="http://schemas.microsoft.com/office/drawing/2014/main" id="{0DBDA1C5-44ED-4443-A8E3-F41B362976C8}"/>
-              </a:ext>
-            </a:extLst>
-          </p:cNvPr>
-          <p:cNvPicPr>
-            <a:picLocks noChangeAspect="1"/>
-          </p:cNvPicPr>
-          <p:nvPr/>
-        </p:nvPicPr>
-        <p:blipFill>
-          <a:blip r:embed="rId3"/>
-          <a:stretch>
-            <a:fillRect/>
-          </a:stretch>
-        </p:blipFill>
-        <p:spPr>
-          <a:xfrm>
-            <a:off x="1004155" y="4584456"/>
-            <a:ext cx="7534275" cy="1581150"/>
-          </a:xfrm>
-          <a:prstGeom prst="rect">
-            <a:avLst/>
-          </a:prstGeom>
-        </p:spPr>
-      </p:pic>
       <p:sp>
         <p:nvSpPr>
           <p:cNvPr id="6" name="직사각형 5">
@@ -15830,6 +15950,66 @@
           <a:chExt cx="0" cy="0"/>
         </a:xfrm>
       </p:grpSpPr>
+      <p:pic>
+        <p:nvPicPr>
+          <p:cNvPr id="6" name="그림 5">
+            <a:extLst>
+              <a:ext uri="{FF2B5EF4-FFF2-40B4-BE49-F238E27FC236}">
+                <a16:creationId xmlns:a16="http://schemas.microsoft.com/office/drawing/2014/main" id="{BDBF277C-F422-4085-9456-AA811E29559D}"/>
+              </a:ext>
+            </a:extLst>
+          </p:cNvPr>
+          <p:cNvPicPr>
+            <a:picLocks noChangeAspect="1"/>
+          </p:cNvPicPr>
+          <p:nvPr/>
+        </p:nvPicPr>
+        <p:blipFill>
+          <a:blip r:embed="rId3"/>
+          <a:stretch>
+            <a:fillRect/>
+          </a:stretch>
+        </p:blipFill>
+        <p:spPr>
+          <a:xfrm>
+            <a:off x="1133170" y="4118033"/>
+            <a:ext cx="4324350" cy="1743075"/>
+          </a:xfrm>
+          <a:prstGeom prst="rect">
+            <a:avLst/>
+          </a:prstGeom>
+        </p:spPr>
+      </p:pic>
+      <p:pic>
+        <p:nvPicPr>
+          <p:cNvPr id="3" name="그림 2">
+            <a:extLst>
+              <a:ext uri="{FF2B5EF4-FFF2-40B4-BE49-F238E27FC236}">
+                <a16:creationId xmlns:a16="http://schemas.microsoft.com/office/drawing/2014/main" id="{EC4EA6A9-B7A4-40A9-A933-84655F4B7D58}"/>
+              </a:ext>
+            </a:extLst>
+          </p:cNvPr>
+          <p:cNvPicPr>
+            <a:picLocks noChangeAspect="1"/>
+          </p:cNvPicPr>
+          <p:nvPr/>
+        </p:nvPicPr>
+        <p:blipFill>
+          <a:blip r:embed="rId4"/>
+          <a:stretch>
+            <a:fillRect/>
+          </a:stretch>
+        </p:blipFill>
+        <p:spPr>
+          <a:xfrm>
+            <a:off x="1082186" y="2382352"/>
+            <a:ext cx="7143750" cy="1038225"/>
+          </a:xfrm>
+          <a:prstGeom prst="rect">
+            <a:avLst/>
+          </a:prstGeom>
+        </p:spPr>
+      </p:pic>
       <p:sp>
         <p:nvSpPr>
           <p:cNvPr id="4" name="제목 3">
@@ -16135,102 +16315,80 @@
             <a:pPr marL="266700" lvl="1" indent="0">
               <a:buNone/>
             </a:pPr>
-            <a:r>
-              <a:rPr lang="en-US" altLang="ko-KR" dirty="0">
-                <a:latin typeface="+mn-ea"/>
-              </a:rPr>
-              <a:t>    - working</a:t>
-            </a:r>
-            <a:r>
-              <a:rPr lang="ko-KR" altLang="en-US" dirty="0">
-                <a:latin typeface="+mn-ea"/>
-              </a:rPr>
-              <a:t> </a:t>
-            </a:r>
-            <a:r>
-              <a:rPr lang="en-US" altLang="ko-KR" dirty="0">
-                <a:latin typeface="+mn-ea"/>
-              </a:rPr>
-              <a:t>directory</a:t>
-            </a:r>
-            <a:r>
-              <a:rPr lang="ko-KR" altLang="en-US" dirty="0">
-                <a:latin typeface="+mn-ea"/>
-              </a:rPr>
-              <a:t>에서 </a:t>
-            </a:r>
-            <a:r>
-              <a:rPr lang="en-US" altLang="ko-KR" dirty="0">
-                <a:latin typeface="+mn-ea"/>
-              </a:rPr>
-              <a:t>program.txt </a:t>
-            </a:r>
-            <a:r>
-              <a:rPr lang="ko-KR" altLang="en-US" dirty="0">
-                <a:latin typeface="+mn-ea"/>
-              </a:rPr>
-              <a:t>수정</a:t>
-            </a:r>
-            <a:r>
-              <a:rPr lang="en-US" altLang="ko-KR" dirty="0">
-                <a:latin typeface="+mn-ea"/>
-              </a:rPr>
-              <a:t>, </a:t>
-            </a:r>
-            <a:r>
-              <a:rPr lang="ko-KR" altLang="en-US" dirty="0">
-                <a:latin typeface="+mn-ea"/>
-              </a:rPr>
-              <a:t>저장</a:t>
-            </a:r>
-            <a:r>
-              <a:rPr lang="en-US" altLang="ko-KR" dirty="0">
-                <a:latin typeface="+mn-ea"/>
-              </a:rPr>
-              <a:t>, </a:t>
-            </a:r>
-            <a:r>
-              <a:rPr lang="ko-KR" altLang="en-US" dirty="0">
-                <a:latin typeface="+mn-ea"/>
-              </a:rPr>
-              <a:t>닫기</a:t>
-            </a:r>
             <a:endParaRPr lang="en-US" altLang="ko-KR" dirty="0">
               <a:latin typeface="+mn-ea"/>
             </a:endParaRPr>
           </a:p>
+          <a:p>
+            <a:pPr marL="266700" lvl="1" indent="0">
+              <a:buNone/>
+            </a:pPr>
+            <a:r>
+              <a:rPr lang="en-US" altLang="ko-KR" dirty="0">
+                <a:latin typeface="+mn-ea"/>
+              </a:rPr>
+              <a:t>    - working</a:t>
+            </a:r>
+            <a:r>
+              <a:rPr lang="ko-KR" altLang="en-US" dirty="0">
+                <a:latin typeface="+mn-ea"/>
+              </a:rPr>
+              <a:t> </a:t>
+            </a:r>
+            <a:r>
+              <a:rPr lang="en-US" altLang="ko-KR" dirty="0">
+                <a:latin typeface="+mn-ea"/>
+              </a:rPr>
+              <a:t>directory</a:t>
+            </a:r>
+            <a:r>
+              <a:rPr lang="ko-KR" altLang="en-US" dirty="0">
+                <a:latin typeface="+mn-ea"/>
+              </a:rPr>
+              <a:t>에서 </a:t>
+            </a:r>
+            <a:r>
+              <a:rPr lang="en-US" altLang="ko-KR" dirty="0">
+                <a:latin typeface="+mn-ea"/>
+              </a:rPr>
+              <a:t>program.txt </a:t>
+            </a:r>
+            <a:r>
+              <a:rPr lang="ko-KR" altLang="en-US" dirty="0">
+                <a:latin typeface="+mn-ea"/>
+              </a:rPr>
+              <a:t>수정</a:t>
+            </a:r>
+            <a:r>
+              <a:rPr lang="en-US" altLang="ko-KR" dirty="0">
+                <a:latin typeface="+mn-ea"/>
+              </a:rPr>
+              <a:t>, </a:t>
+            </a:r>
+            <a:r>
+              <a:rPr lang="ko-KR" altLang="en-US" dirty="0">
+                <a:latin typeface="+mn-ea"/>
+              </a:rPr>
+              <a:t>저장</a:t>
+            </a:r>
+            <a:r>
+              <a:rPr lang="en-US" altLang="ko-KR" dirty="0">
+                <a:latin typeface="+mn-ea"/>
+              </a:rPr>
+              <a:t>, </a:t>
+            </a:r>
+            <a:r>
+              <a:rPr lang="ko-KR" altLang="en-US" dirty="0">
+                <a:latin typeface="+mn-ea"/>
+              </a:rPr>
+              <a:t>닫기</a:t>
+            </a:r>
+            <a:endParaRPr lang="en-US" altLang="ko-KR" dirty="0">
+              <a:latin typeface="+mn-ea"/>
+            </a:endParaRPr>
+          </a:p>
         </p:txBody>
       </p:sp>
-      <p:pic>
-        <p:nvPicPr>
-          <p:cNvPr id="9" name="그림 8">
-            <a:extLst>
-              <a:ext uri="{FF2B5EF4-FFF2-40B4-BE49-F238E27FC236}">
-                <a16:creationId xmlns:a16="http://schemas.microsoft.com/office/drawing/2014/main" id="{B6605EA3-05B5-45DA-8FE6-B2EB0E5960BB}"/>
-              </a:ext>
-            </a:extLst>
-          </p:cNvPr>
-          <p:cNvPicPr>
-            <a:picLocks noChangeAspect="1"/>
-          </p:cNvPicPr>
-          <p:nvPr/>
-        </p:nvPicPr>
-        <p:blipFill>
-          <a:blip r:embed="rId3"/>
-          <a:stretch>
-            <a:fillRect/>
-          </a:stretch>
-        </p:blipFill>
-        <p:spPr>
-          <a:xfrm>
-            <a:off x="1019175" y="2494087"/>
-            <a:ext cx="7105650" cy="571500"/>
-          </a:xfrm>
-          <a:prstGeom prst="rect">
-            <a:avLst/>
-          </a:prstGeom>
-        </p:spPr>
-      </p:pic>
       <p:sp>
         <p:nvSpPr>
           <p:cNvPr id="10" name="직사각형 9">
@@ -16245,7 +16403,7 @@
         </p:nvSpPr>
         <p:spPr>
           <a:xfrm>
-            <a:off x="1019175" y="2647457"/>
+            <a:off x="1066067" y="2553673"/>
             <a:ext cx="5065102" cy="177807"/>
           </a:xfrm>
           <a:prstGeom prst="rect">
@@ -16286,36 +16444,6 @@
           </a:p>
         </p:txBody>
       </p:sp>
-      <p:pic>
-        <p:nvPicPr>
-          <p:cNvPr id="12" name="그림 11">
-            <a:extLst>
-              <a:ext uri="{FF2B5EF4-FFF2-40B4-BE49-F238E27FC236}">
-                <a16:creationId xmlns:a16="http://schemas.microsoft.com/office/drawing/2014/main" id="{D8BB9646-1AD9-4E33-9B7F-2CDBB0A21748}"/>
-              </a:ext>
-            </a:extLst>
-          </p:cNvPr>
-          <p:cNvPicPr>
-            <a:picLocks noChangeAspect="1"/>
-          </p:cNvPicPr>
-          <p:nvPr/>
-        </p:nvPicPr>
-        <p:blipFill>
-          <a:blip r:embed="rId4"/>
-          <a:stretch>
-            <a:fillRect/>
-          </a:stretch>
-        </p:blipFill>
-        <p:spPr>
-          <a:xfrm>
-            <a:off x="948837" y="3507881"/>
-            <a:ext cx="4438650" cy="2190750"/>
-          </a:xfrm>
-          <a:prstGeom prst="rect">
-            <a:avLst/>
-          </a:prstGeom>
-        </p:spPr>
-      </p:pic>
       <p:pic>
         <p:nvPicPr>
           <p:cNvPr id="14" name="그림 13">
@@ -16338,7 +16466,7 @@
         </p:blipFill>
         <p:spPr>
           <a:xfrm>
-            <a:off x="6366133" y="3797423"/>
+            <a:off x="6366133" y="4219451"/>
             <a:ext cx="1895475" cy="1304925"/>
           </a:xfrm>
           <a:prstGeom prst="rect">
@@ -16362,7 +16490,7 @@
         </p:nvCxnSpPr>
         <p:spPr>
           <a:xfrm>
-            <a:off x="2532185" y="4314095"/>
+            <a:off x="2532185" y="4736123"/>
             <a:ext cx="3704492" cy="135790"/>
           </a:xfrm>
           <a:prstGeom prst="straightConnector1">
@@ -16403,8 +16531,8 @@
         </p:nvCxnSpPr>
         <p:spPr>
           <a:xfrm flipV="1">
-            <a:off x="2379785" y="4603137"/>
-            <a:ext cx="3856892" cy="703011"/>
+            <a:off x="2532185" y="5025166"/>
+            <a:ext cx="3704492" cy="499210"/>
           </a:xfrm>
           <a:prstGeom prst="straightConnector1">
             <a:avLst/>
@@ -16444,8 +16572,8 @@
         </p:nvCxnSpPr>
         <p:spPr>
           <a:xfrm>
-            <a:off x="2441834" y="4504886"/>
-            <a:ext cx="3794843" cy="285644"/>
+            <a:off x="2672862" y="5165479"/>
+            <a:ext cx="3563815" cy="47079"/>
           </a:xfrm>
           <a:prstGeom prst="straightConnector1">
             <a:avLst/>
@@ -16469,6 +16597,61 @@
           </a:fontRef>
         </p:style>
       </p:cxnSp>
+      <p:sp>
+        <p:nvSpPr>
+          <p:cNvPr id="13" name="직사각형 12">
+            <a:extLst>
+              <a:ext uri="{FF2B5EF4-FFF2-40B4-BE49-F238E27FC236}">
+                <a16:creationId xmlns:a16="http://schemas.microsoft.com/office/drawing/2014/main" id="{4DF93237-744F-49E1-88FA-099E04CDEA1C}"/>
+              </a:ext>
+            </a:extLst>
+          </p:cNvPr>
+          <p:cNvSpPr/>
+          <p:nvPr/>
+        </p:nvSpPr>
+        <p:spPr>
+          <a:xfrm>
+            <a:off x="6830687" y="3069488"/>
+            <a:ext cx="1395249" cy="166081"/>
+          </a:xfrm>
+          <a:prstGeom prst="rect">
+            <a:avLst/>
+          </a:prstGeom>
+          <a:noFill/>
+          <a:ln w="25400">
+            <a:solidFill>
+              <a:srgbClr val="FF0000"/>
+            </a:solidFill>
+          </a:ln>
+        </p:spPr>
+        <p:style>
+          <a:lnRef idx="2">
+            <a:schemeClr val="accent1">
+              <a:shade val="50000"/>
+            </a:schemeClr>
+          </a:lnRef>
+          <a:fillRef idx="1">
+            <a:schemeClr val="accent1"/>
+          </a:fillRef>
+          <a:effectRef idx="0">
+            <a:schemeClr val="accent1"/>
+          </a:effectRef>
+          <a:fontRef idx="minor">
+            <a:schemeClr val="lt1"/>
+          </a:fontRef>
+        </p:style>
+        <p:txBody>
+          <a:bodyPr rtlCol="0" anchor="ctr"/>
+          <a:lstStyle/>
+          <a:p>
+            <a:endParaRPr lang="ko-KR" altLang="en-US" b="1" dirty="0">
+              <a:solidFill>
+                <a:srgbClr val="FF0000"/>
+              </a:solidFill>
+            </a:endParaRPr>
+          </a:p>
+        </p:txBody>
+      </p:sp>
     </p:spTree>
     <p:extLst>
       <p:ext uri="{BB962C8B-B14F-4D97-AF65-F5344CB8AC3E}">
@@ -16955,7 +17138,7 @@
               <a:rPr lang="en-US" altLang="ko-KR" dirty="0">
                 <a:latin typeface="+mn-ea"/>
               </a:rPr>
-              <a:t>   ☞ git commit –m ‘3rd commit from school’</a:t>
+              <a:t>   ☞ git commit -m ‘3rd commit from school’</a:t>
             </a:r>
           </a:p>
           <a:p>
@@ -17064,7 +17247,7 @@
         </p:nvSpPr>
         <p:spPr>
           <a:xfrm>
-            <a:off x="796864" y="4608853"/>
+            <a:off x="656187" y="5851499"/>
             <a:ext cx="5101076" cy="338554"/>
           </a:xfrm>
           <a:prstGeom prst="rect">

--- a/git및github첫걸음2-원격저장소만들기.pptx
+++ b/git및github첫걸음2-원격저장소만들기.pptx
@@ -249,7 +249,7 @@
           <a:p>
             <a:fld id="{A17B9194-BDE3-40E3-983E-94CE6FA773AF}" type="datetimeFigureOut">
               <a:rPr lang="ko-KR" altLang="en-US" smtClean="0"/>
-              <a:t>2021-04-15</a:t>
+              <a:t>2021-04-27</a:t>
             </a:fld>
             <a:endParaRPr lang="ko-KR" altLang="en-US"/>
           </a:p>
@@ -561,60 +561,59 @@
           <a:lstStyle/>
           <a:p>
             <a:r>
-              <a:rPr lang="ko-KR" altLang="en-US" dirty="0" smtClean="0"/>
+              <a:rPr lang="ko-KR" altLang="en-US" dirty="0"/>
               <a:t>삼성전자와 같이 보안을 중요시하는 회사는 </a:t>
             </a:r>
             <a:r>
-              <a:rPr lang="en-US" altLang="ko-KR" dirty="0" smtClean="0"/>
+              <a:rPr lang="en-US" altLang="ko-KR" dirty="0"/>
               <a:t>on premise </a:t>
             </a:r>
             <a:r>
-              <a:rPr lang="ko-KR" altLang="en-US" dirty="0" smtClean="0"/>
+              <a:rPr lang="ko-KR" altLang="en-US" dirty="0"/>
               <a:t>로 서버를 운영함</a:t>
             </a:r>
             <a:r>
-              <a:rPr lang="en-US" altLang="ko-KR" dirty="0" smtClean="0"/>
+              <a:rPr lang="en-US" altLang="ko-KR" dirty="0"/>
               <a:t>.</a:t>
             </a:r>
           </a:p>
           <a:p>
             <a:r>
-              <a:rPr lang="ko-KR" altLang="en-US" dirty="0" err="1" smtClean="0"/>
+              <a:rPr lang="ko-KR" altLang="en-US" dirty="0" err="1"/>
               <a:t>온프레미스</a:t>
             </a:r>
             <a:r>
-              <a:rPr lang="en-US" altLang="ko-KR" dirty="0" smtClean="0"/>
+              <a:rPr lang="en-US" altLang="ko-KR" dirty="0"/>
               <a:t>(on</a:t>
             </a:r>
             <a:r>
-              <a:rPr lang="ko-KR" altLang="en-US" dirty="0" smtClean="0"/>
+              <a:rPr lang="ko-KR" altLang="en-US" dirty="0"/>
               <a:t> </a:t>
             </a:r>
             <a:r>
-              <a:rPr lang="en-US" altLang="ko-KR" dirty="0" smtClean="0"/>
+              <a:rPr lang="en-US" altLang="ko-KR" dirty="0"/>
               <a:t>premise) : </a:t>
             </a:r>
             <a:r>
-              <a:rPr lang="ko-KR" altLang="en-US" dirty="0" smtClean="0"/>
+              <a:rPr lang="ko-KR" altLang="en-US" dirty="0"/>
               <a:t>기업의 서버를 </a:t>
             </a:r>
             <a:r>
-              <a:rPr lang="ko-KR" altLang="en-US" dirty="0" err="1" smtClean="0"/>
+              <a:rPr lang="ko-KR" altLang="en-US" dirty="0" err="1"/>
               <a:t>클라우드와</a:t>
             </a:r>
             <a:r>
-              <a:rPr lang="ko-KR" altLang="en-US" dirty="0" smtClean="0"/>
+              <a:rPr lang="ko-KR" altLang="en-US" dirty="0"/>
               <a:t> 같은 원격환경에서 운영하는 방식이 아닌</a:t>
             </a:r>
             <a:r>
-              <a:rPr lang="en-US" altLang="ko-KR" dirty="0" smtClean="0"/>
+              <a:rPr lang="en-US" altLang="ko-KR" dirty="0"/>
               <a:t>, </a:t>
             </a:r>
             <a:r>
-              <a:rPr lang="ko-KR" altLang="en-US" dirty="0" smtClean="0"/>
+              <a:rPr lang="ko-KR" altLang="en-US" dirty="0"/>
               <a:t>자체적으로 보유한 전산실 서버에 직접 설치해 운영하는 방식</a:t>
             </a:r>
-            <a:endParaRPr lang="ko-KR" altLang="en-US" dirty="0"/>
           </a:p>
         </p:txBody>
       </p:sp>
@@ -928,7 +927,7 @@
             </a:r>
             <a:r>
               <a:rPr lang="en-US" altLang="ko-KR" dirty="0"/>
-              <a:t>–u</a:t>
+              <a:t>-u</a:t>
             </a:r>
             <a:r>
               <a:rPr lang="ko-KR" altLang="en-US" dirty="0"/>
@@ -943,10 +942,89 @@
               <a:t> </a:t>
             </a:r>
             <a:r>
-              <a:rPr lang="en-US" altLang="ko-KR"/>
-              <a:t>main br1</a:t>
-            </a:r>
-            <a:endParaRPr lang="ko-KR" altLang="en-US"/>
+              <a:rPr lang="en-US" altLang="ko-KR" dirty="0"/>
+              <a:t>main br1 # </a:t>
+            </a:r>
+            <a:r>
+              <a:rPr lang="ko-KR" altLang="en-US" dirty="0"/>
+              <a:t>한번에</a:t>
+            </a:r>
+            <a:r>
+              <a:rPr lang="en-US" altLang="ko-KR" dirty="0"/>
+              <a:t> </a:t>
+            </a:r>
+            <a:r>
+              <a:rPr lang="ko-KR" altLang="en-US" dirty="0"/>
+              <a:t>할 경우</a:t>
+            </a:r>
+            <a:endParaRPr lang="en-US" altLang="ko-KR" dirty="0"/>
+          </a:p>
+          <a:p>
+            <a:r>
+              <a:rPr lang="en-US" altLang="ko-KR" dirty="0"/>
+              <a:t>Git</a:t>
+            </a:r>
+            <a:r>
+              <a:rPr lang="ko-KR" altLang="en-US" dirty="0"/>
+              <a:t> </a:t>
+            </a:r>
+            <a:r>
+              <a:rPr lang="en-US" altLang="ko-KR" dirty="0"/>
+              <a:t>push</a:t>
+            </a:r>
+            <a:r>
+              <a:rPr lang="ko-KR" altLang="en-US" dirty="0"/>
+              <a:t> </a:t>
+            </a:r>
+            <a:r>
+              <a:rPr lang="en-US" altLang="ko-KR" dirty="0"/>
+              <a:t>-u</a:t>
+            </a:r>
+            <a:r>
+              <a:rPr lang="ko-KR" altLang="en-US" dirty="0"/>
+              <a:t> </a:t>
+            </a:r>
+            <a:r>
+              <a:rPr lang="en-US" altLang="ko-KR" dirty="0"/>
+              <a:t>origin br1 : br2 # </a:t>
+            </a:r>
+            <a:r>
+              <a:rPr lang="ko-KR" altLang="en-US" dirty="0"/>
+              <a:t>로컬의 </a:t>
+            </a:r>
+            <a:r>
+              <a:rPr lang="en-US" altLang="ko-KR" dirty="0"/>
+              <a:t>br1</a:t>
+            </a:r>
+            <a:r>
+              <a:rPr lang="ko-KR" altLang="en-US" dirty="0"/>
+              <a:t>을 </a:t>
+            </a:r>
+            <a:r>
+              <a:rPr lang="en-US" altLang="ko-KR" dirty="0"/>
+              <a:t>origin</a:t>
+            </a:r>
+            <a:r>
+              <a:rPr lang="ko-KR" altLang="en-US" dirty="0"/>
+              <a:t>의 </a:t>
+            </a:r>
+            <a:r>
+              <a:rPr lang="en-US" altLang="ko-KR" dirty="0"/>
+              <a:t>br2</a:t>
+            </a:r>
+            <a:r>
+              <a:rPr lang="ko-KR" altLang="en-US" dirty="0"/>
+              <a:t>로 </a:t>
+            </a:r>
+            <a:r>
+              <a:rPr lang="en-US" altLang="ko-KR" dirty="0"/>
+              <a:t>track </a:t>
+            </a:r>
+            <a:r>
+              <a:rPr lang="ko-KR" altLang="en-US" dirty="0" err="1"/>
+              <a:t>시킬때</a:t>
+            </a:r>
+            <a:endParaRPr lang="ko-KR" altLang="en-US" dirty="0"/>
           </a:p>
         </p:txBody>
       </p:sp>
@@ -1972,7 +2050,7 @@
               <a:t>‹#›</a:t>
             </a:fld>
             <a:r>
-              <a:rPr lang="en-US" altLang="ko-KR" dirty="0" smtClean="0"/>
+              <a:rPr lang="en-US" altLang="ko-KR" dirty="0"/>
               <a:t>/42</a:t>
             </a:r>
             <a:endParaRPr lang="ko-KR" altLang="en-US" dirty="0"/>
@@ -3155,7 +3233,7 @@
               <a:t>10</a:t>
             </a:fld>
             <a:r>
-              <a:rPr lang="en-US" altLang="ko-KR" smtClean="0"/>
+              <a:rPr lang="en-US" altLang="ko-KR"/>
               <a:t>/42</a:t>
             </a:r>
             <a:endParaRPr lang="ko-KR" altLang="en-US" dirty="0"/>
@@ -3598,7 +3676,7 @@
               <a:t>11</a:t>
             </a:fld>
             <a:r>
-              <a:rPr lang="en-US" altLang="ko-KR" smtClean="0"/>
+              <a:rPr lang="en-US" altLang="ko-KR"/>
               <a:t>/42</a:t>
             </a:r>
             <a:endParaRPr lang="ko-KR" altLang="en-US" dirty="0"/>
@@ -3768,7 +3846,7 @@
               <a:t>12</a:t>
             </a:fld>
             <a:r>
-              <a:rPr lang="en-US" altLang="ko-KR" smtClean="0"/>
+              <a:rPr lang="en-US" altLang="ko-KR"/>
               <a:t>/42</a:t>
             </a:r>
             <a:endParaRPr lang="ko-KR" altLang="en-US" dirty="0"/>
@@ -3971,7 +4049,7 @@
               <a:t>13</a:t>
             </a:fld>
             <a:r>
-              <a:rPr lang="en-US" altLang="ko-KR" smtClean="0"/>
+              <a:rPr lang="en-US" altLang="ko-KR"/>
               <a:t>/42</a:t>
             </a:r>
             <a:endParaRPr lang="ko-KR" altLang="en-US" dirty="0"/>
@@ -4278,7 +4356,7 @@
               <a:t>14</a:t>
             </a:fld>
             <a:r>
-              <a:rPr lang="en-US" altLang="ko-KR" smtClean="0"/>
+              <a:rPr lang="en-US" altLang="ko-KR"/>
               <a:t>/42</a:t>
             </a:r>
             <a:endParaRPr lang="ko-KR" altLang="en-US" dirty="0"/>
@@ -4473,7 +4551,7 @@
               <a:t>15</a:t>
             </a:fld>
             <a:r>
-              <a:rPr lang="en-US" altLang="ko-KR" smtClean="0"/>
+              <a:rPr lang="en-US" altLang="ko-KR"/>
               <a:t>/42</a:t>
             </a:r>
             <a:endParaRPr lang="ko-KR" altLang="en-US" dirty="0"/>
@@ -4917,7 +4995,7 @@
               <a:t>16</a:t>
             </a:fld>
             <a:r>
-              <a:rPr lang="en-US" altLang="ko-KR" smtClean="0"/>
+              <a:rPr lang="en-US" altLang="ko-KR"/>
               <a:t>/42</a:t>
             </a:r>
             <a:endParaRPr lang="ko-KR" altLang="en-US" dirty="0"/>
@@ -5301,7 +5379,7 @@
               <a:t>17</a:t>
             </a:fld>
             <a:r>
-              <a:rPr lang="en-US" altLang="ko-KR" smtClean="0"/>
+              <a:rPr lang="en-US" altLang="ko-KR"/>
               <a:t>/42</a:t>
             </a:r>
             <a:endParaRPr lang="ko-KR" altLang="en-US" dirty="0"/>
@@ -5685,7 +5763,7 @@
               <a:t>18</a:t>
             </a:fld>
             <a:r>
-              <a:rPr lang="en-US" altLang="ko-KR" smtClean="0"/>
+              <a:rPr lang="en-US" altLang="ko-KR"/>
               <a:t>/42</a:t>
             </a:r>
             <a:endParaRPr lang="ko-KR" altLang="en-US" dirty="0"/>
@@ -6096,7 +6174,7 @@
               <a:t>19</a:t>
             </a:fld>
             <a:r>
-              <a:rPr lang="en-US" altLang="ko-KR" smtClean="0"/>
+              <a:rPr lang="en-US" altLang="ko-KR"/>
               <a:t>/42</a:t>
             </a:r>
             <a:endParaRPr lang="ko-KR" altLang="en-US" dirty="0"/>
@@ -6155,7 +6233,7 @@
           <a:lstStyle/>
           <a:p>
             <a:r>
-              <a:rPr lang="en-US" altLang="ko-KR" dirty="0" err="1" smtClean="0"/>
+              <a:rPr lang="en-US" altLang="ko-KR" dirty="0" err="1"/>
               <a:t>Githosting</a:t>
             </a:r>
             <a:endParaRPr lang="ko-KR" altLang="en-US" dirty="0"/>
@@ -6330,19 +6408,19 @@
           </a:lstStyle>
           <a:p>
             <a:r>
-              <a:rPr lang="en-US" altLang="ko-KR" dirty="0" err="1" smtClean="0"/>
+              <a:rPr lang="en-US" altLang="ko-KR" dirty="0" err="1"/>
               <a:t>Git</a:t>
             </a:r>
             <a:r>
-              <a:rPr lang="en-US" altLang="ko-KR" dirty="0" smtClean="0"/>
+              <a:rPr lang="en-US" altLang="ko-KR" dirty="0"/>
               <a:t> </a:t>
             </a:r>
             <a:r>
-              <a:rPr lang="ko-KR" altLang="en-US" dirty="0" smtClean="0"/>
+              <a:rPr lang="ko-KR" altLang="en-US" dirty="0"/>
               <a:t>서버 → </a:t>
             </a:r>
             <a:r>
-              <a:rPr lang="en-US" altLang="ko-KR" dirty="0" err="1" smtClean="0"/>
+              <a:rPr lang="en-US" altLang="ko-KR" dirty="0" err="1"/>
               <a:t>githosting</a:t>
             </a:r>
             <a:endParaRPr lang="en-US" altLang="ko-KR" dirty="0"/>
@@ -6350,48 +6428,48 @@
           <a:p>
             <a:pPr lvl="1"/>
             <a:r>
-              <a:rPr lang="ko-KR" altLang="en-US" dirty="0" smtClean="0">
+              <a:rPr lang="ko-KR" altLang="en-US" dirty="0">
                 <a:latin typeface="+mn-ea"/>
               </a:rPr>
               <a:t>서버</a:t>
             </a:r>
             <a:r>
-              <a:rPr lang="en-US" altLang="ko-KR" dirty="0" smtClean="0">
+              <a:rPr lang="en-US" altLang="ko-KR" dirty="0">
                 <a:latin typeface="+mn-ea"/>
               </a:rPr>
               <a:t> </a:t>
             </a:r>
             <a:r>
-              <a:rPr lang="ko-KR" altLang="en-US" dirty="0" smtClean="0">
+              <a:rPr lang="ko-KR" altLang="en-US" dirty="0">
                 <a:latin typeface="+mn-ea"/>
               </a:rPr>
               <a:t>구축 및 운영 부담</a:t>
             </a:r>
             <a:r>
-              <a:rPr lang="en-US" altLang="ko-KR" dirty="0" smtClean="0">
+              <a:rPr lang="en-US" altLang="ko-KR" dirty="0">
                 <a:latin typeface="+mn-ea"/>
               </a:rPr>
               <a:t>, </a:t>
             </a:r>
             <a:r>
-              <a:rPr lang="en-US" altLang="ko-KR" dirty="0" err="1" smtClean="0">
+              <a:rPr lang="en-US" altLang="ko-KR" dirty="0" err="1">
                 <a:latin typeface="+mn-ea"/>
               </a:rPr>
               <a:t>Git</a:t>
             </a:r>
             <a:r>
-              <a:rPr lang="en-US" altLang="ko-KR" dirty="0" smtClean="0">
+              <a:rPr lang="en-US" altLang="ko-KR" dirty="0">
                 <a:latin typeface="+mn-ea"/>
               </a:rPr>
               <a:t> hosting</a:t>
             </a:r>
             <a:r>
-              <a:rPr lang="ko-KR" altLang="en-US" dirty="0" smtClean="0">
+              <a:rPr lang="ko-KR" altLang="en-US" dirty="0">
                 <a:latin typeface="+mn-ea"/>
               </a:rPr>
               <a:t>서비스 사용시 설정이 쉽고 서버관리비용이 저렴</a:t>
             </a:r>
-            <a:endParaRPr lang="en-US" altLang="ko-KR" dirty="0" smtClean="0"/>
+            <a:endParaRPr lang="en-US" altLang="ko-KR" dirty="0"/>
           </a:p>
           <a:p>
             <a:endParaRPr lang="en-US" altLang="ko-KR" dirty="0"/>
@@ -6667,7 +6745,7 @@
               <a:t>2</a:t>
             </a:fld>
             <a:r>
-              <a:rPr lang="en-US" altLang="ko-KR" smtClean="0"/>
+              <a:rPr lang="en-US" altLang="ko-KR"/>
               <a:t>/42</a:t>
             </a:r>
             <a:endParaRPr lang="ko-KR" altLang="en-US" dirty="0"/>
@@ -6684,13 +6762,6 @@
   <p:clrMapOvr>
     <a:masterClrMapping/>
   </p:clrMapOvr>
-  <p:timing>
-    <p:tnLst>
-      <p:par>
-        <p:cTn id="1" dur="indefinite" restart="never" nodeType="tmRoot"/>
-      </p:par>
-    </p:tnLst>
-  </p:timing>
 </p:sld>
 </file>
 
@@ -7301,7 +7372,7 @@
               <a:t>20</a:t>
             </a:fld>
             <a:r>
-              <a:rPr lang="en-US" altLang="ko-KR" smtClean="0"/>
+              <a:rPr lang="en-US" altLang="ko-KR"/>
               <a:t>/42</a:t>
             </a:r>
             <a:endParaRPr lang="ko-KR" altLang="en-US" dirty="0"/>
@@ -7807,7 +7878,7 @@
               <a:t>21</a:t>
             </a:fld>
             <a:r>
-              <a:rPr lang="en-US" altLang="ko-KR" smtClean="0"/>
+              <a:rPr lang="en-US" altLang="ko-KR"/>
               <a:t>/42</a:t>
             </a:r>
             <a:endParaRPr lang="ko-KR" altLang="en-US" dirty="0"/>
@@ -8276,7 +8347,7 @@
               <a:t>22</a:t>
             </a:fld>
             <a:r>
-              <a:rPr lang="en-US" altLang="ko-KR" smtClean="0"/>
+              <a:rPr lang="en-US" altLang="ko-KR"/>
               <a:t>/42</a:t>
             </a:r>
             <a:endParaRPr lang="ko-KR" altLang="en-US" dirty="0"/>
@@ -8720,7 +8791,7 @@
               <a:t>23</a:t>
             </a:fld>
             <a:r>
-              <a:rPr lang="en-US" altLang="ko-KR" smtClean="0"/>
+              <a:rPr lang="en-US" altLang="ko-KR"/>
               <a:t>/42</a:t>
             </a:r>
             <a:endParaRPr lang="ko-KR" altLang="en-US" dirty="0"/>
@@ -8844,7 +8915,7 @@
               <a:t>24</a:t>
             </a:fld>
             <a:r>
-              <a:rPr lang="en-US" altLang="ko-KR" smtClean="0"/>
+              <a:rPr lang="en-US" altLang="ko-KR"/>
               <a:t>/42</a:t>
             </a:r>
             <a:endParaRPr lang="ko-KR" altLang="en-US" dirty="0"/>
@@ -9044,7 +9115,7 @@
               <a:t>25</a:t>
             </a:fld>
             <a:r>
-              <a:rPr lang="en-US" altLang="ko-KR" smtClean="0"/>
+              <a:rPr lang="en-US" altLang="ko-KR"/>
               <a:t>/42</a:t>
             </a:r>
             <a:endParaRPr lang="ko-KR" altLang="en-US" dirty="0"/>
@@ -9347,7 +9418,7 @@
               <a:t>26</a:t>
             </a:fld>
             <a:r>
-              <a:rPr lang="en-US" altLang="ko-KR" smtClean="0"/>
+              <a:rPr lang="en-US" altLang="ko-KR"/>
               <a:t>/42</a:t>
             </a:r>
             <a:endParaRPr lang="ko-KR" altLang="en-US" dirty="0"/>
@@ -9543,7 +9614,7 @@
               <a:t>27</a:t>
             </a:fld>
             <a:r>
-              <a:rPr lang="en-US" altLang="ko-KR" smtClean="0"/>
+              <a:rPr lang="en-US" altLang="ko-KR"/>
               <a:t>/42</a:t>
             </a:r>
             <a:endParaRPr lang="ko-KR" altLang="en-US" dirty="0"/>
@@ -10045,7 +10116,7 @@
               <a:t>28</a:t>
             </a:fld>
             <a:r>
-              <a:rPr lang="en-US" altLang="ko-KR" smtClean="0"/>
+              <a:rPr lang="en-US" altLang="ko-KR"/>
               <a:t>/42</a:t>
             </a:r>
             <a:endParaRPr lang="ko-KR" altLang="en-US" dirty="0"/>
@@ -10502,7 +10573,7 @@
               <a:t>29</a:t>
             </a:fld>
             <a:r>
-              <a:rPr lang="en-US" altLang="ko-KR" smtClean="0"/>
+              <a:rPr lang="en-US" altLang="ko-KR"/>
               <a:t>/42</a:t>
             </a:r>
             <a:endParaRPr lang="ko-KR" altLang="en-US" dirty="0"/>
@@ -10965,7 +11036,7 @@
               <a:t>3</a:t>
             </a:fld>
             <a:r>
-              <a:rPr lang="en-US" altLang="ko-KR" smtClean="0"/>
+              <a:rPr lang="en-US" altLang="ko-KR"/>
               <a:t>/42</a:t>
             </a:r>
             <a:endParaRPr lang="ko-KR" altLang="en-US" dirty="0"/>
@@ -11445,6 +11516,85 @@
             </a:r>
           </a:p>
           <a:p>
+            <a:pPr marL="266700" lvl="1" indent="0">
+              <a:buNone/>
+            </a:pPr>
+            <a:r>
+              <a:rPr lang="en-US" altLang="ko-KR" dirty="0">
+                <a:latin typeface="+mn-ea"/>
+              </a:rPr>
+              <a:t>      git push -u origin </a:t>
+            </a:r>
+            <a:r>
+              <a:rPr lang="en-US" altLang="ko-KR" dirty="0">
+                <a:solidFill>
+                  <a:srgbClr val="0000FF"/>
+                </a:solidFill>
+                <a:latin typeface="+mn-ea"/>
+              </a:rPr>
+              <a:t>main : master</a:t>
+            </a:r>
+          </a:p>
+          <a:p>
+            <a:pPr marL="266700" lvl="1" indent="0">
+              <a:buNone/>
+            </a:pPr>
+            <a:r>
+              <a:rPr lang="en-US" altLang="ko-KR" dirty="0">
+                <a:latin typeface="+mn-ea"/>
+              </a:rPr>
+              <a:t>       → (</a:t>
+            </a:r>
+            <a:r>
+              <a:rPr lang="ko-KR" altLang="en-US" dirty="0">
+                <a:latin typeface="+mn-ea"/>
+              </a:rPr>
+              <a:t>로컬의 </a:t>
+            </a:r>
+            <a:r>
+              <a:rPr lang="en-US" altLang="ko-KR" dirty="0">
+                <a:latin typeface="+mn-ea"/>
+              </a:rPr>
+              <a:t>main</a:t>
+            </a:r>
+            <a:r>
+              <a:rPr lang="ko-KR" altLang="en-US" dirty="0">
+                <a:latin typeface="+mn-ea"/>
+              </a:rPr>
+              <a:t>을 </a:t>
+            </a:r>
+            <a:r>
+              <a:rPr lang="en-US" altLang="ko-KR" dirty="0">
+                <a:latin typeface="+mn-ea"/>
+              </a:rPr>
+              <a:t>origin</a:t>
+            </a:r>
+            <a:r>
+              <a:rPr lang="ko-KR" altLang="en-US" dirty="0">
+                <a:latin typeface="+mn-ea"/>
+              </a:rPr>
+              <a:t>의 </a:t>
+            </a:r>
+            <a:r>
+              <a:rPr lang="en-US" altLang="ko-KR" dirty="0">
+                <a:latin typeface="+mn-ea"/>
+              </a:rPr>
+              <a:t>master</a:t>
+            </a:r>
+            <a:r>
+              <a:rPr lang="ko-KR" altLang="en-US" dirty="0">
+                <a:latin typeface="+mn-ea"/>
+              </a:rPr>
+              <a:t>와 일치</a:t>
+            </a:r>
+            <a:r>
+              <a:rPr lang="en-US" altLang="ko-KR" dirty="0">
+                <a:latin typeface="+mn-ea"/>
+              </a:rPr>
+              <a:t>) </a:t>
+            </a:r>
+          </a:p>
+          <a:p>
             <a:pPr lvl="1"/>
             <a:r>
               <a:rPr lang="en-US" altLang="ko-KR" dirty="0">
@@ -11560,7 +11710,7 @@
         </p:blipFill>
         <p:spPr>
           <a:xfrm>
-            <a:off x="4705304" y="3456299"/>
+            <a:off x="5654867" y="3456299"/>
             <a:ext cx="2170146" cy="1893760"/>
           </a:xfrm>
           <a:prstGeom prst="rect">
@@ -11582,7 +11732,7 @@
         </p:nvSpPr>
         <p:spPr>
           <a:xfrm>
-            <a:off x="5152053" y="4242226"/>
+            <a:off x="6101616" y="4242226"/>
             <a:ext cx="1259101" cy="211204"/>
           </a:xfrm>
           <a:prstGeom prst="rect">
@@ -11642,7 +11792,7 @@
         </p:blipFill>
         <p:spPr>
           <a:xfrm>
-            <a:off x="4709871" y="5545766"/>
+            <a:off x="5659434" y="5545766"/>
             <a:ext cx="2188397" cy="906903"/>
           </a:xfrm>
           <a:prstGeom prst="rect">
@@ -11664,7 +11814,7 @@
         </p:nvSpPr>
         <p:spPr>
           <a:xfrm>
-            <a:off x="6344765" y="4372357"/>
+            <a:off x="7294328" y="4372357"/>
             <a:ext cx="543739" cy="307777"/>
           </a:xfrm>
           <a:prstGeom prst="rect">
@@ -11703,7 +11853,7 @@
         </p:nvSpPr>
         <p:spPr>
           <a:xfrm rot="5400000">
-            <a:off x="5675873" y="5258753"/>
+            <a:off x="6625436" y="5258753"/>
             <a:ext cx="220592" cy="307777"/>
           </a:xfrm>
           <a:prstGeom prst="rightArrow">
@@ -11762,7 +11912,7 @@
               <a:t>30</a:t>
             </a:fld>
             <a:r>
-              <a:rPr lang="en-US" altLang="ko-KR" smtClean="0"/>
+              <a:rPr lang="en-US" altLang="ko-KR"/>
               <a:t>/42</a:t>
             </a:r>
             <a:endParaRPr lang="ko-KR" altLang="en-US" dirty="0"/>
@@ -12460,7 +12610,7 @@
               <a:t>31</a:t>
             </a:fld>
             <a:r>
-              <a:rPr lang="en-US" altLang="ko-KR" smtClean="0"/>
+              <a:rPr lang="en-US" altLang="ko-KR"/>
               <a:t>/42</a:t>
             </a:r>
             <a:endParaRPr lang="ko-KR" altLang="en-US" dirty="0"/>
@@ -13180,7 +13330,7 @@
               <a:t>32</a:t>
             </a:fld>
             <a:r>
-              <a:rPr lang="en-US" altLang="ko-KR" smtClean="0"/>
+              <a:rPr lang="en-US" altLang="ko-KR"/>
               <a:t>/42</a:t>
             </a:r>
             <a:endParaRPr lang="ko-KR" altLang="en-US" dirty="0"/>
@@ -13737,7 +13887,7 @@
               <a:t>33</a:t>
             </a:fld>
             <a:r>
-              <a:rPr lang="en-US" altLang="ko-KR" smtClean="0"/>
+              <a:rPr lang="en-US" altLang="ko-KR"/>
               <a:t>/42</a:t>
             </a:r>
             <a:endParaRPr lang="ko-KR" altLang="en-US" dirty="0"/>
@@ -14344,7 +14494,7 @@
               <a:t>34</a:t>
             </a:fld>
             <a:r>
-              <a:rPr lang="en-US" altLang="ko-KR" smtClean="0"/>
+              <a:rPr lang="en-US" altLang="ko-KR"/>
               <a:t>/42</a:t>
             </a:r>
             <a:endParaRPr lang="ko-KR" altLang="en-US" dirty="0"/>
@@ -15108,7 +15258,7 @@
               <a:t>35</a:t>
             </a:fld>
             <a:r>
-              <a:rPr lang="en-US" altLang="ko-KR" smtClean="0"/>
+              <a:rPr lang="en-US" altLang="ko-KR"/>
               <a:t>/42</a:t>
             </a:r>
             <a:endParaRPr lang="ko-KR" altLang="en-US" dirty="0"/>
@@ -15884,7 +16034,7 @@
               <a:t>36</a:t>
             </a:fld>
             <a:r>
-              <a:rPr lang="en-US" altLang="ko-KR" smtClean="0"/>
+              <a:rPr lang="en-US" altLang="ko-KR"/>
               <a:t>/42</a:t>
             </a:r>
             <a:endParaRPr lang="ko-KR" altLang="en-US" dirty="0"/>
@@ -16327,7 +16477,7 @@
               <a:t>37</a:t>
             </a:fld>
             <a:r>
-              <a:rPr lang="en-US" altLang="ko-KR" smtClean="0"/>
+              <a:rPr lang="en-US" altLang="ko-KR"/>
               <a:t>/42</a:t>
             </a:r>
             <a:endParaRPr lang="ko-KR" altLang="en-US" dirty="0"/>
@@ -17112,7 +17262,7 @@
               <a:t>38</a:t>
             </a:fld>
             <a:r>
-              <a:rPr lang="en-US" altLang="ko-KR" smtClean="0"/>
+              <a:rPr lang="en-US" altLang="ko-KR"/>
               <a:t>/42</a:t>
             </a:r>
             <a:endParaRPr lang="ko-KR" altLang="en-US" dirty="0"/>
@@ -17784,7 +17934,7 @@
               <a:t>39</a:t>
             </a:fld>
             <a:r>
-              <a:rPr lang="en-US" altLang="ko-KR" smtClean="0"/>
+              <a:rPr lang="en-US" altLang="ko-KR"/>
               <a:t>/42</a:t>
             </a:r>
             <a:endParaRPr lang="ko-KR" altLang="en-US" dirty="0"/>
@@ -17903,7 +18053,7 @@
               <a:t>4</a:t>
             </a:fld>
             <a:r>
-              <a:rPr lang="en-US" altLang="ko-KR" smtClean="0"/>
+              <a:rPr lang="en-US" altLang="ko-KR"/>
               <a:t>/42</a:t>
             </a:r>
             <a:endParaRPr lang="ko-KR" altLang="en-US" dirty="0"/>
@@ -18663,7 +18813,7 @@
               <a:t>40</a:t>
             </a:fld>
             <a:r>
-              <a:rPr lang="en-US" altLang="ko-KR" smtClean="0"/>
+              <a:rPr lang="en-US" altLang="ko-KR"/>
               <a:t>/42</a:t>
             </a:r>
             <a:endParaRPr lang="ko-KR" altLang="en-US" dirty="0"/>
@@ -19157,7 +19307,7 @@
               <a:t>41</a:t>
             </a:fld>
             <a:r>
-              <a:rPr lang="en-US" altLang="ko-KR" smtClean="0"/>
+              <a:rPr lang="en-US" altLang="ko-KR"/>
               <a:t>/42</a:t>
             </a:r>
             <a:endParaRPr lang="ko-KR" altLang="en-US" dirty="0"/>
@@ -20306,7 +20456,7 @@
               <a:t>42</a:t>
             </a:fld>
             <a:r>
-              <a:rPr lang="en-US" altLang="ko-KR" smtClean="0"/>
+              <a:rPr lang="en-US" altLang="ko-KR"/>
               <a:t>/42</a:t>
             </a:r>
             <a:endParaRPr lang="ko-KR" altLang="en-US" dirty="0"/>
@@ -20509,7 +20659,7 @@
               <a:t>5</a:t>
             </a:fld>
             <a:r>
-              <a:rPr lang="en-US" altLang="ko-KR" smtClean="0"/>
+              <a:rPr lang="en-US" altLang="ko-KR"/>
               <a:t>/42</a:t>
             </a:r>
             <a:endParaRPr lang="ko-KR" altLang="en-US" dirty="0"/>
@@ -20633,7 +20783,7 @@
               <a:t>6</a:t>
             </a:fld>
             <a:r>
-              <a:rPr lang="en-US" altLang="ko-KR" smtClean="0"/>
+              <a:rPr lang="en-US" altLang="ko-KR"/>
               <a:t>/42</a:t>
             </a:r>
             <a:endParaRPr lang="ko-KR" altLang="en-US" dirty="0"/>
@@ -20757,7 +20907,7 @@
               <a:t>7</a:t>
             </a:fld>
             <a:r>
-              <a:rPr lang="en-US" altLang="ko-KR" smtClean="0"/>
+              <a:rPr lang="en-US" altLang="ko-KR"/>
               <a:t>/42</a:t>
             </a:r>
             <a:endParaRPr lang="ko-KR" altLang="en-US" dirty="0"/>
@@ -20881,7 +21031,7 @@
               <a:t>8</a:t>
             </a:fld>
             <a:r>
-              <a:rPr lang="en-US" altLang="ko-KR" smtClean="0"/>
+              <a:rPr lang="en-US" altLang="ko-KR"/>
               <a:t>/42</a:t>
             </a:r>
             <a:endParaRPr lang="ko-KR" altLang="en-US" dirty="0"/>
@@ -21084,7 +21234,7 @@
               <a:t>9</a:t>
             </a:fld>
             <a:r>
-              <a:rPr lang="en-US" altLang="ko-KR" smtClean="0"/>
+              <a:rPr lang="en-US" altLang="ko-KR"/>
               <a:t>/42</a:t>
             </a:r>
             <a:endParaRPr lang="ko-KR" altLang="en-US" dirty="0"/>

--- a/git및github첫걸음2-원격저장소만들기.pptx
+++ b/git및github첫걸음2-원격저장소만들기.pptx
@@ -249,7 +249,7 @@
           <a:p>
             <a:fld id="{A17B9194-BDE3-40E3-983E-94CE6FA773AF}" type="datetimeFigureOut">
               <a:rPr lang="ko-KR" altLang="en-US" smtClean="0"/>
-              <a:t>2021-04-27</a:t>
+              <a:t>2021-04-28</a:t>
             </a:fld>
             <a:endParaRPr lang="ko-KR" altLang="en-US"/>
           </a:p>
@@ -1021,10 +1021,53 @@
               <a:t>track </a:t>
             </a:r>
             <a:r>
-              <a:rPr lang="ko-KR" altLang="en-US" dirty="0" err="1"/>
-              <a:t>시킬때</a:t>
-            </a:r>
-            <a:endParaRPr lang="ko-KR" altLang="en-US" dirty="0"/>
+              <a:rPr lang="ko-KR" altLang="en-US" dirty="0"/>
+              <a:t>시킬 때 사용</a:t>
+            </a:r>
+            <a:r>
+              <a:rPr lang="en-US" altLang="ko-KR" dirty="0"/>
+              <a:t>. </a:t>
+            </a:r>
+            <a:r>
+              <a:rPr lang="ko-KR" altLang="en-US" dirty="0"/>
+              <a:t>단 </a:t>
+            </a:r>
+            <a:r>
+              <a:rPr lang="en-US" altLang="ko-KR" dirty="0"/>
+              <a:t>br2</a:t>
+            </a:r>
+            <a:r>
+              <a:rPr lang="ko-KR" altLang="en-US" dirty="0"/>
+              <a:t>가 </a:t>
+            </a:r>
+            <a:r>
+              <a:rPr lang="en-US" altLang="ko-KR" dirty="0"/>
+              <a:t>origin</a:t>
+            </a:r>
+            <a:r>
+              <a:rPr lang="ko-KR" altLang="en-US"/>
+              <a:t>에 미리 존재해야 </a:t>
+            </a:r>
+            <a:r>
+              <a:rPr lang="ko-KR" altLang="en-US" dirty="0"/>
+              <a:t>함</a:t>
+            </a:r>
+            <a:r>
+              <a:rPr lang="en-US" altLang="ko-KR" dirty="0"/>
+              <a:t>. </a:t>
+            </a:r>
+            <a:r>
+              <a:rPr lang="ko-KR" altLang="en-US" dirty="0"/>
+              <a:t>그렇지 않으면 </a:t>
+            </a:r>
+            <a:r>
+              <a:rPr lang="en-US" altLang="ko-KR" dirty="0"/>
+              <a:t>error </a:t>
+            </a:r>
+            <a:r>
+              <a:rPr lang="ko-KR" altLang="en-US" dirty="0"/>
+              <a:t>발생</a:t>
+            </a:r>
           </a:p>
         </p:txBody>
       </p:sp>

--- a/git및github첫걸음2-원격저장소만들기.pptx
+++ b/git및github첫걸음2-원격저장소만들기.pptx
@@ -249,7 +249,7 @@
           <a:p>
             <a:fld id="{A17B9194-BDE3-40E3-983E-94CE6FA773AF}" type="datetimeFigureOut">
               <a:rPr lang="ko-KR" altLang="en-US" smtClean="0"/>
-              <a:t>2021-04-28</a:t>
+              <a:t>2021-04-30</a:t>
             </a:fld>
             <a:endParaRPr lang="ko-KR" altLang="en-US"/>
           </a:p>
@@ -718,6 +718,90 @@
           <a:p>
             <a:fld id="{625D4AC4-540A-4436-887D-BF6A8FCF1275}" type="slidenum">
               <a:rPr lang="ko-KR" altLang="en-US" smtClean="0"/>
+              <a:t>41</a:t>
+            </a:fld>
+            <a:endParaRPr lang="ko-KR" altLang="en-US"/>
+          </a:p>
+        </p:txBody>
+      </p:sp>
+    </p:spTree>
+    <p:extLst>
+      <p:ext uri="{BB962C8B-B14F-4D97-AF65-F5344CB8AC3E}">
+        <p14:creationId xmlns:p14="http://schemas.microsoft.com/office/powerpoint/2010/main" val="873420243"/>
+      </p:ext>
+    </p:extLst>
+  </p:cSld>
+  <p:clrMapOvr>
+    <a:masterClrMapping/>
+  </p:clrMapOvr>
+</p:notes>
+</file>
+
+<file path=ppt/notesSlides/notesSlide11.xml><?xml version="1.0" encoding="utf-8"?>
+<p:notes xmlns:a="http://schemas.openxmlformats.org/drawingml/2006/main" xmlns:r="http://schemas.openxmlformats.org/officeDocument/2006/relationships" xmlns:p="http://schemas.openxmlformats.org/presentationml/2006/main">
+  <p:cSld>
+    <p:spTree>
+      <p:nvGrpSpPr>
+        <p:cNvPr id="1" name=""/>
+        <p:cNvGrpSpPr/>
+        <p:nvPr/>
+      </p:nvGrpSpPr>
+      <p:grpSpPr>
+        <a:xfrm>
+          <a:off x="0" y="0"/>
+          <a:ext cx="0" cy="0"/>
+          <a:chOff x="0" y="0"/>
+          <a:chExt cx="0" cy="0"/>
+        </a:xfrm>
+      </p:grpSpPr>
+      <p:sp>
+        <p:nvSpPr>
+          <p:cNvPr id="2" name="슬라이드 이미지 개체 틀 1"/>
+          <p:cNvSpPr>
+            <a:spLocks noGrp="1" noRot="1" noChangeAspect="1"/>
+          </p:cNvSpPr>
+          <p:nvPr>
+            <p:ph type="sldImg"/>
+          </p:nvPr>
+        </p:nvSpPr>
+        <p:spPr/>
+      </p:sp>
+      <p:sp>
+        <p:nvSpPr>
+          <p:cNvPr id="3" name="슬라이드 노트 개체 틀 2"/>
+          <p:cNvSpPr>
+            <a:spLocks noGrp="1"/>
+          </p:cNvSpPr>
+          <p:nvPr>
+            <p:ph type="body" idx="1"/>
+          </p:nvPr>
+        </p:nvSpPr>
+        <p:spPr/>
+        <p:txBody>
+          <a:bodyPr/>
+          <a:lstStyle/>
+          <a:p>
+            <a:endParaRPr lang="ko-KR" altLang="en-US" dirty="0"/>
+          </a:p>
+        </p:txBody>
+      </p:sp>
+      <p:sp>
+        <p:nvSpPr>
+          <p:cNvPr id="4" name="슬라이드 번호 개체 틀 3"/>
+          <p:cNvSpPr>
+            <a:spLocks noGrp="1"/>
+          </p:cNvSpPr>
+          <p:nvPr>
+            <p:ph type="sldNum" sz="quarter" idx="5"/>
+          </p:nvPr>
+        </p:nvSpPr>
+        <p:spPr/>
+        <p:txBody>
+          <a:bodyPr/>
+          <a:lstStyle/>
+          <a:p>
+            <a:fld id="{625D4AC4-540A-4436-887D-BF6A8FCF1275}" type="slidenum">
+              <a:rPr lang="ko-KR" altLang="en-US" smtClean="0"/>
               <a:t>42</a:t>
             </a:fld>
             <a:endParaRPr lang="ko-KR" altLang="en-US"/>
@@ -1235,10 +1319,86 @@
           <a:bodyPr/>
           <a:lstStyle/>
           <a:p>
-            <a:r>
-              <a:rPr lang="ko-KR" altLang="en-US" dirty="0"/>
-              <a:t>다음 시간 실습을 위하여 각자의 이름으로 저장소명 작성</a:t>
-            </a:r>
+            <a:pPr marL="0" marR="0" lvl="0" indent="0" algn="l" defTabSz="914400" rtl="0" eaLnBrk="1" fontAlgn="auto" latinLnBrk="1" hangingPunct="1">
+              <a:lnSpc>
+                <a:spcPct val="100000"/>
+              </a:lnSpc>
+              <a:spcBef>
+                <a:spcPts val="0"/>
+              </a:spcBef>
+              <a:spcAft>
+                <a:spcPts val="0"/>
+              </a:spcAft>
+              <a:buClrTx/>
+              <a:buSzTx/>
+              <a:buFontTx/>
+              <a:buNone/>
+              <a:tabLst/>
+              <a:defRPr/>
+            </a:pPr>
+            <a:r>
+              <a:rPr lang="en-US" altLang="ko-KR" dirty="0">
+                <a:latin typeface="+mn-ea"/>
+              </a:rPr>
+              <a:t>(</a:t>
+            </a:r>
+            <a:r>
+              <a:rPr lang="ko-KR" altLang="en-US" dirty="0" err="1">
+                <a:latin typeface="+mn-ea"/>
+              </a:rPr>
+              <a:t>브랜치를</a:t>
+            </a:r>
+            <a:r>
+              <a:rPr lang="ko-KR" altLang="en-US" dirty="0">
+                <a:latin typeface="+mn-ea"/>
+              </a:rPr>
+              <a:t> 이동하지 않고 </a:t>
+            </a:r>
+            <a:r>
+              <a:rPr lang="en-US" altLang="ko-KR" dirty="0">
+                <a:latin typeface="+mn-ea"/>
+              </a:rPr>
+              <a:t>push -u origin</a:t>
+            </a:r>
+            <a:r>
+              <a:rPr lang="ko-KR" altLang="en-US" dirty="0">
+                <a:latin typeface="+mn-ea"/>
+              </a:rPr>
+              <a:t> </a:t>
+            </a:r>
+            <a:r>
+              <a:rPr lang="en-US" altLang="ko-KR" dirty="0">
+                <a:latin typeface="+mn-ea"/>
+              </a:rPr>
+              <a:t>feature-1 </a:t>
+            </a:r>
+            <a:r>
+              <a:rPr lang="ko-KR" altLang="en-US" dirty="0">
+                <a:latin typeface="+mn-ea"/>
+              </a:rPr>
+              <a:t>을 수행해도 되나 확실하게 하기 위하여 해당 </a:t>
+            </a:r>
+            <a:r>
+              <a:rPr lang="ko-KR" altLang="en-US" dirty="0" err="1">
+                <a:latin typeface="+mn-ea"/>
+              </a:rPr>
+              <a:t>브랜치에서</a:t>
+            </a:r>
+            <a:r>
+              <a:rPr lang="ko-KR" altLang="en-US" dirty="0">
+                <a:latin typeface="+mn-ea"/>
+              </a:rPr>
+              <a:t> 수행하는 버릇을 들여야 함</a:t>
+            </a:r>
+            <a:r>
+              <a:rPr lang="en-US" altLang="ko-KR" dirty="0">
+                <a:latin typeface="+mn-ea"/>
+              </a:rPr>
+              <a:t>.</a:t>
+            </a:r>
+          </a:p>
+          <a:p>
+            <a:endParaRPr lang="ko-KR" altLang="en-US" dirty="0"/>
           </a:p>
         </p:txBody>
       </p:sp>
@@ -1259,7 +1419,7 @@
           <a:p>
             <a:fld id="{625D4AC4-540A-4436-887D-BF6A8FCF1275}" type="slidenum">
               <a:rPr lang="ko-KR" altLang="en-US" smtClean="0"/>
-              <a:t>36</a:t>
+              <a:t>34</a:t>
             </a:fld>
             <a:endParaRPr lang="ko-KR" altLang="en-US"/>
           </a:p>
@@ -1268,7 +1428,7 @@
     </p:spTree>
     <p:extLst>
       <p:ext uri="{BB962C8B-B14F-4D97-AF65-F5344CB8AC3E}">
-        <p14:creationId xmlns:p14="http://schemas.microsoft.com/office/powerpoint/2010/main" val="347524560"/>
+        <p14:creationId xmlns:p14="http://schemas.microsoft.com/office/powerpoint/2010/main" val="114556650"/>
       </p:ext>
     </p:extLst>
   </p:cSld>
@@ -1322,7 +1482,10 @@
           <a:bodyPr/>
           <a:lstStyle/>
           <a:p>
-            <a:endParaRPr lang="ko-KR" altLang="en-US" dirty="0"/>
+            <a:r>
+              <a:rPr lang="ko-KR" altLang="en-US" dirty="0"/>
+              <a:t>다음 시간 실습을 위하여 각자의 이름으로 저장소명 작성</a:t>
+            </a:r>
           </a:p>
         </p:txBody>
       </p:sp>
@@ -1343,7 +1506,7 @@
           <a:p>
             <a:fld id="{625D4AC4-540A-4436-887D-BF6A8FCF1275}" type="slidenum">
               <a:rPr lang="ko-KR" altLang="en-US" smtClean="0"/>
-              <a:t>37</a:t>
+              <a:t>36</a:t>
             </a:fld>
             <a:endParaRPr lang="ko-KR" altLang="en-US"/>
           </a:p>
@@ -1352,7 +1515,7 @@
     </p:spTree>
     <p:extLst>
       <p:ext uri="{BB962C8B-B14F-4D97-AF65-F5344CB8AC3E}">
-        <p14:creationId xmlns:p14="http://schemas.microsoft.com/office/powerpoint/2010/main" val="3082882597"/>
+        <p14:creationId xmlns:p14="http://schemas.microsoft.com/office/powerpoint/2010/main" val="347524560"/>
       </p:ext>
     </p:extLst>
   </p:cSld>
@@ -1406,32 +1569,6 @@
           <a:bodyPr/>
           <a:lstStyle/>
           <a:p>
-            <a:r>
-              <a:rPr lang="ko-KR" altLang="en-US" dirty="0"/>
-              <a:t>집에서 작업한 것을 잊고 그냥 작업을 했을 경우 원격저장소의 내용과 상이할 경우 발생</a:t>
-            </a:r>
-            <a:r>
-              <a:rPr lang="en-US" altLang="ko-KR" dirty="0"/>
-              <a:t>.</a:t>
-            </a:r>
-          </a:p>
-          <a:p>
-            <a:r>
-              <a:rPr lang="ko-KR" altLang="en-US" dirty="0"/>
-              <a:t>따라서 항상 </a:t>
-            </a:r>
-            <a:r>
-              <a:rPr lang="en-US" altLang="ko-KR" dirty="0"/>
-              <a:t>pull </a:t>
-            </a:r>
-            <a:r>
-              <a:rPr lang="ko-KR" altLang="en-US" dirty="0"/>
-              <a:t>먼저 실시해야 함</a:t>
-            </a:r>
-            <a:r>
-              <a:rPr lang="en-US" altLang="ko-KR" dirty="0"/>
-              <a:t>.</a:t>
-            </a:r>
             <a:endParaRPr lang="ko-KR" altLang="en-US" dirty="0"/>
           </a:p>
         </p:txBody>
@@ -1453,7 +1590,7 @@
           <a:p>
             <a:fld id="{625D4AC4-540A-4436-887D-BF6A8FCF1275}" type="slidenum">
               <a:rPr lang="ko-KR" altLang="en-US" smtClean="0"/>
-              <a:t>39</a:t>
+              <a:t>37</a:t>
             </a:fld>
             <a:endParaRPr lang="ko-KR" altLang="en-US"/>
           </a:p>
@@ -1462,7 +1599,7 @@
     </p:spTree>
     <p:extLst>
       <p:ext uri="{BB962C8B-B14F-4D97-AF65-F5344CB8AC3E}">
-        <p14:creationId xmlns:p14="http://schemas.microsoft.com/office/powerpoint/2010/main" val="4026611260"/>
+        <p14:creationId xmlns:p14="http://schemas.microsoft.com/office/powerpoint/2010/main" val="3082882597"/>
       </p:ext>
     </p:extLst>
   </p:cSld>
@@ -1516,6 +1653,32 @@
           <a:bodyPr/>
           <a:lstStyle/>
           <a:p>
+            <a:r>
+              <a:rPr lang="ko-KR" altLang="en-US" dirty="0"/>
+              <a:t>집에서 작업한 것을 잊고 그냥 작업을 했을 경우 원격저장소의 내용과 상이할 경우 발생</a:t>
+            </a:r>
+            <a:r>
+              <a:rPr lang="en-US" altLang="ko-KR" dirty="0"/>
+              <a:t>.</a:t>
+            </a:r>
+          </a:p>
+          <a:p>
+            <a:r>
+              <a:rPr lang="ko-KR" altLang="en-US" dirty="0"/>
+              <a:t>따라서 항상 </a:t>
+            </a:r>
+            <a:r>
+              <a:rPr lang="en-US" altLang="ko-KR" dirty="0"/>
+              <a:t>pull </a:t>
+            </a:r>
+            <a:r>
+              <a:rPr lang="ko-KR" altLang="en-US" dirty="0"/>
+              <a:t>먼저 실시해야 함</a:t>
+            </a:r>
+            <a:r>
+              <a:rPr lang="en-US" altLang="ko-KR" dirty="0"/>
+              <a:t>.</a:t>
+            </a:r>
             <a:endParaRPr lang="ko-KR" altLang="en-US" dirty="0"/>
           </a:p>
         </p:txBody>
@@ -1537,7 +1700,7 @@
           <a:p>
             <a:fld id="{625D4AC4-540A-4436-887D-BF6A8FCF1275}" type="slidenum">
               <a:rPr lang="ko-KR" altLang="en-US" smtClean="0"/>
-              <a:t>40</a:t>
+              <a:t>39</a:t>
             </a:fld>
             <a:endParaRPr lang="ko-KR" altLang="en-US"/>
           </a:p>
@@ -1546,7 +1709,7 @@
     </p:spTree>
     <p:extLst>
       <p:ext uri="{BB962C8B-B14F-4D97-AF65-F5344CB8AC3E}">
-        <p14:creationId xmlns:p14="http://schemas.microsoft.com/office/powerpoint/2010/main" val="2765970928"/>
+        <p14:creationId xmlns:p14="http://schemas.microsoft.com/office/powerpoint/2010/main" val="4026611260"/>
       </p:ext>
     </p:extLst>
   </p:cSld>
@@ -1621,7 +1784,7 @@
           <a:p>
             <a:fld id="{625D4AC4-540A-4436-887D-BF6A8FCF1275}" type="slidenum">
               <a:rPr lang="ko-KR" altLang="en-US" smtClean="0"/>
-              <a:t>41</a:t>
+              <a:t>40</a:t>
             </a:fld>
             <a:endParaRPr lang="ko-KR" altLang="en-US"/>
           </a:p>
@@ -1630,7 +1793,7 @@
     </p:spTree>
     <p:extLst>
       <p:ext uri="{BB962C8B-B14F-4D97-AF65-F5344CB8AC3E}">
-        <p14:creationId xmlns:p14="http://schemas.microsoft.com/office/powerpoint/2010/main" val="873420243"/>
+        <p14:creationId xmlns:p14="http://schemas.microsoft.com/office/powerpoint/2010/main" val="2765970928"/>
       </p:ext>
     </p:extLst>
   </p:cSld>
@@ -6884,10 +7047,9 @@
               <a:t> </a:t>
             </a:r>
             <a:r>
-              <a:rPr lang="ko-KR" altLang="en-US" dirty="0" err="1"/>
-              <a:t>계정만들기</a:t>
-            </a:r>
-            <a:endParaRPr lang="ko-KR" altLang="en-US" dirty="0"/>
+              <a:rPr lang="ko-KR" altLang="en-US" dirty="0"/>
+              <a:t>저장소 만들기</a:t>
+            </a:r>
           </a:p>
         </p:txBody>
       </p:sp>
@@ -7511,10 +7673,9 @@
               <a:t> </a:t>
             </a:r>
             <a:r>
-              <a:rPr lang="ko-KR" altLang="en-US" dirty="0" err="1"/>
-              <a:t>계정만들기</a:t>
-            </a:r>
-            <a:endParaRPr lang="ko-KR" altLang="en-US" dirty="0"/>
+              <a:rPr lang="ko-KR" altLang="en-US" dirty="0"/>
+              <a:t>저장소 만들기</a:t>
+            </a:r>
           </a:p>
         </p:txBody>
       </p:sp>
@@ -8017,10 +8178,9 @@
               <a:t> </a:t>
             </a:r>
             <a:r>
-              <a:rPr lang="ko-KR" altLang="en-US" dirty="0" err="1"/>
-              <a:t>계정만들기</a:t>
-            </a:r>
-            <a:endParaRPr lang="ko-KR" altLang="en-US" dirty="0"/>
+              <a:rPr lang="ko-KR" altLang="en-US" dirty="0"/>
+              <a:t>저장소 만들기</a:t>
+            </a:r>
           </a:p>
         </p:txBody>
       </p:sp>
@@ -8486,10 +8646,9 @@
               <a:t> </a:t>
             </a:r>
             <a:r>
-              <a:rPr lang="ko-KR" altLang="en-US" dirty="0" err="1"/>
-              <a:t>계정만들기</a:t>
-            </a:r>
-            <a:endParaRPr lang="ko-KR" altLang="en-US" dirty="0"/>
+              <a:rPr lang="ko-KR" altLang="en-US" dirty="0"/>
+              <a:t>저장소 만들기</a:t>
+            </a:r>
           </a:p>
         </p:txBody>
       </p:sp>
@@ -8930,10 +9089,9 @@
               <a:t> </a:t>
             </a:r>
             <a:r>
-              <a:rPr lang="ko-KR" altLang="en-US" dirty="0" err="1"/>
-              <a:t>계정만들기</a:t>
-            </a:r>
-            <a:endParaRPr lang="ko-KR" altLang="en-US" dirty="0"/>
+              <a:rPr lang="ko-KR" altLang="en-US" dirty="0"/>
+              <a:t>저장소 만들기</a:t>
+            </a:r>
           </a:p>
         </p:txBody>
       </p:sp>
@@ -9097,10 +9255,9 @@
               <a:t> </a:t>
             </a:r>
             <a:r>
-              <a:rPr lang="ko-KR" altLang="en-US" dirty="0" err="1"/>
-              <a:t>계정만들기</a:t>
-            </a:r>
-            <a:endParaRPr lang="ko-KR" altLang="en-US" dirty="0"/>
+              <a:rPr lang="ko-KR" altLang="en-US" dirty="0"/>
+              <a:t>저장소 만들기</a:t>
+            </a:r>
           </a:p>
         </p:txBody>
       </p:sp>
@@ -9254,10 +9411,9 @@
               <a:t> </a:t>
             </a:r>
             <a:r>
-              <a:rPr lang="ko-KR" altLang="en-US" dirty="0" err="1"/>
-              <a:t>계정만들기</a:t>
-            </a:r>
-            <a:endParaRPr lang="ko-KR" altLang="en-US" dirty="0"/>
+              <a:rPr lang="ko-KR" altLang="en-US" dirty="0"/>
+              <a:t>저장소 만들기</a:t>
+            </a:r>
           </a:p>
         </p:txBody>
       </p:sp>
@@ -9557,10 +9713,9 @@
               <a:t> </a:t>
             </a:r>
             <a:r>
-              <a:rPr lang="ko-KR" altLang="en-US" dirty="0" err="1"/>
-              <a:t>계정만들기</a:t>
-            </a:r>
-            <a:endParaRPr lang="ko-KR" altLang="en-US" dirty="0"/>
+              <a:rPr lang="ko-KR" altLang="en-US" dirty="0"/>
+              <a:t>저장소 만들기</a:t>
+            </a:r>
           </a:p>
         </p:txBody>
       </p:sp>
@@ -13241,8 +13396,8 @@
         </p:nvSpPr>
         <p:spPr>
           <a:xfrm>
-            <a:off x="5347672" y="5927715"/>
-            <a:ext cx="3928526" cy="307777"/>
+            <a:off x="5146036" y="5927715"/>
+            <a:ext cx="4036378" cy="307777"/>
           </a:xfrm>
           <a:prstGeom prst="rect">
             <a:avLst/>
@@ -13283,7 +13438,7 @@
               <a:rPr lang="en-US" altLang="ko-KR" sz="1400" dirty="0">
                 <a:latin typeface="+mn-ea"/>
               </a:rPr>
-              <a:t>$ git –branches –</a:t>
+              <a:t>$ git --branches --</a:t>
             </a:r>
             <a:r>
               <a:rPr lang="en-US" altLang="ko-KR" sz="1400" dirty="0" err="1">
@@ -13295,7 +13450,7 @@
               <a:rPr lang="en-US" altLang="ko-KR" sz="1400" dirty="0">
                 <a:latin typeface="+mn-ea"/>
               </a:rPr>
-              <a:t> –graph </a:t>
+              <a:t>  --graph </a:t>
             </a:r>
             <a:r>
               <a:rPr lang="ko-KR" altLang="en-US" sz="1400" dirty="0">
@@ -13321,7 +13476,7 @@
         </p:nvSpPr>
         <p:spPr>
           <a:xfrm>
-            <a:off x="1004968" y="5927715"/>
+            <a:off x="840846" y="5927715"/>
             <a:ext cx="3320451" cy="307777"/>
           </a:xfrm>
           <a:prstGeom prst="rect">
@@ -14015,8 +14170,8 @@
         </p:nvSpPr>
         <p:spPr>
           <a:xfrm>
-            <a:off x="341787" y="1120544"/>
-            <a:ext cx="8642350" cy="3153505"/>
+            <a:off x="341786" y="1120544"/>
+            <a:ext cx="8802213" cy="3153505"/>
           </a:xfrm>
           <a:prstGeom prst="rect">
             <a:avLst/>
@@ -14318,7 +14473,25 @@
               <a:rPr lang="en-US" altLang="ko-KR" dirty="0">
                 <a:latin typeface="+mn-ea"/>
               </a:rPr>
-              <a:t>push</a:t>
+              <a:t>push ( </a:t>
+            </a:r>
+            <a:r>
+              <a:rPr lang="ko-KR" altLang="en-US" dirty="0" err="1">
+                <a:latin typeface="+mn-ea"/>
+              </a:rPr>
+              <a:t>브랜치를</a:t>
+            </a:r>
+            <a:r>
+              <a:rPr lang="ko-KR" altLang="en-US" dirty="0">
+                <a:latin typeface="+mn-ea"/>
+              </a:rPr>
+              <a:t> 이동하지 않고 아래 명령을 수행해도 되나 확실하게 하기 위함</a:t>
+            </a:r>
+            <a:r>
+              <a:rPr lang="en-US" altLang="ko-KR" dirty="0">
+                <a:latin typeface="+mn-ea"/>
+              </a:rPr>
+              <a:t>)</a:t>
             </a:r>
           </a:p>
           <a:p>
@@ -14501,7 +14674,7 @@
           <p:nvPr/>
         </p:nvPicPr>
         <p:blipFill>
-          <a:blip r:embed="rId2"/>
+          <a:blip r:embed="rId3"/>
           <a:stretch>
             <a:fillRect/>
           </a:stretch>
@@ -15994,7 +16167,7 @@
             <a:r>
               <a:rPr lang="ko-KR" altLang="en-US" sz="1600" i="1" dirty="0">
                 <a:solidFill>
-                  <a:srgbClr val="333300"/>
+                  <a:srgbClr val="FF0000"/>
                 </a:solidFill>
                 <a:latin typeface="+mn-ea"/>
               </a:rPr>
@@ -16003,7 +16176,7 @@
             <a:r>
               <a:rPr lang="en-US" altLang="ko-KR" sz="1600" i="1" dirty="0">
                 <a:solidFill>
-                  <a:srgbClr val="333300"/>
+                  <a:srgbClr val="FF0000"/>
                 </a:solidFill>
                 <a:latin typeface="+mn-ea"/>
               </a:rPr>
@@ -16366,7 +16539,19 @@
               <a:rPr lang="en-US" altLang="ko-KR" dirty="0">
                 <a:latin typeface="+mn-ea"/>
               </a:rPr>
-              <a:t>   ☞ git remote add origin &lt;homework </a:t>
+              <a:t>   ☞ git remote add origin &lt;</a:t>
+            </a:r>
+            <a:r>
+              <a:rPr lang="en-US" altLang="ko-KR" dirty="0" err="1">
+                <a:latin typeface="+mn-ea"/>
+              </a:rPr>
+              <a:t>daniel-hw</a:t>
+            </a:r>
+            <a:r>
+              <a:rPr lang="en-US" altLang="ko-KR" dirty="0">
+                <a:latin typeface="+mn-ea"/>
+              </a:rPr>
+              <a:t> </a:t>
             </a:r>
             <a:r>
               <a:rPr lang="en-US" altLang="ko-KR" dirty="0" err="1">
@@ -16436,7 +16621,7 @@
               <a:rPr lang="en-US" altLang="ko-KR" dirty="0">
                 <a:latin typeface="+mn-ea"/>
               </a:rPr>
-              <a:t>School</a:t>
+              <a:t>school</a:t>
             </a:r>
             <a:r>
               <a:rPr lang="ko-KR" altLang="en-US" dirty="0">
@@ -16629,7 +16814,7 @@
         </p:nvSpPr>
         <p:spPr>
           <a:xfrm>
-            <a:off x="341787" y="1120544"/>
+            <a:off x="341787" y="1015037"/>
             <a:ext cx="8642350" cy="5092687"/>
           </a:xfrm>
           <a:prstGeom prst="rect">
@@ -16885,19 +17070,19 @@
               <a:rPr lang="en-US" altLang="ko-KR" dirty="0">
                 <a:latin typeface="+mn-ea"/>
               </a:rPr>
-              <a:t>   ☞ </a:t>
+              <a:t>   ☞ git remote add origin &lt;</a:t>
             </a:r>
             <a:r>
               <a:rPr lang="en-US" altLang="ko-KR" dirty="0" err="1">
                 <a:latin typeface="+mn-ea"/>
               </a:rPr>
-              <a:t>git</a:t>
+              <a:t>daniel-hw</a:t>
             </a:r>
             <a:r>
               <a:rPr lang="en-US" altLang="ko-KR" dirty="0">
                 <a:latin typeface="+mn-ea"/>
               </a:rPr>
-              <a:t> remote add origin &lt;homework </a:t>
+              <a:t> </a:t>
             </a:r>
             <a:r>
               <a:rPr lang="en-US" altLang="ko-KR" dirty="0" err="1">
@@ -17163,8 +17348,26 @@
           <a:p>
             <a:pPr marL="609600" lvl="1" indent="-342900">
               <a:buFont typeface="+mj-ea"/>
-              <a:buAutoNum type="circleNumDbPlain" startAt="4"/>
+              <a:buAutoNum type="circleNumDbPlain" startAt="2"/>
             </a:pPr>
+            <a:r>
+              <a:rPr lang="en-US" altLang="ko-KR" dirty="0">
+                <a:latin typeface="+mn-ea"/>
+              </a:rPr>
+              <a:t>home </a:t>
+            </a:r>
+            <a:r>
+              <a:rPr lang="ko-KR" altLang="en-US" dirty="0">
+                <a:latin typeface="+mn-ea"/>
+              </a:rPr>
+              <a:t>폴더에서 </a:t>
+            </a:r>
+            <a:r>
+              <a:rPr lang="en-US" altLang="ko-KR" dirty="0">
+                <a:latin typeface="+mn-ea"/>
+              </a:rPr>
+              <a:t>bash exit</a:t>
+            </a:r>
             <a:endParaRPr lang="en-US" altLang="ko-KR" sz="1100" dirty="0">
               <a:latin typeface="+mn-ea"/>
             </a:endParaRPr>

--- a/git및github첫걸음2-원격저장소만들기.pptx
+++ b/git및github첫걸음2-원격저장소만들기.pptx
@@ -15746,13 +15746,43 @@
               <a:rPr lang="en-US" altLang="ko-KR" dirty="0">
                 <a:latin typeface="+mn-ea"/>
               </a:rPr>
-              <a:t>Working directory</a:t>
+              <a:t>Working </a:t>
+            </a:r>
+            <a:r>
+              <a:rPr lang="en-US" altLang="ko-KR" dirty="0" smtClean="0">
+                <a:latin typeface="+mn-ea"/>
+              </a:rPr>
+              <a:t>directory(</a:t>
+            </a:r>
+            <a:r>
+              <a:rPr lang="ko-KR" altLang="en-US" dirty="0" smtClean="0">
+                <a:latin typeface="+mn-ea"/>
+              </a:rPr>
+              <a:t>새로운 폴더 구성</a:t>
+            </a:r>
+            <a:r>
+              <a:rPr lang="en-US" altLang="ko-KR" dirty="0" smtClean="0">
+                <a:latin typeface="+mn-ea"/>
+              </a:rPr>
+              <a:t>)</a:t>
+            </a:r>
+            <a:r>
+              <a:rPr lang="ko-KR" altLang="en-US" dirty="0" smtClean="0">
+                <a:latin typeface="+mn-ea"/>
+              </a:rPr>
+              <a:t>에 </a:t>
             </a:r>
             <a:r>
               <a:rPr lang="ko-KR" altLang="en-US" dirty="0">
                 <a:latin typeface="+mn-ea"/>
               </a:rPr>
-              <a:t>에 두 가지의 폴더 만들기 </a:t>
+              <a:t>두 가지의 폴더 </a:t>
+            </a:r>
+            <a:r>
+              <a:rPr lang="ko-KR" altLang="en-US" dirty="0" smtClean="0">
+                <a:latin typeface="+mn-ea"/>
+              </a:rPr>
+              <a:t>만들기</a:t>
             </a:r>
             <a:endParaRPr lang="en-US" altLang="ko-KR" dirty="0">
               <a:latin typeface="+mn-ea"/>
@@ -17059,7 +17089,19 @@
               <a:rPr lang="en-US" altLang="ko-KR" dirty="0">
                 <a:latin typeface="+mn-ea"/>
               </a:rPr>
-              <a:t> branch –M main</a:t>
+              <a:t> branch </a:t>
+            </a:r>
+            <a:r>
+              <a:rPr lang="en-US" altLang="ko-KR" dirty="0" smtClean="0">
+                <a:latin typeface="+mn-ea"/>
+              </a:rPr>
+              <a:t>-M </a:t>
+            </a:r>
+            <a:r>
+              <a:rPr lang="en-US" altLang="ko-KR" dirty="0">
+                <a:latin typeface="+mn-ea"/>
+              </a:rPr>
+              <a:t>main</a:t>
             </a:r>
           </a:p>
           <a:p>
@@ -19168,8 +19210,8 @@
         </p:nvSpPr>
         <p:spPr>
           <a:xfrm>
-            <a:off x="341787" y="1120544"/>
-            <a:ext cx="8642350" cy="3692755"/>
+            <a:off x="341787" y="1120545"/>
+            <a:ext cx="8642350" cy="3170102"/>
           </a:xfrm>
           <a:prstGeom prst="rect">
             <a:avLst/>
@@ -19462,11 +19504,14 @@
               <a:t>을 먼저 시행해서 최근에 수정된 자료로 작업해야 함</a:t>
             </a:r>
             <a:r>
-              <a:rPr lang="en-US" altLang="ko-KR" dirty="0">
+              <a:rPr lang="en-US" altLang="ko-KR" dirty="0" smtClean="0">
                 <a:latin typeface="+mn-ea"/>
               </a:rPr>
               <a:t>.</a:t>
             </a:r>
+            <a:endParaRPr lang="en-US" altLang="ko-KR" dirty="0">
+              <a:latin typeface="+mn-ea"/>
+            </a:endParaRPr>
           </a:p>
           <a:p>
             <a:pPr marL="266700" lvl="1" indent="0">
@@ -19486,7 +19531,7 @@
         </p:nvSpPr>
         <p:spPr>
           <a:xfrm>
-            <a:off x="656187" y="5851499"/>
+            <a:off x="676284" y="5859437"/>
             <a:ext cx="5101076" cy="338554"/>
           </a:xfrm>
           <a:prstGeom prst="rect">
@@ -19557,6 +19602,346 @@
               <a:t>/42</a:t>
             </a:r>
             <a:endParaRPr lang="ko-KR" altLang="en-US" dirty="0"/>
+          </a:p>
+        </p:txBody>
+      </p:sp>
+      <p:sp>
+        <p:nvSpPr>
+          <p:cNvPr id="6" name="내용 개체 틀 2">
+            <a:extLst>
+              <a:ext uri="{FF2B5EF4-FFF2-40B4-BE49-F238E27FC236}">
+                <a16:creationId xmlns:a16="http://schemas.microsoft.com/office/drawing/2014/main" id="{A44AC902-3746-40D6-9827-94B46EEDDC67}"/>
+              </a:ext>
+            </a:extLst>
+          </p:cNvPr>
+          <p:cNvSpPr txBox="1">
+            <a:spLocks/>
+          </p:cNvSpPr>
+          <p:nvPr/>
+        </p:nvSpPr>
+        <p:spPr>
+          <a:xfrm>
+            <a:off x="341787" y="4290648"/>
+            <a:ext cx="8642350" cy="1406768"/>
+          </a:xfrm>
+          <a:prstGeom prst="rect">
+            <a:avLst/>
+          </a:prstGeom>
+        </p:spPr>
+        <p:txBody>
+          <a:bodyPr vert="horz" lIns="91440" tIns="45720" rIns="91440" bIns="45720" rtlCol="0">
+            <a:noAutofit/>
+          </a:bodyPr>
+          <a:lstStyle>
+            <a:lvl1pPr marL="266700" indent="-266700" defTabSz="914400" latinLnBrk="1">
+              <a:lnSpc>
+                <a:spcPct val="150000"/>
+              </a:lnSpc>
+              <a:spcBef>
+                <a:spcPct val="0"/>
+              </a:spcBef>
+              <a:buClr>
+                <a:schemeClr val="tx1">
+                  <a:lumMod val="65000"/>
+                  <a:lumOff val="35000"/>
+                </a:schemeClr>
+              </a:buClr>
+              <a:buFont typeface="Wingdings" pitchFamily="2" charset="2"/>
+              <a:buChar char="n"/>
+              <a:defRPr sz="2000" b="1">
+                <a:latin typeface="+mn-ea"/>
+              </a:defRPr>
+            </a:lvl1pPr>
+            <a:lvl2pPr marL="447675" lvl="1" indent="-180975" defTabSz="914400" latinLnBrk="1">
+              <a:lnSpc>
+                <a:spcPct val="150000"/>
+              </a:lnSpc>
+              <a:spcBef>
+                <a:spcPts val="0"/>
+              </a:spcBef>
+              <a:spcAft>
+                <a:spcPts val="0"/>
+              </a:spcAft>
+              <a:buClr>
+                <a:schemeClr val="tx1">
+                  <a:lumMod val="50000"/>
+                  <a:lumOff val="50000"/>
+                </a:schemeClr>
+              </a:buClr>
+              <a:buFont typeface="Wingdings" pitchFamily="2" charset="2"/>
+              <a:buChar char="§"/>
+              <a:defRPr sz="1600"/>
+            </a:lvl2pPr>
+            <a:lvl3pPr marL="628650" indent="-180975" defTabSz="914400" latinLnBrk="1">
+              <a:lnSpc>
+                <a:spcPct val="150000"/>
+              </a:lnSpc>
+              <a:spcBef>
+                <a:spcPts val="500"/>
+              </a:spcBef>
+              <a:spcAft>
+                <a:spcPts val="300"/>
+              </a:spcAft>
+              <a:buClr>
+                <a:schemeClr val="tx1">
+                  <a:lumMod val="65000"/>
+                  <a:lumOff val="35000"/>
+                </a:schemeClr>
+              </a:buClr>
+              <a:buFont typeface="Arial" panose="020B0604020202020204" pitchFamily="34" charset="0"/>
+              <a:buChar char="•"/>
+              <a:defRPr sz="1400"/>
+            </a:lvl3pPr>
+            <a:lvl4pPr marL="809625" indent="-180975" defTabSz="914400" latinLnBrk="1">
+              <a:lnSpc>
+                <a:spcPct val="150000"/>
+              </a:lnSpc>
+              <a:spcBef>
+                <a:spcPts val="500"/>
+              </a:spcBef>
+              <a:spcAft>
+                <a:spcPts val="300"/>
+              </a:spcAft>
+              <a:buClr>
+                <a:schemeClr val="tx1">
+                  <a:lumMod val="65000"/>
+                  <a:lumOff val="35000"/>
+                </a:schemeClr>
+              </a:buClr>
+              <a:buSzPct val="96000"/>
+              <a:buFont typeface="Arial" panose="020B0604020202020204" pitchFamily="34" charset="0"/>
+              <a:buChar char="•"/>
+              <a:defRPr sz="1200"/>
+            </a:lvl4pPr>
+            <a:lvl5pPr marL="990600" indent="-180975" defTabSz="914400" latinLnBrk="1">
+              <a:lnSpc>
+                <a:spcPct val="150000"/>
+              </a:lnSpc>
+              <a:spcBef>
+                <a:spcPts val="500"/>
+              </a:spcBef>
+              <a:buClr>
+                <a:schemeClr val="tx1">
+                  <a:lumMod val="65000"/>
+                  <a:lumOff val="35000"/>
+                </a:schemeClr>
+              </a:buClr>
+              <a:buFont typeface="Arial" panose="020B0604020202020204" pitchFamily="34" charset="0"/>
+              <a:buChar char="•"/>
+              <a:defRPr sz="1000"/>
+            </a:lvl5pPr>
+            <a:lvl6pPr marL="2514600" indent="-228600" defTabSz="914400" latinLnBrk="1">
+              <a:lnSpc>
+                <a:spcPct val="90000"/>
+              </a:lnSpc>
+              <a:spcBef>
+                <a:spcPts val="500"/>
+              </a:spcBef>
+              <a:buFont typeface="Arial" panose="020B0604020202020204" pitchFamily="34" charset="0"/>
+              <a:buChar char="•"/>
+            </a:lvl6pPr>
+            <a:lvl7pPr marL="2971800" indent="-228600" defTabSz="914400" latinLnBrk="1">
+              <a:lnSpc>
+                <a:spcPct val="90000"/>
+              </a:lnSpc>
+              <a:spcBef>
+                <a:spcPts val="500"/>
+              </a:spcBef>
+              <a:buFont typeface="Arial" panose="020B0604020202020204" pitchFamily="34" charset="0"/>
+              <a:buChar char="•"/>
+            </a:lvl7pPr>
+            <a:lvl8pPr marL="3429000" indent="-228600" defTabSz="914400" latinLnBrk="1">
+              <a:lnSpc>
+                <a:spcPct val="90000"/>
+              </a:lnSpc>
+              <a:spcBef>
+                <a:spcPts val="500"/>
+              </a:spcBef>
+              <a:buFont typeface="Arial" panose="020B0604020202020204" pitchFamily="34" charset="0"/>
+              <a:buChar char="•"/>
+            </a:lvl8pPr>
+            <a:lvl9pPr marL="3886200" indent="-228600" defTabSz="914400" latinLnBrk="1">
+              <a:lnSpc>
+                <a:spcPct val="90000"/>
+              </a:lnSpc>
+              <a:spcBef>
+                <a:spcPts val="500"/>
+              </a:spcBef>
+              <a:buFont typeface="Arial" panose="020B0604020202020204" pitchFamily="34" charset="0"/>
+              <a:buChar char="•"/>
+            </a:lvl9pPr>
+          </a:lstStyle>
+          <a:p>
+            <a:r>
+              <a:rPr lang="ko-KR" altLang="en-US" dirty="0" smtClean="0"/>
+              <a:t>로컬 </a:t>
+            </a:r>
+            <a:r>
+              <a:rPr lang="en-US" altLang="ko-KR" dirty="0" smtClean="0"/>
+              <a:t>repo</a:t>
+            </a:r>
+            <a:r>
+              <a:rPr lang="ko-KR" altLang="en-US" dirty="0" smtClean="0"/>
+              <a:t>를 생성할 때 </a:t>
+            </a:r>
+            <a:r>
+              <a:rPr lang="ko-KR" altLang="en-US" dirty="0" smtClean="0"/>
+              <a:t>항상 기억하기 </a:t>
+            </a:r>
+            <a:r>
+              <a:rPr lang="en-US" altLang="ko-KR" dirty="0" smtClean="0"/>
+              <a:t>(</a:t>
+            </a:r>
+            <a:r>
+              <a:rPr lang="ko-KR" altLang="en-US" dirty="0" smtClean="0"/>
+              <a:t>아래 두가지는 반드시 수행</a:t>
+            </a:r>
+            <a:r>
+              <a:rPr lang="en-US" altLang="ko-KR" dirty="0" smtClean="0"/>
+              <a:t>)</a:t>
+            </a:r>
+            <a:endParaRPr lang="en-US" altLang="ko-KR" dirty="0"/>
+          </a:p>
+          <a:p>
+            <a:pPr lvl="1"/>
+            <a:r>
+              <a:rPr lang="en-US" altLang="ko-KR" dirty="0" smtClean="0">
+                <a:latin typeface="+mn-ea"/>
+              </a:rPr>
+              <a:t>Working directory</a:t>
+            </a:r>
+            <a:r>
+              <a:rPr lang="ko-KR" altLang="en-US" dirty="0" smtClean="0">
+                <a:latin typeface="+mn-ea"/>
+              </a:rPr>
+              <a:t>에서 </a:t>
+            </a:r>
+            <a:r>
+              <a:rPr lang="en-US" altLang="ko-KR" dirty="0" err="1" smtClean="0">
+                <a:solidFill>
+                  <a:srgbClr val="FF0000"/>
+                </a:solidFill>
+                <a:latin typeface="+mn-ea"/>
+              </a:rPr>
+              <a:t>git</a:t>
+            </a:r>
+            <a:r>
+              <a:rPr lang="en-US" altLang="ko-KR" dirty="0" smtClean="0">
+                <a:solidFill>
+                  <a:srgbClr val="FF0000"/>
+                </a:solidFill>
+                <a:latin typeface="+mn-ea"/>
+              </a:rPr>
+              <a:t> </a:t>
+            </a:r>
+            <a:r>
+              <a:rPr lang="en-US" altLang="ko-KR" dirty="0" err="1" smtClean="0">
+                <a:solidFill>
+                  <a:srgbClr val="FF0000"/>
+                </a:solidFill>
+                <a:latin typeface="+mn-ea"/>
+              </a:rPr>
+              <a:t>init</a:t>
+            </a:r>
+            <a:r>
+              <a:rPr lang="ko-KR" altLang="en-US" dirty="0" smtClean="0">
+                <a:solidFill>
+                  <a:srgbClr val="FF0000"/>
+                </a:solidFill>
+                <a:latin typeface="+mn-ea"/>
+              </a:rPr>
+              <a:t>를 사용하여 </a:t>
+            </a:r>
+            <a:r>
+              <a:rPr lang="en-US" altLang="ko-KR" dirty="0" smtClean="0">
+                <a:solidFill>
+                  <a:srgbClr val="FF0000"/>
+                </a:solidFill>
+                <a:latin typeface="+mn-ea"/>
+              </a:rPr>
+              <a:t>.</a:t>
+            </a:r>
+            <a:r>
+              <a:rPr lang="en-US" altLang="ko-KR" dirty="0" err="1" smtClean="0">
+                <a:solidFill>
+                  <a:srgbClr val="FF0000"/>
+                </a:solidFill>
+                <a:latin typeface="+mn-ea"/>
+              </a:rPr>
+              <a:t>git</a:t>
+            </a:r>
+            <a:r>
+              <a:rPr lang="en-US" altLang="ko-KR" dirty="0" smtClean="0">
+                <a:solidFill>
+                  <a:srgbClr val="FF0000"/>
+                </a:solidFill>
+                <a:latin typeface="+mn-ea"/>
+              </a:rPr>
+              <a:t>/  </a:t>
+            </a:r>
+            <a:r>
+              <a:rPr lang="ko-KR" altLang="en-US" dirty="0" smtClean="0">
+                <a:solidFill>
+                  <a:srgbClr val="FF0000"/>
+                </a:solidFill>
+                <a:latin typeface="+mn-ea"/>
+              </a:rPr>
+              <a:t>생성</a:t>
+            </a:r>
+            <a:r>
+              <a:rPr lang="en-US" altLang="ko-KR" dirty="0" smtClean="0">
+                <a:solidFill>
+                  <a:srgbClr val="FF0000"/>
+                </a:solidFill>
+                <a:latin typeface="+mn-ea"/>
+              </a:rPr>
+              <a:t> </a:t>
+            </a:r>
+          </a:p>
+          <a:p>
+            <a:pPr lvl="1"/>
+            <a:r>
+              <a:rPr lang="ko-KR" altLang="en-US" dirty="0" smtClean="0">
+                <a:latin typeface="+mn-ea"/>
+              </a:rPr>
+              <a:t>반드시 </a:t>
+            </a:r>
+            <a:r>
+              <a:rPr lang="en-US" altLang="ko-KR" dirty="0" smtClean="0">
+                <a:latin typeface="+mn-ea"/>
+              </a:rPr>
+              <a:t>add, commit</a:t>
+            </a:r>
+            <a:r>
+              <a:rPr lang="ko-KR" altLang="en-US" dirty="0" smtClean="0">
+                <a:latin typeface="+mn-ea"/>
+              </a:rPr>
+              <a:t>은 </a:t>
+            </a:r>
+            <a:r>
+              <a:rPr lang="ko-KR" altLang="en-US" dirty="0" smtClean="0">
+                <a:solidFill>
+                  <a:srgbClr val="FF0000"/>
+                </a:solidFill>
+                <a:latin typeface="+mn-ea"/>
+              </a:rPr>
+              <a:t>최소한 한번은 수행한 후에 </a:t>
+            </a:r>
+            <a:r>
+              <a:rPr lang="ko-KR" altLang="en-US" dirty="0" smtClean="0">
+                <a:latin typeface="+mn-ea"/>
+              </a:rPr>
+              <a:t>다른 작업 수행</a:t>
+            </a:r>
+            <a:r>
+              <a:rPr lang="en-US" altLang="ko-KR" dirty="0" smtClean="0">
+                <a:latin typeface="+mn-ea"/>
+              </a:rPr>
+              <a:t>.</a:t>
+            </a:r>
+            <a:endParaRPr lang="en-US" altLang="ko-KR" dirty="0">
+              <a:latin typeface="+mn-ea"/>
+            </a:endParaRPr>
           </a:p>
         </p:txBody>
       </p:sp>
